--- a/docs/W10582孙晓宇.pptx
+++ b/docs/W10582孙晓宇.pptx
@@ -5,10 +5,10 @@
     <p:sldMasterId id="2147493455" r:id="rId4"/>
   </p:sldMasterIdLst>
   <p:notesMasterIdLst>
-    <p:notesMasterId r:id="rId34"/>
+    <p:notesMasterId r:id="rId36"/>
   </p:notesMasterIdLst>
   <p:handoutMasterIdLst>
-    <p:handoutMasterId r:id="rId35"/>
+    <p:handoutMasterId r:id="rId37"/>
   </p:handoutMasterIdLst>
   <p:sldIdLst>
     <p:sldId id="284" r:id="rId5"/>
@@ -31,15 +31,17 @@
     <p:sldId id="318" r:id="rId22"/>
     <p:sldId id="322" r:id="rId23"/>
     <p:sldId id="320" r:id="rId24"/>
-    <p:sldId id="319" r:id="rId25"/>
-    <p:sldId id="333" r:id="rId26"/>
-    <p:sldId id="301" r:id="rId27"/>
-    <p:sldId id="304" r:id="rId28"/>
-    <p:sldId id="321" r:id="rId29"/>
-    <p:sldId id="302" r:id="rId30"/>
-    <p:sldId id="334" r:id="rId31"/>
-    <p:sldId id="298" r:id="rId32"/>
-    <p:sldId id="291" r:id="rId33"/>
+    <p:sldId id="338" r:id="rId25"/>
+    <p:sldId id="319" r:id="rId26"/>
+    <p:sldId id="333" r:id="rId27"/>
+    <p:sldId id="301" r:id="rId28"/>
+    <p:sldId id="304" r:id="rId29"/>
+    <p:sldId id="321" r:id="rId30"/>
+    <p:sldId id="302" r:id="rId31"/>
+    <p:sldId id="337" r:id="rId32"/>
+    <p:sldId id="334" r:id="rId33"/>
+    <p:sldId id="298" r:id="rId34"/>
+    <p:sldId id="291" r:id="rId35"/>
   </p:sldIdLst>
   <p:sldSz cx="9144000" cy="6858000" type="screen4x3"/>
   <p:notesSz cx="6858000" cy="9144000"/>
@@ -309,7 +311,7 @@
             <a:fld id="{4BB050E6-22C8-E54B-958B-7030E84226CD}" type="datetimeFigureOut">
               <a:rPr lang="en-US" smtClean="0"/>
               <a:pPr/>
-              <a:t>11/9/2017</a:t>
+              <a:t>11/13/2017</a:t>
             </a:fld>
             <a:endParaRPr lang="en-US" dirty="0"/>
           </a:p>
@@ -476,7 +478,7 @@
             <a:fld id="{7C5C2FAD-580B-A840-A132-9D7B4F3AC43B}" type="datetimeFigureOut">
               <a:rPr lang="en-US" smtClean="0"/>
               <a:pPr/>
-              <a:t>11/9/2017</a:t>
+              <a:t>11/13/2017</a:t>
             </a:fld>
             <a:endParaRPr lang="en-US" dirty="0"/>
           </a:p>
@@ -830,6 +832,362 @@
 </p:notes>
 </file>
 
+<file path=ppt/notesSlides/notesSlide10.xml><?xml version="1.0" encoding="utf-8"?>
+<p:notes xmlns:a="http://schemas.openxmlformats.org/drawingml/2006/main" xmlns:r="http://schemas.openxmlformats.org/officeDocument/2006/relationships" xmlns:p="http://schemas.openxmlformats.org/presentationml/2006/main">
+  <p:cSld>
+    <p:spTree>
+      <p:nvGrpSpPr>
+        <p:cNvPr id="1" name=""/>
+        <p:cNvGrpSpPr/>
+        <p:nvPr/>
+      </p:nvGrpSpPr>
+      <p:grpSpPr>
+        <a:xfrm>
+          <a:off x="0" y="0"/>
+          <a:ext cx="0" cy="0"/>
+          <a:chOff x="0" y="0"/>
+          <a:chExt cx="0" cy="0"/>
+        </a:xfrm>
+      </p:grpSpPr>
+      <p:sp>
+        <p:nvSpPr>
+          <p:cNvPr id="2" name="幻灯片图像占位符 1"/>
+          <p:cNvSpPr>
+            <a:spLocks noGrp="1" noRot="1" noChangeAspect="1"/>
+          </p:cNvSpPr>
+          <p:nvPr>
+            <p:ph type="sldImg"/>
+          </p:nvPr>
+        </p:nvSpPr>
+        <p:spPr/>
+      </p:sp>
+      <p:sp>
+        <p:nvSpPr>
+          <p:cNvPr id="3" name="备注占位符 2"/>
+          <p:cNvSpPr>
+            <a:spLocks noGrp="1"/>
+          </p:cNvSpPr>
+          <p:nvPr>
+            <p:ph type="body" idx="1"/>
+          </p:nvPr>
+        </p:nvSpPr>
+        <p:spPr/>
+        <p:txBody>
+          <a:bodyPr/>
+          <a:lstStyle/>
+          <a:p>
+            <a:endParaRPr lang="zh-CN" altLang="en-US" dirty="0"/>
+          </a:p>
+        </p:txBody>
+      </p:sp>
+      <p:sp>
+        <p:nvSpPr>
+          <p:cNvPr id="4" name="灯片编号占位符 3"/>
+          <p:cNvSpPr>
+            <a:spLocks noGrp="1"/>
+          </p:cNvSpPr>
+          <p:nvPr>
+            <p:ph type="sldNum" sz="quarter" idx="10"/>
+          </p:nvPr>
+        </p:nvSpPr>
+        <p:spPr/>
+        <p:txBody>
+          <a:bodyPr/>
+          <a:lstStyle/>
+          <a:p>
+            <a:fld id="{007AB7CF-70DA-A148-9842-61A7B7C7A363}" type="slidenum">
+              <a:rPr lang="en-US" smtClean="0"/>
+              <a:pPr/>
+              <a:t>23</a:t>
+            </a:fld>
+            <a:endParaRPr lang="en-US" dirty="0"/>
+          </a:p>
+        </p:txBody>
+      </p:sp>
+    </p:spTree>
+    <p:extLst>
+      <p:ext uri="{BB962C8B-B14F-4D97-AF65-F5344CB8AC3E}">
+        <p14:creationId xmlns:p14="http://schemas.microsoft.com/office/powerpoint/2010/main" val="4278040415"/>
+      </p:ext>
+    </p:extLst>
+  </p:cSld>
+  <p:clrMapOvr>
+    <a:masterClrMapping/>
+  </p:clrMapOvr>
+</p:notes>
+</file>
+
+<file path=ppt/notesSlides/notesSlide11.xml><?xml version="1.0" encoding="utf-8"?>
+<p:notes xmlns:a="http://schemas.openxmlformats.org/drawingml/2006/main" xmlns:r="http://schemas.openxmlformats.org/officeDocument/2006/relationships" xmlns:p="http://schemas.openxmlformats.org/presentationml/2006/main">
+  <p:cSld>
+    <p:spTree>
+      <p:nvGrpSpPr>
+        <p:cNvPr id="1" name=""/>
+        <p:cNvGrpSpPr/>
+        <p:nvPr/>
+      </p:nvGrpSpPr>
+      <p:grpSpPr>
+        <a:xfrm>
+          <a:off x="0" y="0"/>
+          <a:ext cx="0" cy="0"/>
+          <a:chOff x="0" y="0"/>
+          <a:chExt cx="0" cy="0"/>
+        </a:xfrm>
+      </p:grpSpPr>
+      <p:sp>
+        <p:nvSpPr>
+          <p:cNvPr id="2" name="幻灯片图像占位符 1"/>
+          <p:cNvSpPr>
+            <a:spLocks noGrp="1" noRot="1" noChangeAspect="1"/>
+          </p:cNvSpPr>
+          <p:nvPr>
+            <p:ph type="sldImg"/>
+          </p:nvPr>
+        </p:nvSpPr>
+        <p:spPr/>
+      </p:sp>
+      <p:sp>
+        <p:nvSpPr>
+          <p:cNvPr id="3" name="备注占位符 2"/>
+          <p:cNvSpPr>
+            <a:spLocks noGrp="1"/>
+          </p:cNvSpPr>
+          <p:nvPr>
+            <p:ph type="body" idx="1"/>
+          </p:nvPr>
+        </p:nvSpPr>
+        <p:spPr/>
+        <p:txBody>
+          <a:bodyPr/>
+          <a:lstStyle/>
+          <a:p>
+            <a:endParaRPr lang="zh-CN" altLang="en-US" dirty="0"/>
+          </a:p>
+        </p:txBody>
+      </p:sp>
+      <p:sp>
+        <p:nvSpPr>
+          <p:cNvPr id="4" name="灯片编号占位符 3"/>
+          <p:cNvSpPr>
+            <a:spLocks noGrp="1"/>
+          </p:cNvSpPr>
+          <p:nvPr>
+            <p:ph type="sldNum" sz="quarter" idx="10"/>
+          </p:nvPr>
+        </p:nvSpPr>
+        <p:spPr/>
+        <p:txBody>
+          <a:bodyPr/>
+          <a:lstStyle/>
+          <a:p>
+            <a:fld id="{007AB7CF-70DA-A148-9842-61A7B7C7A363}" type="slidenum">
+              <a:rPr lang="en-US" smtClean="0"/>
+              <a:pPr/>
+              <a:t>24</a:t>
+            </a:fld>
+            <a:endParaRPr lang="en-US" dirty="0"/>
+          </a:p>
+        </p:txBody>
+      </p:sp>
+    </p:spTree>
+    <p:extLst>
+      <p:ext uri="{BB962C8B-B14F-4D97-AF65-F5344CB8AC3E}">
+        <p14:creationId xmlns:p14="http://schemas.microsoft.com/office/powerpoint/2010/main" val="3281352785"/>
+      </p:ext>
+    </p:extLst>
+  </p:cSld>
+  <p:clrMapOvr>
+    <a:masterClrMapping/>
+  </p:clrMapOvr>
+</p:notes>
+</file>
+
+<file path=ppt/notesSlides/notesSlide12.xml><?xml version="1.0" encoding="utf-8"?>
+<p:notes xmlns:a="http://schemas.openxmlformats.org/drawingml/2006/main" xmlns:r="http://schemas.openxmlformats.org/officeDocument/2006/relationships" xmlns:p="http://schemas.openxmlformats.org/presentationml/2006/main">
+  <p:cSld>
+    <p:spTree>
+      <p:nvGrpSpPr>
+        <p:cNvPr id="1" name=""/>
+        <p:cNvGrpSpPr/>
+        <p:nvPr/>
+      </p:nvGrpSpPr>
+      <p:grpSpPr>
+        <a:xfrm>
+          <a:off x="0" y="0"/>
+          <a:ext cx="0" cy="0"/>
+          <a:chOff x="0" y="0"/>
+          <a:chExt cx="0" cy="0"/>
+        </a:xfrm>
+      </p:grpSpPr>
+      <p:sp>
+        <p:nvSpPr>
+          <p:cNvPr id="2" name="幻灯片图像占位符 1"/>
+          <p:cNvSpPr>
+            <a:spLocks noGrp="1" noRot="1" noChangeAspect="1"/>
+          </p:cNvSpPr>
+          <p:nvPr>
+            <p:ph type="sldImg"/>
+          </p:nvPr>
+        </p:nvSpPr>
+        <p:spPr/>
+      </p:sp>
+      <p:sp>
+        <p:nvSpPr>
+          <p:cNvPr id="3" name="备注占位符 2"/>
+          <p:cNvSpPr>
+            <a:spLocks noGrp="1"/>
+          </p:cNvSpPr>
+          <p:nvPr>
+            <p:ph type="body" idx="1"/>
+          </p:nvPr>
+        </p:nvSpPr>
+        <p:spPr/>
+        <p:txBody>
+          <a:bodyPr/>
+          <a:lstStyle/>
+          <a:p>
+            <a:r>
+              <a:rPr lang="en-US" altLang="zh-CN" dirty="0" err="1" smtClean="0"/>
+              <a:t>Netty</a:t>
+            </a:r>
+            <a:r>
+              <a:rPr lang="zh-CN" altLang="en-US" dirty="0" smtClean="0"/>
+              <a:t>默认每个客户端会启动</a:t>
+            </a:r>
+            <a:r>
+              <a:rPr lang="en-US" altLang="zh-CN" dirty="0" smtClean="0"/>
+              <a:t>2</a:t>
+            </a:r>
+            <a:r>
+              <a:rPr lang="zh-CN" altLang="en-US" dirty="0" smtClean="0"/>
+              <a:t>倍核心数的线程。</a:t>
+            </a:r>
+            <a:endParaRPr lang="zh-CN" altLang="en-US" dirty="0"/>
+          </a:p>
+        </p:txBody>
+      </p:sp>
+      <p:sp>
+        <p:nvSpPr>
+          <p:cNvPr id="4" name="灯片编号占位符 3"/>
+          <p:cNvSpPr>
+            <a:spLocks noGrp="1"/>
+          </p:cNvSpPr>
+          <p:nvPr>
+            <p:ph type="sldNum" sz="quarter" idx="10"/>
+          </p:nvPr>
+        </p:nvSpPr>
+        <p:spPr/>
+        <p:txBody>
+          <a:bodyPr/>
+          <a:lstStyle/>
+          <a:p>
+            <a:fld id="{007AB7CF-70DA-A148-9842-61A7B7C7A363}" type="slidenum">
+              <a:rPr lang="en-US" smtClean="0"/>
+              <a:pPr/>
+              <a:t>26</a:t>
+            </a:fld>
+            <a:endParaRPr lang="en-US" dirty="0"/>
+          </a:p>
+        </p:txBody>
+      </p:sp>
+    </p:spTree>
+    <p:extLst>
+      <p:ext uri="{BB962C8B-B14F-4D97-AF65-F5344CB8AC3E}">
+        <p14:creationId xmlns:p14="http://schemas.microsoft.com/office/powerpoint/2010/main" val="2089017278"/>
+      </p:ext>
+    </p:extLst>
+  </p:cSld>
+  <p:clrMapOvr>
+    <a:masterClrMapping/>
+  </p:clrMapOvr>
+</p:notes>
+</file>
+
+<file path=ppt/notesSlides/notesSlide13.xml><?xml version="1.0" encoding="utf-8"?>
+<p:notes xmlns:a="http://schemas.openxmlformats.org/drawingml/2006/main" xmlns:r="http://schemas.openxmlformats.org/officeDocument/2006/relationships" xmlns:p="http://schemas.openxmlformats.org/presentationml/2006/main">
+  <p:cSld>
+    <p:spTree>
+      <p:nvGrpSpPr>
+        <p:cNvPr id="1" name=""/>
+        <p:cNvGrpSpPr/>
+        <p:nvPr/>
+      </p:nvGrpSpPr>
+      <p:grpSpPr>
+        <a:xfrm>
+          <a:off x="0" y="0"/>
+          <a:ext cx="0" cy="0"/>
+          <a:chOff x="0" y="0"/>
+          <a:chExt cx="0" cy="0"/>
+        </a:xfrm>
+      </p:grpSpPr>
+      <p:sp>
+        <p:nvSpPr>
+          <p:cNvPr id="2" name="幻灯片图像占位符 1"/>
+          <p:cNvSpPr>
+            <a:spLocks noGrp="1" noRot="1" noChangeAspect="1"/>
+          </p:cNvSpPr>
+          <p:nvPr>
+            <p:ph type="sldImg"/>
+          </p:nvPr>
+        </p:nvSpPr>
+        <p:spPr/>
+      </p:sp>
+      <p:sp>
+        <p:nvSpPr>
+          <p:cNvPr id="3" name="备注占位符 2"/>
+          <p:cNvSpPr>
+            <a:spLocks noGrp="1"/>
+          </p:cNvSpPr>
+          <p:nvPr>
+            <p:ph type="body" idx="1"/>
+          </p:nvPr>
+        </p:nvSpPr>
+        <p:spPr/>
+        <p:txBody>
+          <a:bodyPr/>
+          <a:lstStyle/>
+          <a:p>
+            <a:endParaRPr lang="zh-CN" altLang="en-US" dirty="0"/>
+          </a:p>
+        </p:txBody>
+      </p:sp>
+      <p:sp>
+        <p:nvSpPr>
+          <p:cNvPr id="4" name="灯片编号占位符 3"/>
+          <p:cNvSpPr>
+            <a:spLocks noGrp="1"/>
+          </p:cNvSpPr>
+          <p:nvPr>
+            <p:ph type="sldNum" sz="quarter" idx="10"/>
+          </p:nvPr>
+        </p:nvSpPr>
+        <p:spPr/>
+        <p:txBody>
+          <a:bodyPr/>
+          <a:lstStyle/>
+          <a:p>
+            <a:fld id="{007AB7CF-70DA-A148-9842-61A7B7C7A363}" type="slidenum">
+              <a:rPr lang="en-US" smtClean="0"/>
+              <a:pPr/>
+              <a:t>29</a:t>
+            </a:fld>
+            <a:endParaRPr lang="en-US" dirty="0"/>
+          </a:p>
+        </p:txBody>
+      </p:sp>
+    </p:spTree>
+    <p:extLst>
+      <p:ext uri="{BB962C8B-B14F-4D97-AF65-F5344CB8AC3E}">
+        <p14:creationId xmlns:p14="http://schemas.microsoft.com/office/powerpoint/2010/main" val="2980533302"/>
+      </p:ext>
+    </p:extLst>
+  </p:cSld>
+  <p:clrMapOvr>
+    <a:masterClrMapping/>
+  </p:clrMapOvr>
+</p:notes>
+</file>
+
 <file path=ppt/notesSlides/notesSlide2.xml><?xml version="1.0" encoding="utf-8"?>
 <p:notes xmlns:a="http://schemas.openxmlformats.org/drawingml/2006/main" xmlns:r="http://schemas.openxmlformats.org/officeDocument/2006/relationships" xmlns:p="http://schemas.openxmlformats.org/presentationml/2006/main">
   <p:cSld>
@@ -874,7 +1232,86 @@
           <a:bodyPr/>
           <a:lstStyle/>
           <a:p>
-            <a:endParaRPr lang="zh-CN" altLang="en-US"/>
+            <a:r>
+              <a:rPr lang="en-US" altLang="zh-CN" dirty="0" err="1" smtClean="0"/>
+              <a:t>eap_device</a:t>
+            </a:r>
+            <a:r>
+              <a:rPr lang="en-US" altLang="zh-CN" baseline="0" dirty="0" smtClean="0"/>
+              <a:t> </a:t>
+            </a:r>
+            <a:r>
+              <a:rPr lang="zh-CN" altLang="en-US" baseline="0" dirty="0" smtClean="0"/>
+              <a:t>表用于储存</a:t>
+            </a:r>
+            <a:r>
+              <a:rPr lang="en-US" altLang="zh-CN" baseline="0" dirty="0" smtClean="0"/>
+              <a:t>EAP</a:t>
+            </a:r>
+            <a:r>
+              <a:rPr lang="zh-CN" altLang="en-US" baseline="0" dirty="0" smtClean="0"/>
+              <a:t>的基本属性，包括</a:t>
+            </a:r>
+            <a:r>
+              <a:rPr lang="en-US" altLang="zh-CN" baseline="0" dirty="0" smtClean="0"/>
+              <a:t>EAP</a:t>
+            </a:r>
+            <a:r>
+              <a:rPr lang="zh-CN" altLang="en-US" baseline="0" dirty="0" smtClean="0"/>
+              <a:t>型号，硬件版本，软件版本，物理地址，</a:t>
+            </a:r>
+            <a:r>
+              <a:rPr lang="en-US" altLang="zh-CN" baseline="0" dirty="0" smtClean="0"/>
+              <a:t>IP</a:t>
+            </a:r>
+            <a:r>
+              <a:rPr lang="zh-CN" altLang="en-US" baseline="0" dirty="0" smtClean="0"/>
+              <a:t>地址，登录名和密码的</a:t>
+            </a:r>
+            <a:r>
+              <a:rPr lang="en-US" altLang="zh-CN" baseline="0" dirty="0" smtClean="0"/>
+              <a:t>MD5</a:t>
+            </a:r>
+            <a:r>
+              <a:rPr lang="zh-CN" altLang="en-US" baseline="0" dirty="0" smtClean="0"/>
+              <a:t>值等。</a:t>
+            </a:r>
+            <a:endParaRPr lang="en-US" altLang="zh-CN" baseline="0" dirty="0" smtClean="0"/>
+          </a:p>
+          <a:p>
+            <a:r>
+              <a:rPr lang="en-US" altLang="zh-CN" baseline="0" dirty="0" err="1" smtClean="0"/>
+              <a:t>Eap_log</a:t>
+            </a:r>
+            <a:r>
+              <a:rPr lang="zh-CN" altLang="en-US" baseline="0" dirty="0" smtClean="0"/>
+              <a:t>表用于储存</a:t>
+            </a:r>
+            <a:r>
+              <a:rPr lang="en-US" altLang="zh-CN" baseline="0" dirty="0" smtClean="0"/>
+              <a:t>EAP</a:t>
+            </a:r>
+            <a:r>
+              <a:rPr lang="zh-CN" altLang="en-US" baseline="0" dirty="0" smtClean="0"/>
+              <a:t>与</a:t>
+            </a:r>
+            <a:r>
+              <a:rPr lang="en-US" altLang="zh-CN" baseline="0" dirty="0" smtClean="0"/>
+              <a:t>Controller</a:t>
+            </a:r>
+            <a:r>
+              <a:rPr lang="zh-CN" altLang="en-US" baseline="0" dirty="0" smtClean="0"/>
+              <a:t>交互时的报文内容，包括文本内容，接收方和发送方的</a:t>
+            </a:r>
+            <a:r>
+              <a:rPr lang="en-US" altLang="zh-CN" baseline="0" dirty="0" smtClean="0"/>
+              <a:t>IP</a:t>
+            </a:r>
+            <a:r>
+              <a:rPr lang="zh-CN" altLang="en-US" baseline="0" dirty="0" smtClean="0"/>
+              <a:t>与端口，报文产生的时间，报文的类型等。</a:t>
+            </a:r>
+            <a:endParaRPr lang="zh-CN" altLang="en-US" dirty="0"/>
           </a:p>
         </p:txBody>
       </p:sp>
@@ -959,25 +1396,7 @@
           <a:bodyPr/>
           <a:lstStyle/>
           <a:p>
-            <a:r>
-              <a:rPr lang="zh-CN" altLang="en-US" dirty="0" smtClean="0"/>
-              <a:t>模块之间的关系</a:t>
-            </a:r>
-            <a:endParaRPr lang="en-US" altLang="zh-CN" dirty="0" smtClean="0"/>
-          </a:p>
-          <a:p>
-            <a:r>
-              <a:rPr lang="zh-CN" altLang="en-US" dirty="0" smtClean="0"/>
-              <a:t>用户交互界面通过浏览器发送请求到服务端</a:t>
-            </a:r>
-            <a:endParaRPr lang="en-US" altLang="zh-CN" dirty="0" smtClean="0"/>
-          </a:p>
-          <a:p>
-            <a:r>
-              <a:rPr lang="zh-CN" altLang="en-US" dirty="0" smtClean="0"/>
-              <a:t>服务端将</a:t>
-            </a:r>
-            <a:endParaRPr lang="en-US" altLang="zh-CN" dirty="0" smtClean="0"/>
+            <a:endParaRPr lang="zh-CN" altLang="en-US" dirty="0"/>
           </a:p>
         </p:txBody>
       </p:sp>
@@ -999,7 +1418,7 @@
             <a:fld id="{007AB7CF-70DA-A148-9842-61A7B7C7A363}" type="slidenum">
               <a:rPr lang="en-US" smtClean="0"/>
               <a:pPr/>
-              <a:t>11</a:t>
+              <a:t>10</a:t>
             </a:fld>
             <a:endParaRPr lang="en-US" dirty="0"/>
           </a:p>
@@ -1008,7 +1427,7 @@
     </p:spTree>
     <p:extLst>
       <p:ext uri="{BB962C8B-B14F-4D97-AF65-F5344CB8AC3E}">
-        <p14:creationId xmlns:p14="http://schemas.microsoft.com/office/powerpoint/2010/main" val="4165168128"/>
+        <p14:creationId xmlns:p14="http://schemas.microsoft.com/office/powerpoint/2010/main" val="4268590301"/>
       </p:ext>
     </p:extLst>
   </p:cSld>
@@ -1062,235 +1481,74 @@
           <a:bodyPr/>
           <a:lstStyle/>
           <a:p>
-            <a:pPr marL="228600" indent="-228600">
-              <a:lnSpc>
-                <a:spcPct val="140000"/>
-              </a:lnSpc>
-              <a:spcAft>
-                <a:spcPts val="600"/>
-              </a:spcAft>
-              <a:buFont typeface="+mj-lt"/>
-              <a:buAutoNum type="arabicPeriod"/>
-            </a:pPr>
-            <a:r>
-              <a:rPr lang="zh-CN" altLang="en-US" sz="1200" dirty="0" smtClean="0">
-                <a:latin typeface="宋体" panose="02010600030101010101" pitchFamily="2" charset="-122"/>
-                <a:ea typeface="+mn-ea"/>
-              </a:rPr>
-              <a:t>一组</a:t>
-            </a:r>
-            <a:r>
-              <a:rPr lang="en-US" altLang="zh-CN" sz="1200" dirty="0" smtClean="0">
-                <a:latin typeface="宋体" panose="02010600030101010101" pitchFamily="2" charset="-122"/>
-                <a:ea typeface="+mn-ea"/>
-              </a:rPr>
-              <a:t>HTML</a:t>
-            </a:r>
-            <a:r>
-              <a:rPr lang="zh-CN" altLang="en-US" sz="1200" dirty="0" smtClean="0">
-                <a:latin typeface="宋体" panose="02010600030101010101" pitchFamily="2" charset="-122"/>
-                <a:ea typeface="+mn-ea"/>
-              </a:rPr>
-              <a:t>页面</a:t>
-            </a:r>
-            <a:endParaRPr lang="en-US" altLang="zh-CN" sz="1200" dirty="0" smtClean="0">
-              <a:latin typeface="宋体" panose="02010600030101010101" pitchFamily="2" charset="-122"/>
-              <a:ea typeface="+mn-ea"/>
-            </a:endParaRPr>
-          </a:p>
-          <a:p>
-            <a:pPr marL="228600" indent="-228600">
-              <a:lnSpc>
-                <a:spcPct val="140000"/>
-              </a:lnSpc>
-              <a:spcAft>
-                <a:spcPts val="600"/>
-              </a:spcAft>
-              <a:buFont typeface="+mj-lt"/>
-              <a:buAutoNum type="arabicPeriod"/>
-            </a:pPr>
-            <a:r>
-              <a:rPr lang="zh-CN" altLang="en-US" sz="1200" dirty="0" smtClean="0">
-                <a:latin typeface="宋体" panose="02010600030101010101" pitchFamily="2" charset="-122"/>
-                <a:ea typeface="+mn-ea"/>
-              </a:rPr>
-              <a:t>通过表格展示数据</a:t>
-            </a:r>
-            <a:endParaRPr lang="en-US" altLang="zh-CN" sz="1200" dirty="0" smtClean="0">
-              <a:latin typeface="宋体" panose="02010600030101010101" pitchFamily="2" charset="-122"/>
-              <a:ea typeface="+mn-ea"/>
-            </a:endParaRPr>
-          </a:p>
-          <a:p>
-            <a:pPr marL="228600" indent="-228600">
-              <a:lnSpc>
-                <a:spcPct val="140000"/>
-              </a:lnSpc>
-              <a:spcAft>
-                <a:spcPts val="600"/>
-              </a:spcAft>
-              <a:buFont typeface="+mj-lt"/>
-              <a:buAutoNum type="arabicPeriod"/>
-            </a:pPr>
-            <a:r>
-              <a:rPr lang="zh-CN" altLang="en-US" sz="1200" dirty="0" smtClean="0">
-                <a:latin typeface="宋体" panose="02010600030101010101" pitchFamily="2" charset="-122"/>
-                <a:ea typeface="+mn-ea"/>
-              </a:rPr>
-              <a:t>提供操作栏进行交互</a:t>
-            </a:r>
-            <a:endParaRPr lang="en-US" altLang="zh-CN" sz="1200" dirty="0" smtClean="0">
-              <a:latin typeface="宋体" panose="02010600030101010101" pitchFamily="2" charset="-122"/>
-              <a:ea typeface="+mn-ea"/>
-            </a:endParaRPr>
-          </a:p>
-          <a:p>
-            <a:pPr marL="228600" indent="-228600">
-              <a:lnSpc>
-                <a:spcPct val="140000"/>
-              </a:lnSpc>
-              <a:spcAft>
-                <a:spcPts val="600"/>
-              </a:spcAft>
-              <a:buFont typeface="+mj-lt"/>
-              <a:buAutoNum type="arabicPeriod"/>
-            </a:pPr>
-            <a:r>
-              <a:rPr lang="zh-CN" altLang="en-US" sz="1200" dirty="0" smtClean="0">
-                <a:latin typeface="宋体" panose="02010600030101010101" pitchFamily="2" charset="-122"/>
-                <a:ea typeface="+mn-ea"/>
-              </a:rPr>
-              <a:t>使用</a:t>
-            </a:r>
-            <a:r>
-              <a:rPr lang="en-US" altLang="zh-CN" sz="1200" dirty="0" smtClean="0">
-                <a:latin typeface="宋体" panose="02010600030101010101" pitchFamily="2" charset="-122"/>
-                <a:ea typeface="+mn-ea"/>
-              </a:rPr>
-              <a:t>AJAX</a:t>
-            </a:r>
-            <a:r>
-              <a:rPr lang="zh-CN" altLang="en-US" sz="1200" dirty="0" smtClean="0">
-                <a:latin typeface="宋体" panose="02010600030101010101" pitchFamily="2" charset="-122"/>
-                <a:ea typeface="+mn-ea"/>
-              </a:rPr>
-              <a:t>发送请求</a:t>
-            </a:r>
-            <a:endParaRPr lang="en-US" altLang="zh-CN" sz="1200" dirty="0" smtClean="0">
-              <a:latin typeface="宋体" panose="02010600030101010101" pitchFamily="2" charset="-122"/>
-              <a:ea typeface="+mn-ea"/>
-            </a:endParaRPr>
-          </a:p>
-          <a:p>
-            <a:pPr marL="228600" indent="-228600">
-              <a:lnSpc>
-                <a:spcPct val="140000"/>
-              </a:lnSpc>
-              <a:spcAft>
-                <a:spcPts val="600"/>
-              </a:spcAft>
-              <a:buFont typeface="+mj-lt"/>
-              <a:buAutoNum type="arabicPeriod"/>
-            </a:pPr>
-            <a:r>
-              <a:rPr lang="zh-CN" altLang="en-US" sz="1200" dirty="0" smtClean="0">
-                <a:latin typeface="宋体" panose="02010600030101010101" pitchFamily="2" charset="-122"/>
-                <a:ea typeface="+mn-ea"/>
-              </a:rPr>
-              <a:t>一组基于</a:t>
-            </a:r>
-            <a:r>
-              <a:rPr lang="en-US" altLang="zh-CN" sz="1200" dirty="0" smtClean="0">
-                <a:latin typeface="宋体" panose="02010600030101010101" pitchFamily="2" charset="-122"/>
-                <a:ea typeface="+mn-ea"/>
-              </a:rPr>
-              <a:t>Spring MVC</a:t>
-            </a:r>
-            <a:r>
-              <a:rPr lang="zh-CN" altLang="en-US" sz="1200" dirty="0" smtClean="0">
-                <a:latin typeface="宋体" panose="02010600030101010101" pitchFamily="2" charset="-122"/>
-                <a:ea typeface="+mn-ea"/>
-              </a:rPr>
-              <a:t>的</a:t>
-            </a:r>
-            <a:r>
-              <a:rPr lang="en-US" altLang="zh-CN" sz="1200" dirty="0" smtClean="0">
-                <a:latin typeface="宋体" panose="02010600030101010101" pitchFamily="2" charset="-122"/>
-                <a:ea typeface="+mn-ea"/>
-              </a:rPr>
+            <a:r>
+              <a:rPr lang="zh-CN" altLang="en-US" dirty="0" smtClean="0"/>
+              <a:t>模块之间的关系</a:t>
+            </a:r>
+            <a:endParaRPr lang="en-US" altLang="zh-CN" dirty="0" smtClean="0"/>
+          </a:p>
+          <a:p>
+            <a:r>
+              <a:rPr lang="zh-CN" altLang="en-US" dirty="0" smtClean="0"/>
+              <a:t>界面是一组网页，用户通过浏览器与界面交互，产生的请求交给控制器调用相关服务进行处理。</a:t>
+            </a:r>
+            <a:endParaRPr lang="en-US" altLang="zh-CN" dirty="0" smtClean="0"/>
+          </a:p>
+          <a:p>
+            <a:r>
+              <a:rPr lang="zh-CN" altLang="en-US" dirty="0" smtClean="0"/>
+              <a:t>根绝请求服务的类别，服务模块有，</a:t>
+            </a:r>
+            <a:r>
+              <a:rPr lang="en-US" altLang="zh-CN" dirty="0" smtClean="0"/>
+              <a:t>EAP</a:t>
+            </a:r>
+            <a:r>
+              <a:rPr lang="zh-CN" altLang="en-US" dirty="0" smtClean="0"/>
+              <a:t>管理，网络记录，设置管理三种。</a:t>
+            </a:r>
+            <a:endParaRPr lang="en-US" altLang="zh-CN" dirty="0" smtClean="0"/>
+          </a:p>
+          <a:p>
+            <a:r>
+              <a:rPr lang="zh-CN" altLang="en-US" dirty="0" smtClean="0"/>
+              <a:t>网络模块是一组用于处理</a:t>
+            </a:r>
+            <a:r>
+              <a:rPr lang="en-US" altLang="zh-CN" dirty="0" smtClean="0"/>
+              <a:t>EAP</a:t>
+            </a:r>
+            <a:r>
+              <a:rPr lang="zh-CN" altLang="en-US" dirty="0" smtClean="0"/>
+              <a:t>与</a:t>
+            </a:r>
+            <a:r>
+              <a:rPr lang="en-US" altLang="zh-CN" dirty="0" smtClean="0"/>
               <a:t>Controller</a:t>
             </a:r>
             <a:r>
-              <a:rPr lang="zh-CN" altLang="en-US" sz="1200" dirty="0" smtClean="0">
-                <a:latin typeface="宋体" panose="02010600030101010101" pitchFamily="2" charset="-122"/>
-                <a:ea typeface="+mn-ea"/>
-              </a:rPr>
-              <a:t>类</a:t>
-            </a:r>
-            <a:endParaRPr lang="en-US" altLang="zh-CN" sz="1200" dirty="0" smtClean="0">
-              <a:latin typeface="宋体" panose="02010600030101010101" pitchFamily="2" charset="-122"/>
-              <a:ea typeface="+mn-ea"/>
-            </a:endParaRPr>
-          </a:p>
-          <a:p>
-            <a:pPr marL="228600" indent="-228600">
-              <a:lnSpc>
-                <a:spcPct val="140000"/>
-              </a:lnSpc>
-              <a:spcAft>
-                <a:spcPts val="600"/>
-              </a:spcAft>
-              <a:buFont typeface="+mj-lt"/>
-              <a:buAutoNum type="arabicPeriod"/>
-            </a:pPr>
-            <a:r>
-              <a:rPr lang="zh-CN" altLang="en-US" sz="1200" dirty="0" smtClean="0">
-                <a:latin typeface="宋体" panose="02010600030101010101" pitchFamily="2" charset="-122"/>
-                <a:ea typeface="+mn-ea"/>
-              </a:rPr>
-              <a:t>调用服务处理请求</a:t>
-            </a:r>
-            <a:endParaRPr lang="en-US" altLang="zh-CN" sz="1200" dirty="0" smtClean="0">
-              <a:latin typeface="宋体" panose="02010600030101010101" pitchFamily="2" charset="-122"/>
-              <a:ea typeface="+mn-ea"/>
-            </a:endParaRPr>
-          </a:p>
-          <a:p>
-            <a:pPr marL="228600" indent="-228600">
-              <a:lnSpc>
-                <a:spcPct val="140000"/>
-              </a:lnSpc>
-              <a:spcAft>
-                <a:spcPts val="600"/>
-              </a:spcAft>
-              <a:buFont typeface="+mj-lt"/>
-              <a:buAutoNum type="arabicPeriod"/>
-            </a:pPr>
-            <a:r>
-              <a:rPr lang="zh-CN" altLang="en-US" sz="1200" dirty="0" smtClean="0">
-                <a:latin typeface="宋体" panose="02010600030101010101" pitchFamily="2" charset="-122"/>
-                <a:ea typeface="+mn-ea"/>
-              </a:rPr>
-              <a:t>输出</a:t>
-            </a:r>
-            <a:r>
-              <a:rPr lang="en-US" altLang="zh-CN" sz="1200" dirty="0" smtClean="0">
-                <a:latin typeface="宋体" panose="02010600030101010101" pitchFamily="2" charset="-122"/>
-                <a:ea typeface="+mn-ea"/>
-              </a:rPr>
-              <a:t>JSON</a:t>
-            </a:r>
-            <a:r>
-              <a:rPr lang="zh-CN" altLang="en-US" sz="1200" dirty="0" smtClean="0">
-                <a:latin typeface="宋体" panose="02010600030101010101" pitchFamily="2" charset="-122"/>
-                <a:ea typeface="+mn-ea"/>
-              </a:rPr>
-              <a:t>字符串作为回复。</a:t>
-            </a:r>
-            <a:endParaRPr lang="en-US" altLang="zh-CN" sz="1200" dirty="0">
-              <a:latin typeface="宋体" panose="02010600030101010101" pitchFamily="2" charset="-122"/>
-              <a:ea typeface="+mn-ea"/>
-            </a:endParaRPr>
+              <a:rPr lang="zh-CN" altLang="en-US" dirty="0" smtClean="0"/>
+              <a:t>交互的网络处理模块，根据</a:t>
+            </a:r>
+            <a:r>
+              <a:rPr lang="en-US" altLang="zh-CN" dirty="0" smtClean="0"/>
+              <a:t>EAP</a:t>
+            </a:r>
+            <a:r>
+              <a:rPr lang="zh-CN" altLang="en-US" dirty="0" smtClean="0"/>
+              <a:t>所处状态的不同分为发现，收养和管理三个子模块。</a:t>
+            </a:r>
+            <a:endParaRPr lang="en-US" altLang="zh-CN" dirty="0" smtClean="0"/>
+          </a:p>
+          <a:p>
+            <a:r>
+              <a:rPr lang="zh-CN" altLang="en-US" dirty="0" smtClean="0"/>
+              <a:t>服务模块</a:t>
+            </a:r>
+            <a:endParaRPr lang="en-US" altLang="zh-CN" dirty="0" smtClean="0"/>
+          </a:p>
+          <a:p>
+            <a:endParaRPr lang="en-US" altLang="zh-CN" dirty="0" smtClean="0"/>
           </a:p>
         </p:txBody>
       </p:sp>
@@ -1312,7 +1570,7 @@
             <a:fld id="{007AB7CF-70DA-A148-9842-61A7B7C7A363}" type="slidenum">
               <a:rPr lang="en-US" smtClean="0"/>
               <a:pPr/>
-              <a:t>14</a:t>
+              <a:t>11</a:t>
             </a:fld>
             <a:endParaRPr lang="en-US" dirty="0"/>
           </a:p>
@@ -1321,7 +1579,7 @@
     </p:spTree>
     <p:extLst>
       <p:ext uri="{BB962C8B-B14F-4D97-AF65-F5344CB8AC3E}">
-        <p14:creationId xmlns:p14="http://schemas.microsoft.com/office/powerpoint/2010/main" val="274008643"/>
+        <p14:creationId xmlns:p14="http://schemas.microsoft.com/office/powerpoint/2010/main" val="4165168128"/>
       </p:ext>
     </p:extLst>
   </p:cSld>
@@ -1625,7 +1883,7 @@
             <a:fld id="{007AB7CF-70DA-A148-9842-61A7B7C7A363}" type="slidenum">
               <a:rPr lang="en-US" smtClean="0"/>
               <a:pPr/>
-              <a:t>15</a:t>
+              <a:t>14</a:t>
             </a:fld>
             <a:endParaRPr lang="en-US" dirty="0"/>
           </a:p>
@@ -1634,7 +1892,7 @@
     </p:spTree>
     <p:extLst>
       <p:ext uri="{BB962C8B-B14F-4D97-AF65-F5344CB8AC3E}">
-        <p14:creationId xmlns:p14="http://schemas.microsoft.com/office/powerpoint/2010/main" val="1035707905"/>
+        <p14:creationId xmlns:p14="http://schemas.microsoft.com/office/powerpoint/2010/main" val="274008643"/>
       </p:ext>
     </p:extLst>
   </p:cSld>
@@ -1688,7 +1946,235 @@
           <a:bodyPr/>
           <a:lstStyle/>
           <a:p>
-            <a:endParaRPr lang="zh-CN" altLang="en-US" dirty="0"/>
+            <a:pPr marL="228600" indent="-228600">
+              <a:lnSpc>
+                <a:spcPct val="140000"/>
+              </a:lnSpc>
+              <a:spcAft>
+                <a:spcPts val="600"/>
+              </a:spcAft>
+              <a:buFont typeface="+mj-lt"/>
+              <a:buAutoNum type="arabicPeriod"/>
+            </a:pPr>
+            <a:r>
+              <a:rPr lang="zh-CN" altLang="en-US" sz="1200" dirty="0" smtClean="0">
+                <a:latin typeface="宋体" panose="02010600030101010101" pitchFamily="2" charset="-122"/>
+                <a:ea typeface="+mn-ea"/>
+              </a:rPr>
+              <a:t>一组</a:t>
+            </a:r>
+            <a:r>
+              <a:rPr lang="en-US" altLang="zh-CN" sz="1200" dirty="0" smtClean="0">
+                <a:latin typeface="宋体" panose="02010600030101010101" pitchFamily="2" charset="-122"/>
+                <a:ea typeface="+mn-ea"/>
+              </a:rPr>
+              <a:t>HTML</a:t>
+            </a:r>
+            <a:r>
+              <a:rPr lang="zh-CN" altLang="en-US" sz="1200" dirty="0" smtClean="0">
+                <a:latin typeface="宋体" panose="02010600030101010101" pitchFamily="2" charset="-122"/>
+                <a:ea typeface="+mn-ea"/>
+              </a:rPr>
+              <a:t>页面</a:t>
+            </a:r>
+            <a:endParaRPr lang="en-US" altLang="zh-CN" sz="1200" dirty="0" smtClean="0">
+              <a:latin typeface="宋体" panose="02010600030101010101" pitchFamily="2" charset="-122"/>
+              <a:ea typeface="+mn-ea"/>
+            </a:endParaRPr>
+          </a:p>
+          <a:p>
+            <a:pPr marL="228600" indent="-228600">
+              <a:lnSpc>
+                <a:spcPct val="140000"/>
+              </a:lnSpc>
+              <a:spcAft>
+                <a:spcPts val="600"/>
+              </a:spcAft>
+              <a:buFont typeface="+mj-lt"/>
+              <a:buAutoNum type="arabicPeriod"/>
+            </a:pPr>
+            <a:r>
+              <a:rPr lang="zh-CN" altLang="en-US" sz="1200" dirty="0" smtClean="0">
+                <a:latin typeface="宋体" panose="02010600030101010101" pitchFamily="2" charset="-122"/>
+                <a:ea typeface="+mn-ea"/>
+              </a:rPr>
+              <a:t>通过表格展示数据</a:t>
+            </a:r>
+            <a:endParaRPr lang="en-US" altLang="zh-CN" sz="1200" dirty="0" smtClean="0">
+              <a:latin typeface="宋体" panose="02010600030101010101" pitchFamily="2" charset="-122"/>
+              <a:ea typeface="+mn-ea"/>
+            </a:endParaRPr>
+          </a:p>
+          <a:p>
+            <a:pPr marL="228600" indent="-228600">
+              <a:lnSpc>
+                <a:spcPct val="140000"/>
+              </a:lnSpc>
+              <a:spcAft>
+                <a:spcPts val="600"/>
+              </a:spcAft>
+              <a:buFont typeface="+mj-lt"/>
+              <a:buAutoNum type="arabicPeriod"/>
+            </a:pPr>
+            <a:r>
+              <a:rPr lang="zh-CN" altLang="en-US" sz="1200" dirty="0" smtClean="0">
+                <a:latin typeface="宋体" panose="02010600030101010101" pitchFamily="2" charset="-122"/>
+                <a:ea typeface="+mn-ea"/>
+              </a:rPr>
+              <a:t>提供操作栏进行交互</a:t>
+            </a:r>
+            <a:endParaRPr lang="en-US" altLang="zh-CN" sz="1200" dirty="0" smtClean="0">
+              <a:latin typeface="宋体" panose="02010600030101010101" pitchFamily="2" charset="-122"/>
+              <a:ea typeface="+mn-ea"/>
+            </a:endParaRPr>
+          </a:p>
+          <a:p>
+            <a:pPr marL="228600" indent="-228600">
+              <a:lnSpc>
+                <a:spcPct val="140000"/>
+              </a:lnSpc>
+              <a:spcAft>
+                <a:spcPts val="600"/>
+              </a:spcAft>
+              <a:buFont typeface="+mj-lt"/>
+              <a:buAutoNum type="arabicPeriod"/>
+            </a:pPr>
+            <a:r>
+              <a:rPr lang="zh-CN" altLang="en-US" sz="1200" dirty="0" smtClean="0">
+                <a:latin typeface="宋体" panose="02010600030101010101" pitchFamily="2" charset="-122"/>
+                <a:ea typeface="+mn-ea"/>
+              </a:rPr>
+              <a:t>使用</a:t>
+            </a:r>
+            <a:r>
+              <a:rPr lang="en-US" altLang="zh-CN" sz="1200" dirty="0" smtClean="0">
+                <a:latin typeface="宋体" panose="02010600030101010101" pitchFamily="2" charset="-122"/>
+                <a:ea typeface="+mn-ea"/>
+              </a:rPr>
+              <a:t>AJAX</a:t>
+            </a:r>
+            <a:r>
+              <a:rPr lang="zh-CN" altLang="en-US" sz="1200" dirty="0" smtClean="0">
+                <a:latin typeface="宋体" panose="02010600030101010101" pitchFamily="2" charset="-122"/>
+                <a:ea typeface="+mn-ea"/>
+              </a:rPr>
+              <a:t>发送请求</a:t>
+            </a:r>
+            <a:endParaRPr lang="en-US" altLang="zh-CN" sz="1200" dirty="0" smtClean="0">
+              <a:latin typeface="宋体" panose="02010600030101010101" pitchFamily="2" charset="-122"/>
+              <a:ea typeface="+mn-ea"/>
+            </a:endParaRPr>
+          </a:p>
+          <a:p>
+            <a:pPr marL="228600" indent="-228600">
+              <a:lnSpc>
+                <a:spcPct val="140000"/>
+              </a:lnSpc>
+              <a:spcAft>
+                <a:spcPts val="600"/>
+              </a:spcAft>
+              <a:buFont typeface="+mj-lt"/>
+              <a:buAutoNum type="arabicPeriod"/>
+            </a:pPr>
+            <a:r>
+              <a:rPr lang="zh-CN" altLang="en-US" sz="1200" dirty="0" smtClean="0">
+                <a:latin typeface="宋体" panose="02010600030101010101" pitchFamily="2" charset="-122"/>
+                <a:ea typeface="+mn-ea"/>
+              </a:rPr>
+              <a:t>一组基于</a:t>
+            </a:r>
+            <a:r>
+              <a:rPr lang="en-US" altLang="zh-CN" sz="1200" dirty="0" smtClean="0">
+                <a:latin typeface="宋体" panose="02010600030101010101" pitchFamily="2" charset="-122"/>
+                <a:ea typeface="+mn-ea"/>
+              </a:rPr>
+              <a:t>Spring MVC</a:t>
+            </a:r>
+            <a:r>
+              <a:rPr lang="zh-CN" altLang="en-US" sz="1200" dirty="0" smtClean="0">
+                <a:latin typeface="宋体" panose="02010600030101010101" pitchFamily="2" charset="-122"/>
+                <a:ea typeface="+mn-ea"/>
+              </a:rPr>
+              <a:t>的</a:t>
+            </a:r>
+            <a:r>
+              <a:rPr lang="en-US" altLang="zh-CN" sz="1200" dirty="0" smtClean="0">
+                <a:latin typeface="宋体" panose="02010600030101010101" pitchFamily="2" charset="-122"/>
+                <a:ea typeface="+mn-ea"/>
+              </a:rPr>
+              <a:t>Controller</a:t>
+            </a:r>
+            <a:r>
+              <a:rPr lang="zh-CN" altLang="en-US" sz="1200" dirty="0" smtClean="0">
+                <a:latin typeface="宋体" panose="02010600030101010101" pitchFamily="2" charset="-122"/>
+                <a:ea typeface="+mn-ea"/>
+              </a:rPr>
+              <a:t>类</a:t>
+            </a:r>
+            <a:endParaRPr lang="en-US" altLang="zh-CN" sz="1200" dirty="0" smtClean="0">
+              <a:latin typeface="宋体" panose="02010600030101010101" pitchFamily="2" charset="-122"/>
+              <a:ea typeface="+mn-ea"/>
+            </a:endParaRPr>
+          </a:p>
+          <a:p>
+            <a:pPr marL="228600" indent="-228600">
+              <a:lnSpc>
+                <a:spcPct val="140000"/>
+              </a:lnSpc>
+              <a:spcAft>
+                <a:spcPts val="600"/>
+              </a:spcAft>
+              <a:buFont typeface="+mj-lt"/>
+              <a:buAutoNum type="arabicPeriod"/>
+            </a:pPr>
+            <a:r>
+              <a:rPr lang="zh-CN" altLang="en-US" sz="1200" dirty="0" smtClean="0">
+                <a:latin typeface="宋体" panose="02010600030101010101" pitchFamily="2" charset="-122"/>
+                <a:ea typeface="+mn-ea"/>
+              </a:rPr>
+              <a:t>调用服务处理请求</a:t>
+            </a:r>
+            <a:endParaRPr lang="en-US" altLang="zh-CN" sz="1200" dirty="0" smtClean="0">
+              <a:latin typeface="宋体" panose="02010600030101010101" pitchFamily="2" charset="-122"/>
+              <a:ea typeface="+mn-ea"/>
+            </a:endParaRPr>
+          </a:p>
+          <a:p>
+            <a:pPr marL="228600" indent="-228600">
+              <a:lnSpc>
+                <a:spcPct val="140000"/>
+              </a:lnSpc>
+              <a:spcAft>
+                <a:spcPts val="600"/>
+              </a:spcAft>
+              <a:buFont typeface="+mj-lt"/>
+              <a:buAutoNum type="arabicPeriod"/>
+            </a:pPr>
+            <a:r>
+              <a:rPr lang="zh-CN" altLang="en-US" sz="1200" dirty="0" smtClean="0">
+                <a:latin typeface="宋体" panose="02010600030101010101" pitchFamily="2" charset="-122"/>
+                <a:ea typeface="+mn-ea"/>
+              </a:rPr>
+              <a:t>输出</a:t>
+            </a:r>
+            <a:r>
+              <a:rPr lang="en-US" altLang="zh-CN" sz="1200" dirty="0" smtClean="0">
+                <a:latin typeface="宋体" panose="02010600030101010101" pitchFamily="2" charset="-122"/>
+                <a:ea typeface="+mn-ea"/>
+              </a:rPr>
+              <a:t>JSON</a:t>
+            </a:r>
+            <a:r>
+              <a:rPr lang="zh-CN" altLang="en-US" sz="1200" dirty="0" smtClean="0">
+                <a:latin typeface="宋体" panose="02010600030101010101" pitchFamily="2" charset="-122"/>
+                <a:ea typeface="+mn-ea"/>
+              </a:rPr>
+              <a:t>字符串作为回复。</a:t>
+            </a:r>
+            <a:endParaRPr lang="en-US" altLang="zh-CN" sz="1200" dirty="0">
+              <a:latin typeface="宋体" panose="02010600030101010101" pitchFamily="2" charset="-122"/>
+              <a:ea typeface="+mn-ea"/>
+            </a:endParaRPr>
           </a:p>
         </p:txBody>
       </p:sp>
@@ -1710,7 +2196,7 @@
             <a:fld id="{007AB7CF-70DA-A148-9842-61A7B7C7A363}" type="slidenum">
               <a:rPr lang="en-US" smtClean="0"/>
               <a:pPr/>
-              <a:t>20</a:t>
+              <a:t>15</a:t>
             </a:fld>
             <a:endParaRPr lang="en-US" dirty="0"/>
           </a:p>
@@ -1719,7 +2205,7 @@
     </p:spTree>
     <p:extLst>
       <p:ext uri="{BB962C8B-B14F-4D97-AF65-F5344CB8AC3E}">
-        <p14:creationId xmlns:p14="http://schemas.microsoft.com/office/powerpoint/2010/main" val="4140191615"/>
+        <p14:creationId xmlns:p14="http://schemas.microsoft.com/office/powerpoint/2010/main" val="1035707905"/>
       </p:ext>
     </p:extLst>
   </p:cSld>
@@ -1773,6 +2259,26 @@
           <a:bodyPr/>
           <a:lstStyle/>
           <a:p>
+            <a:r>
+              <a:rPr lang="zh-CN" altLang="en-US" dirty="0" smtClean="0"/>
+              <a:t>网络处理是基于</a:t>
+            </a:r>
+            <a:r>
+              <a:rPr lang="en-US" altLang="zh-CN" dirty="0" err="1" smtClean="0"/>
+              <a:t>Netty</a:t>
+            </a:r>
+            <a:r>
+              <a:rPr lang="zh-CN" altLang="en-US" dirty="0" smtClean="0"/>
+              <a:t>的，</a:t>
+            </a:r>
+            <a:r>
+              <a:rPr lang="en-US" altLang="zh-CN" dirty="0" smtClean="0"/>
+              <a:t>network</a:t>
+            </a:r>
+            <a:r>
+              <a:rPr lang="zh-CN" altLang="en-US" dirty="0" smtClean="0"/>
+              <a:t>包</a:t>
+            </a:r>
             <a:endParaRPr lang="zh-CN" altLang="en-US" dirty="0"/>
           </a:p>
         </p:txBody>
@@ -1795,7 +2301,7 @@
             <a:fld id="{007AB7CF-70DA-A148-9842-61A7B7C7A363}" type="slidenum">
               <a:rPr lang="en-US" smtClean="0"/>
               <a:pPr/>
-              <a:t>22</a:t>
+              <a:t>18</a:t>
             </a:fld>
             <a:endParaRPr lang="en-US" dirty="0"/>
           </a:p>
@@ -1804,7 +2310,7 @@
     </p:spTree>
     <p:extLst>
       <p:ext uri="{BB962C8B-B14F-4D97-AF65-F5344CB8AC3E}">
-        <p14:creationId xmlns:p14="http://schemas.microsoft.com/office/powerpoint/2010/main" val="4278040415"/>
+        <p14:creationId xmlns:p14="http://schemas.microsoft.com/office/powerpoint/2010/main" val="3264161387"/>
       </p:ext>
     </p:extLst>
   </p:cSld>
@@ -1880,7 +2386,7 @@
             <a:fld id="{007AB7CF-70DA-A148-9842-61A7B7C7A363}" type="slidenum">
               <a:rPr lang="en-US" smtClean="0"/>
               <a:pPr/>
-              <a:t>27</a:t>
+              <a:t>20</a:t>
             </a:fld>
             <a:endParaRPr lang="en-US" dirty="0"/>
           </a:p>
@@ -1889,7 +2395,92 @@
     </p:spTree>
     <p:extLst>
       <p:ext uri="{BB962C8B-B14F-4D97-AF65-F5344CB8AC3E}">
-        <p14:creationId xmlns:p14="http://schemas.microsoft.com/office/powerpoint/2010/main" val="2980533302"/>
+        <p14:creationId xmlns:p14="http://schemas.microsoft.com/office/powerpoint/2010/main" val="4140191615"/>
+      </p:ext>
+    </p:extLst>
+  </p:cSld>
+  <p:clrMapOvr>
+    <a:masterClrMapping/>
+  </p:clrMapOvr>
+</p:notes>
+</file>
+
+<file path=ppt/notesSlides/notesSlide9.xml><?xml version="1.0" encoding="utf-8"?>
+<p:notes xmlns:a="http://schemas.openxmlformats.org/drawingml/2006/main" xmlns:r="http://schemas.openxmlformats.org/officeDocument/2006/relationships" xmlns:p="http://schemas.openxmlformats.org/presentationml/2006/main">
+  <p:cSld>
+    <p:spTree>
+      <p:nvGrpSpPr>
+        <p:cNvPr id="1" name=""/>
+        <p:cNvGrpSpPr/>
+        <p:nvPr/>
+      </p:nvGrpSpPr>
+      <p:grpSpPr>
+        <a:xfrm>
+          <a:off x="0" y="0"/>
+          <a:ext cx="0" cy="0"/>
+          <a:chOff x="0" y="0"/>
+          <a:chExt cx="0" cy="0"/>
+        </a:xfrm>
+      </p:grpSpPr>
+      <p:sp>
+        <p:nvSpPr>
+          <p:cNvPr id="2" name="幻灯片图像占位符 1"/>
+          <p:cNvSpPr>
+            <a:spLocks noGrp="1" noRot="1" noChangeAspect="1"/>
+          </p:cNvSpPr>
+          <p:nvPr>
+            <p:ph type="sldImg"/>
+          </p:nvPr>
+        </p:nvSpPr>
+        <p:spPr/>
+      </p:sp>
+      <p:sp>
+        <p:nvSpPr>
+          <p:cNvPr id="3" name="备注占位符 2"/>
+          <p:cNvSpPr>
+            <a:spLocks noGrp="1"/>
+          </p:cNvSpPr>
+          <p:nvPr>
+            <p:ph type="body" idx="1"/>
+          </p:nvPr>
+        </p:nvSpPr>
+        <p:spPr/>
+        <p:txBody>
+          <a:bodyPr/>
+          <a:lstStyle/>
+          <a:p>
+            <a:endParaRPr lang="zh-CN" altLang="en-US" dirty="0"/>
+          </a:p>
+        </p:txBody>
+      </p:sp>
+      <p:sp>
+        <p:nvSpPr>
+          <p:cNvPr id="4" name="灯片编号占位符 3"/>
+          <p:cNvSpPr>
+            <a:spLocks noGrp="1"/>
+          </p:cNvSpPr>
+          <p:nvPr>
+            <p:ph type="sldNum" sz="quarter" idx="10"/>
+          </p:nvPr>
+        </p:nvSpPr>
+        <p:spPr/>
+        <p:txBody>
+          <a:bodyPr/>
+          <a:lstStyle/>
+          <a:p>
+            <a:fld id="{007AB7CF-70DA-A148-9842-61A7B7C7A363}" type="slidenum">
+              <a:rPr lang="en-US" smtClean="0"/>
+              <a:pPr/>
+              <a:t>21</a:t>
+            </a:fld>
+            <a:endParaRPr lang="en-US" dirty="0"/>
+          </a:p>
+        </p:txBody>
+      </p:sp>
+    </p:spTree>
+    <p:extLst>
+      <p:ext uri="{BB962C8B-B14F-4D97-AF65-F5344CB8AC3E}">
+        <p14:creationId xmlns:p14="http://schemas.microsoft.com/office/powerpoint/2010/main" val="226796786"/>
       </p:ext>
     </p:extLst>
   </p:cSld>
@@ -8233,7 +8824,14 @@
                 <a:latin typeface="宋体" panose="02010600030101010101" pitchFamily="2" charset="-122"/>
                 <a:ea typeface="宋体" panose="02010600030101010101" pitchFamily="2" charset="-122"/>
               </a:rPr>
-              <a:t>用户交互界面</a:t>
+              <a:t>用户交互</a:t>
+            </a:r>
+            <a:r>
+              <a:rPr lang="zh-CN" altLang="en-US" sz="2000" dirty="0" smtClean="0">
+                <a:latin typeface="宋体" panose="02010600030101010101" pitchFamily="2" charset="-122"/>
+                <a:ea typeface="宋体" panose="02010600030101010101" pitchFamily="2" charset="-122"/>
+              </a:rPr>
+              <a:t>界面</a:t>
             </a:r>
             <a:endParaRPr lang="en-US" altLang="zh-CN" sz="2000" dirty="0">
               <a:latin typeface="宋体" panose="02010600030101010101" pitchFamily="2" charset="-122"/>
@@ -8252,13 +8850,20 @@
               <a:buAutoNum type="arabicPeriod"/>
             </a:pPr>
             <a:r>
-              <a:rPr lang="zh-CN" altLang="en-US" sz="2000" dirty="0">
-                <a:latin typeface="宋体" panose="02010600030101010101" pitchFamily="2" charset="-122"/>
-                <a:ea typeface="宋体" panose="02010600030101010101" pitchFamily="2" charset="-122"/>
-              </a:rPr>
-              <a:t>控制器</a:t>
-            </a:r>
-            <a:endParaRPr lang="en-US" altLang="zh-CN" sz="2000" dirty="0">
+              <a:rPr lang="en-US" altLang="zh-CN" sz="2000" dirty="0">
+                <a:latin typeface="宋体" panose="02010600030101010101" pitchFamily="2" charset="-122"/>
+                <a:ea typeface="宋体" panose="02010600030101010101" pitchFamily="2" charset="-122"/>
+              </a:rPr>
+              <a:t>EAP</a:t>
+            </a:r>
+            <a:r>
+              <a:rPr lang="zh-CN" altLang="en-US" sz="2000" dirty="0" smtClean="0">
+                <a:latin typeface="宋体" panose="02010600030101010101" pitchFamily="2" charset="-122"/>
+                <a:ea typeface="宋体" panose="02010600030101010101" pitchFamily="2" charset="-122"/>
+              </a:rPr>
+              <a:t>管理</a:t>
+            </a:r>
+            <a:endParaRPr lang="en-US" altLang="zh-CN" sz="2000" dirty="0" smtClean="0">
               <a:latin typeface="宋体" panose="02010600030101010101" pitchFamily="2" charset="-122"/>
               <a:ea typeface="宋体" panose="02010600030101010101" pitchFamily="2" charset="-122"/>
             </a:endParaRPr>
@@ -8275,18 +8880,18 @@
               <a:buAutoNum type="arabicPeriod"/>
             </a:pPr>
             <a:r>
-              <a:rPr lang="en-US" altLang="zh-CN" sz="2000" dirty="0">
-                <a:latin typeface="宋体" panose="02010600030101010101" pitchFamily="2" charset="-122"/>
-                <a:ea typeface="宋体" panose="02010600030101010101" pitchFamily="2" charset="-122"/>
-              </a:rPr>
-              <a:t>EAP</a:t>
-            </a:r>
-            <a:r>
               <a:rPr lang="zh-CN" altLang="en-US" sz="2000" dirty="0" smtClean="0">
                 <a:latin typeface="宋体" panose="02010600030101010101" pitchFamily="2" charset="-122"/>
                 <a:ea typeface="宋体" panose="02010600030101010101" pitchFamily="2" charset="-122"/>
               </a:rPr>
-              <a:t>管理</a:t>
+              <a:t>网络</a:t>
+            </a:r>
+            <a:r>
+              <a:rPr lang="zh-CN" altLang="en-US" sz="2000" dirty="0" smtClean="0">
+                <a:latin typeface="宋体" panose="02010600030101010101" pitchFamily="2" charset="-122"/>
+                <a:ea typeface="宋体" panose="02010600030101010101" pitchFamily="2" charset="-122"/>
+              </a:rPr>
+              <a:t>处理</a:t>
             </a:r>
             <a:endParaRPr lang="en-US" altLang="zh-CN" sz="2000" dirty="0" smtClean="0">
               <a:latin typeface="宋体" panose="02010600030101010101" pitchFamily="2" charset="-122"/>
@@ -8305,18 +8910,11 @@
               <a:buAutoNum type="arabicPeriod"/>
             </a:pPr>
             <a:r>
-              <a:rPr lang="zh-CN" altLang="en-US" sz="2000" dirty="0" smtClean="0">
-                <a:latin typeface="宋体" panose="02010600030101010101" pitchFamily="2" charset="-122"/>
-                <a:ea typeface="宋体" panose="02010600030101010101" pitchFamily="2" charset="-122"/>
-              </a:rPr>
-              <a:t>网络</a:t>
-            </a:r>
-            <a:r>
               <a:rPr lang="zh-CN" altLang="en-US" sz="2000" dirty="0">
                 <a:latin typeface="宋体" panose="02010600030101010101" pitchFamily="2" charset="-122"/>
                 <a:ea typeface="宋体" panose="02010600030101010101" pitchFamily="2" charset="-122"/>
               </a:rPr>
-              <a:t>处理</a:t>
+              <a:t>线程使用</a:t>
             </a:r>
             <a:endParaRPr lang="en-US" altLang="zh-CN" sz="2000" dirty="0">
               <a:latin typeface="宋体" panose="02010600030101010101" pitchFamily="2" charset="-122"/>
@@ -8818,7 +9416,7 @@
           <a:graphicData uri="http://schemas.openxmlformats.org/presentationml/2006/ole">
             <mc:AlternateContent xmlns:mc="http://schemas.openxmlformats.org/markup-compatibility/2006">
               <mc:Choice xmlns:v="urn:schemas-microsoft-com:vml" Requires="v">
-                <p:oleObj spid="_x0000_s4132" name="Visio" r:id="rId3" imgW="6267354" imgH="4791150" progId="Visio.Drawing.15">
+                <p:oleObj spid="_x0000_s4134" name="Visio" r:id="rId3" imgW="6267354" imgH="4791150" progId="Visio.Drawing.15">
                   <p:embed/>
                 </p:oleObj>
               </mc:Choice>
@@ -8992,37 +9590,7 @@
               <a:buAutoNum type="arabicPeriod"/>
             </a:pPr>
             <a:r>
-              <a:rPr lang="zh-CN" altLang="en-US" sz="2000" dirty="0">
-                <a:latin typeface="宋体" panose="02010600030101010101" pitchFamily="2" charset="-122"/>
-                <a:ea typeface="宋体" panose="02010600030101010101" pitchFamily="2" charset="-122"/>
-              </a:rPr>
-              <a:t>调用</a:t>
-            </a:r>
-            <a:r>
               <a:rPr lang="zh-CN" altLang="en-US" sz="2000" dirty="0" smtClean="0">
-                <a:latin typeface="宋体" panose="02010600030101010101" pitchFamily="2" charset="-122"/>
-                <a:ea typeface="宋体" panose="02010600030101010101" pitchFamily="2" charset="-122"/>
-              </a:rPr>
-              <a:t>数据库访问层</a:t>
-            </a:r>
-            <a:endParaRPr lang="en-US" altLang="zh-CN" sz="2000" dirty="0" smtClean="0">
-              <a:latin typeface="宋体" panose="02010600030101010101" pitchFamily="2" charset="-122"/>
-              <a:ea typeface="宋体" panose="02010600030101010101" pitchFamily="2" charset="-122"/>
-            </a:endParaRPr>
-          </a:p>
-          <a:p>
-            <a:pPr marL="228600" indent="-228600">
-              <a:lnSpc>
-                <a:spcPct val="140000"/>
-              </a:lnSpc>
-              <a:spcAft>
-                <a:spcPts val="600"/>
-              </a:spcAft>
-              <a:buFont typeface="+mj-lt"/>
-              <a:buAutoNum type="arabicPeriod"/>
-            </a:pPr>
-            <a:r>
-              <a:rPr lang="zh-CN" altLang="en-US" sz="2000" dirty="0">
                 <a:latin typeface="宋体" panose="02010600030101010101" pitchFamily="2" charset="-122"/>
                 <a:ea typeface="宋体" panose="02010600030101010101" pitchFamily="2" charset="-122"/>
               </a:rPr>
@@ -9232,7 +9800,7 @@
           <p:nvPr/>
         </p:nvPicPr>
         <p:blipFill>
-          <a:blip r:embed="rId2"/>
+          <a:blip r:embed="rId3"/>
           <a:stretch>
             <a:fillRect/>
           </a:stretch>
@@ -9446,7 +10014,14 @@
                 <a:latin typeface="宋体" panose="02010600030101010101" pitchFamily="2" charset="-122"/>
                 <a:ea typeface="宋体" panose="02010600030101010101" pitchFamily="2" charset="-122"/>
               </a:rPr>
-              <a:t>毕业自北京航空航天大学</a:t>
+              <a:t>毕业学校：</a:t>
+            </a:r>
+            <a:r>
+              <a:rPr lang="zh-CN" altLang="en-US" sz="1800" dirty="0" smtClean="0">
+                <a:latin typeface="宋体" panose="02010600030101010101" pitchFamily="2" charset="-122"/>
+                <a:ea typeface="宋体" panose="02010600030101010101" pitchFamily="2" charset="-122"/>
+              </a:rPr>
+              <a:t>北京航空航天大学</a:t>
             </a:r>
             <a:endParaRPr lang="en-US" altLang="zh-CN" sz="1800" dirty="0" smtClean="0">
               <a:latin typeface="宋体" panose="02010600030101010101" pitchFamily="2" charset="-122"/>
@@ -9469,7 +10044,30 @@
                 <a:latin typeface="宋体" panose="02010600030101010101" pitchFamily="2" charset="-122"/>
                 <a:ea typeface="宋体" panose="02010600030101010101" pitchFamily="2" charset="-122"/>
               </a:rPr>
-              <a:t>软件工程专业</a:t>
+              <a:t>专业：软件工程</a:t>
+            </a:r>
+            <a:endParaRPr lang="en-US" altLang="zh-CN" sz="1800" dirty="0" smtClean="0">
+              <a:latin typeface="宋体" panose="02010600030101010101" pitchFamily="2" charset="-122"/>
+              <a:ea typeface="宋体" panose="02010600030101010101" pitchFamily="2" charset="-122"/>
+            </a:endParaRPr>
+          </a:p>
+          <a:p>
+            <a:pPr marL="228600" indent="-228600">
+              <a:lnSpc>
+                <a:spcPct val="140000"/>
+              </a:lnSpc>
+              <a:spcAft>
+                <a:spcPts val="600"/>
+              </a:spcAft>
+              <a:buFont typeface="+mj-lt"/>
+              <a:buAutoNum type="arabicPeriod"/>
+            </a:pPr>
+            <a:r>
+              <a:rPr lang="zh-CN" altLang="en-US" sz="1800" dirty="0" smtClean="0">
+                <a:latin typeface="宋体" panose="02010600030101010101" pitchFamily="2" charset="-122"/>
+                <a:ea typeface="宋体" panose="02010600030101010101" pitchFamily="2" charset="-122"/>
+              </a:rPr>
+              <a:t>学历：本科</a:t>
             </a:r>
             <a:endParaRPr lang="en-US" altLang="zh-CN" sz="1800" dirty="0" smtClean="0">
               <a:latin typeface="宋体" panose="02010600030101010101" pitchFamily="2" charset="-122"/>
@@ -9560,7 +10158,7 @@
 </file>
 
 <file path=ppt/slides/slide20.xml><?xml version="1.0" encoding="utf-8"?>
-<p:sld xmlns:a="http://schemas.openxmlformats.org/drawingml/2006/main" xmlns:r="http://schemas.openxmlformats.org/officeDocument/2006/relationships" xmlns:p="http://schemas.openxmlformats.org/presentationml/2006/main">
+<p:sld xmlns:a="http://schemas.openxmlformats.org/drawingml/2006/main" xmlns:r="http://schemas.openxmlformats.org/officeDocument/2006/relationships" xmlns:p="http://schemas.openxmlformats.org/presentationml/2006/main" show="0">
   <p:cSld>
     <p:spTree>
       <p:nvGrpSpPr>
@@ -9702,6 +10300,348 @@
       </p:grpSpPr>
       <p:sp>
         <p:nvSpPr>
+          <p:cNvPr id="7" name="标题 3"/>
+          <p:cNvSpPr txBox="1">
+            <a:spLocks/>
+          </p:cNvSpPr>
+          <p:nvPr/>
+        </p:nvSpPr>
+        <p:spPr>
+          <a:xfrm>
+            <a:off x="571170" y="677960"/>
+            <a:ext cx="8115630" cy="617440"/>
+          </a:xfrm>
+          <a:prstGeom prst="rect">
+            <a:avLst/>
+          </a:prstGeom>
+          <a:ln>
+            <a:noFill/>
+          </a:ln>
+        </p:spPr>
+        <p:txBody>
+          <a:bodyPr vert="horz"/>
+          <a:lstStyle>
+            <a:lvl1pPr algn="l" defTabSz="457200" rtl="0" eaLnBrk="1" latinLnBrk="0" hangingPunct="1">
+              <a:lnSpc>
+                <a:spcPct val="90000"/>
+              </a:lnSpc>
+              <a:spcBef>
+                <a:spcPct val="0"/>
+              </a:spcBef>
+              <a:buNone/>
+              <a:defRPr sz="2600" b="1" i="0" kern="1200" baseline="0">
+                <a:solidFill>
+                  <a:srgbClr val="4ACBD6"/>
+                </a:solidFill>
+                <a:latin typeface="Arial"/>
+                <a:ea typeface="+mj-ea"/>
+                <a:cs typeface="Arial"/>
+              </a:defRPr>
+            </a:lvl1pPr>
+          </a:lstStyle>
+          <a:p>
+            <a:r>
+              <a:rPr lang="en-US" altLang="zh-CN" sz="3200" dirty="0" smtClean="0">
+                <a:latin typeface="+mj-ea"/>
+              </a:rPr>
+              <a:t>5.4 </a:t>
+            </a:r>
+            <a:r>
+              <a:rPr lang="zh-CN" altLang="en-US" sz="3200" dirty="0" smtClean="0">
+                <a:latin typeface="+mj-ea"/>
+              </a:rPr>
+              <a:t>线程使用</a:t>
+            </a:r>
+            <a:endParaRPr lang="zh-CN" altLang="en-US" sz="3200" dirty="0">
+              <a:latin typeface="+mj-ea"/>
+            </a:endParaRPr>
+          </a:p>
+        </p:txBody>
+      </p:sp>
+      <p:sp>
+        <p:nvSpPr>
+          <p:cNvPr id="4" name="文本占位符 2"/>
+          <p:cNvSpPr>
+            <a:spLocks noGrp="1"/>
+          </p:cNvSpPr>
+          <p:nvPr>
+            <p:ph type="body" sz="quarter" idx="13"/>
+          </p:nvPr>
+        </p:nvSpPr>
+        <p:spPr>
+          <a:xfrm>
+            <a:off x="576000" y="1476000"/>
+            <a:ext cx="8110800" cy="4011341"/>
+          </a:xfrm>
+        </p:spPr>
+        <p:txBody>
+          <a:bodyPr/>
+          <a:lstStyle/>
+          <a:p>
+            <a:pPr marL="228600" indent="-228600">
+              <a:lnSpc>
+                <a:spcPct val="140000"/>
+              </a:lnSpc>
+              <a:spcAft>
+                <a:spcPts val="600"/>
+              </a:spcAft>
+              <a:buFont typeface="+mj-lt"/>
+              <a:buAutoNum type="arabicPeriod"/>
+            </a:pPr>
+            <a:r>
+              <a:rPr lang="en-US" altLang="zh-CN" sz="2000" dirty="0" smtClean="0">
+                <a:latin typeface="宋体" panose="02010600030101010101" pitchFamily="2" charset="-122"/>
+                <a:ea typeface="宋体" panose="02010600030101010101" pitchFamily="2" charset="-122"/>
+              </a:rPr>
+              <a:t>EAP</a:t>
+            </a:r>
+            <a:r>
+              <a:rPr lang="zh-CN" altLang="en-US" sz="2000" dirty="0">
+                <a:latin typeface="宋体" panose="02010600030101010101" pitchFamily="2" charset="-122"/>
+                <a:ea typeface="宋体" panose="02010600030101010101" pitchFamily="2" charset="-122"/>
+              </a:rPr>
+              <a:t>主</a:t>
+            </a:r>
+            <a:r>
+              <a:rPr lang="zh-CN" altLang="en-US" sz="2000" dirty="0" smtClean="0">
+                <a:latin typeface="宋体" panose="02010600030101010101" pitchFamily="2" charset="-122"/>
+                <a:ea typeface="宋体" panose="02010600030101010101" pitchFamily="2" charset="-122"/>
+              </a:rPr>
+              <a:t>线程，控制</a:t>
+            </a:r>
+            <a:r>
+              <a:rPr lang="en-US" altLang="zh-CN" sz="2000" dirty="0" smtClean="0">
+                <a:latin typeface="宋体" panose="02010600030101010101" pitchFamily="2" charset="-122"/>
+                <a:ea typeface="宋体" panose="02010600030101010101" pitchFamily="2" charset="-122"/>
+              </a:rPr>
+              <a:t>EAP</a:t>
+            </a:r>
+            <a:r>
+              <a:rPr lang="zh-CN" altLang="en-US" sz="2000" dirty="0" smtClean="0">
+                <a:latin typeface="宋体" panose="02010600030101010101" pitchFamily="2" charset="-122"/>
+                <a:ea typeface="宋体" panose="02010600030101010101" pitchFamily="2" charset="-122"/>
+              </a:rPr>
+              <a:t>状态变化以及状态变化之后的操作</a:t>
+            </a:r>
+            <a:endParaRPr lang="en-US" altLang="zh-CN" sz="2000" dirty="0" smtClean="0">
+              <a:latin typeface="宋体" panose="02010600030101010101" pitchFamily="2" charset="-122"/>
+              <a:ea typeface="宋体" panose="02010600030101010101" pitchFamily="2" charset="-122"/>
+            </a:endParaRPr>
+          </a:p>
+          <a:p>
+            <a:pPr marL="228600" indent="-228600">
+              <a:lnSpc>
+                <a:spcPct val="140000"/>
+              </a:lnSpc>
+              <a:spcAft>
+                <a:spcPts val="600"/>
+              </a:spcAft>
+              <a:buFont typeface="+mj-lt"/>
+              <a:buAutoNum type="arabicPeriod"/>
+            </a:pPr>
+            <a:r>
+              <a:rPr lang="zh-CN" altLang="en-US" sz="2000" dirty="0" smtClean="0">
+                <a:latin typeface="宋体" panose="02010600030101010101" pitchFamily="2" charset="-122"/>
+                <a:ea typeface="宋体" panose="02010600030101010101" pitchFamily="2" charset="-122"/>
+              </a:rPr>
+              <a:t>广播线程，广播当前</a:t>
+            </a:r>
+            <a:r>
+              <a:rPr lang="zh-CN" altLang="en-US" sz="2000" dirty="0" smtClean="0">
+                <a:latin typeface="宋体" panose="02010600030101010101" pitchFamily="2" charset="-122"/>
+                <a:ea typeface="宋体" panose="02010600030101010101" pitchFamily="2" charset="-122"/>
+              </a:rPr>
+              <a:t>初始化成功的</a:t>
+            </a:r>
+            <a:r>
+              <a:rPr lang="en-US" altLang="zh-CN" sz="2000" dirty="0" smtClean="0">
+                <a:latin typeface="宋体" panose="02010600030101010101" pitchFamily="2" charset="-122"/>
+                <a:ea typeface="宋体" panose="02010600030101010101" pitchFamily="2" charset="-122"/>
+              </a:rPr>
+              <a:t>EAP</a:t>
+            </a:r>
+            <a:r>
+              <a:rPr lang="zh-CN" altLang="en-US" sz="2000" dirty="0" smtClean="0">
+                <a:latin typeface="宋体" panose="02010600030101010101" pitchFamily="2" charset="-122"/>
+                <a:ea typeface="宋体" panose="02010600030101010101" pitchFamily="2" charset="-122"/>
+              </a:rPr>
+              <a:t>的</a:t>
+            </a:r>
+            <a:r>
+              <a:rPr lang="en-US" altLang="zh-CN" sz="2000" dirty="0" smtClean="0">
+                <a:latin typeface="宋体" panose="02010600030101010101" pitchFamily="2" charset="-122"/>
+                <a:ea typeface="宋体" panose="02010600030101010101" pitchFamily="2" charset="-122"/>
+              </a:rPr>
+              <a:t>UDP</a:t>
+            </a:r>
+            <a:r>
+              <a:rPr lang="zh-CN" altLang="en-US" sz="2000" dirty="0" smtClean="0">
+                <a:latin typeface="宋体" panose="02010600030101010101" pitchFamily="2" charset="-122"/>
+                <a:ea typeface="宋体" panose="02010600030101010101" pitchFamily="2" charset="-122"/>
+              </a:rPr>
+              <a:t>广播报文，以让</a:t>
+            </a:r>
+            <a:r>
+              <a:rPr lang="en-US" altLang="zh-CN" sz="2000" dirty="0" smtClean="0">
+                <a:latin typeface="宋体" panose="02010600030101010101" pitchFamily="2" charset="-122"/>
+                <a:ea typeface="宋体" panose="02010600030101010101" pitchFamily="2" charset="-122"/>
+              </a:rPr>
+              <a:t>Controller</a:t>
+            </a:r>
+            <a:r>
+              <a:rPr lang="zh-CN" altLang="en-US" sz="2000" dirty="0" smtClean="0">
+                <a:latin typeface="宋体" panose="02010600030101010101" pitchFamily="2" charset="-122"/>
+                <a:ea typeface="宋体" panose="02010600030101010101" pitchFamily="2" charset="-122"/>
+              </a:rPr>
+              <a:t>接收并发现</a:t>
+            </a:r>
+            <a:r>
+              <a:rPr lang="en-US" altLang="zh-CN" sz="2000" dirty="0" smtClean="0">
+                <a:latin typeface="宋体" panose="02010600030101010101" pitchFamily="2" charset="-122"/>
+                <a:ea typeface="宋体" panose="02010600030101010101" pitchFamily="2" charset="-122"/>
+              </a:rPr>
+              <a:t>EAP</a:t>
+            </a:r>
+          </a:p>
+          <a:p>
+            <a:pPr marL="228600" indent="-228600">
+              <a:lnSpc>
+                <a:spcPct val="140000"/>
+              </a:lnSpc>
+              <a:spcAft>
+                <a:spcPts val="600"/>
+              </a:spcAft>
+              <a:buFont typeface="+mj-lt"/>
+              <a:buAutoNum type="arabicPeriod"/>
+            </a:pPr>
+            <a:r>
+              <a:rPr lang="zh-CN" altLang="en-US" sz="2000" dirty="0" smtClean="0">
+                <a:latin typeface="宋体" panose="02010600030101010101" pitchFamily="2" charset="-122"/>
+                <a:ea typeface="宋体" panose="02010600030101010101" pitchFamily="2" charset="-122"/>
+              </a:rPr>
+              <a:t>上报信息线程，发送与</a:t>
+            </a:r>
+            <a:r>
+              <a:rPr lang="en-US" altLang="zh-CN" sz="2000" dirty="0" smtClean="0">
+                <a:latin typeface="宋体" panose="02010600030101010101" pitchFamily="2" charset="-122"/>
+                <a:ea typeface="宋体" panose="02010600030101010101" pitchFamily="2" charset="-122"/>
+              </a:rPr>
+              <a:t>Controller</a:t>
+            </a:r>
+            <a:r>
+              <a:rPr lang="zh-CN" altLang="en-US" sz="2000" dirty="0" smtClean="0">
+                <a:latin typeface="宋体" panose="02010600030101010101" pitchFamily="2" charset="-122"/>
+                <a:ea typeface="宋体" panose="02010600030101010101" pitchFamily="2" charset="-122"/>
+              </a:rPr>
+              <a:t>连接成功的</a:t>
+            </a:r>
+            <a:r>
+              <a:rPr lang="en-US" altLang="zh-CN" sz="2000" dirty="0" smtClean="0">
+                <a:latin typeface="宋体" panose="02010600030101010101" pitchFamily="2" charset="-122"/>
+                <a:ea typeface="宋体" panose="02010600030101010101" pitchFamily="2" charset="-122"/>
+              </a:rPr>
+              <a:t>EAP</a:t>
+            </a:r>
+            <a:r>
+              <a:rPr lang="zh-CN" altLang="en-US" sz="2000" dirty="0" smtClean="0">
+                <a:latin typeface="宋体" panose="02010600030101010101" pitchFamily="2" charset="-122"/>
+                <a:ea typeface="宋体" panose="02010600030101010101" pitchFamily="2" charset="-122"/>
+              </a:rPr>
+              <a:t>的基本信息</a:t>
+            </a:r>
+            <a:endParaRPr lang="en-US" altLang="zh-CN" sz="2000" dirty="0" smtClean="0">
+              <a:latin typeface="宋体" panose="02010600030101010101" pitchFamily="2" charset="-122"/>
+              <a:ea typeface="宋体" panose="02010600030101010101" pitchFamily="2" charset="-122"/>
+            </a:endParaRPr>
+          </a:p>
+          <a:p>
+            <a:pPr marL="228600" indent="-228600">
+              <a:lnSpc>
+                <a:spcPct val="140000"/>
+              </a:lnSpc>
+              <a:spcAft>
+                <a:spcPts val="600"/>
+              </a:spcAft>
+              <a:buFont typeface="+mj-lt"/>
+              <a:buAutoNum type="arabicPeriod"/>
+            </a:pPr>
+            <a:r>
+              <a:rPr lang="en-US" altLang="zh-CN" sz="2000" dirty="0" err="1" smtClean="0">
+                <a:latin typeface="宋体" panose="02010600030101010101" pitchFamily="2" charset="-122"/>
+                <a:ea typeface="宋体" panose="02010600030101010101" pitchFamily="2" charset="-122"/>
+              </a:rPr>
+              <a:t>nioEventLoopGroup</a:t>
+            </a:r>
+            <a:r>
+              <a:rPr lang="zh-CN" altLang="en-US" sz="2000" dirty="0" smtClean="0">
+                <a:latin typeface="宋体" panose="02010600030101010101" pitchFamily="2" charset="-122"/>
+                <a:ea typeface="宋体" panose="02010600030101010101" pitchFamily="2" charset="-122"/>
+              </a:rPr>
+              <a:t>，</a:t>
+            </a:r>
+            <a:r>
+              <a:rPr lang="en-US" altLang="zh-CN" sz="2000" dirty="0" err="1" smtClean="0">
+                <a:latin typeface="宋体" panose="02010600030101010101" pitchFamily="2" charset="-122"/>
+                <a:ea typeface="宋体" panose="02010600030101010101" pitchFamily="2" charset="-122"/>
+              </a:rPr>
+              <a:t>Netty</a:t>
+            </a:r>
+            <a:r>
+              <a:rPr lang="zh-CN" altLang="en-US" sz="2000" dirty="0" smtClean="0">
+                <a:latin typeface="宋体" panose="02010600030101010101" pitchFamily="2" charset="-122"/>
+                <a:ea typeface="宋体" panose="02010600030101010101" pitchFamily="2" charset="-122"/>
+              </a:rPr>
+              <a:t>的网络处理线程</a:t>
+            </a:r>
+            <a:endParaRPr lang="en-US" altLang="zh-CN" sz="2000" dirty="0" smtClean="0">
+              <a:latin typeface="宋体" panose="02010600030101010101" pitchFamily="2" charset="-122"/>
+              <a:ea typeface="宋体" panose="02010600030101010101" pitchFamily="2" charset="-122"/>
+            </a:endParaRPr>
+          </a:p>
+        </p:txBody>
+      </p:sp>
+    </p:spTree>
+    <p:extLst>
+      <p:ext uri="{BB962C8B-B14F-4D97-AF65-F5344CB8AC3E}">
+        <p14:creationId xmlns:p14="http://schemas.microsoft.com/office/powerpoint/2010/main" val="869057896"/>
+      </p:ext>
+    </p:extLst>
+  </p:cSld>
+  <p:clrMapOvr>
+    <a:masterClrMapping/>
+  </p:clrMapOvr>
+  <p:transition spd="slow">
+    <p:push dir="u"/>
+  </p:transition>
+  <p:timing>
+    <p:tnLst>
+      <p:par>
+        <p:cTn id="1" dur="indefinite" restart="never" nodeType="tmRoot"/>
+      </p:par>
+    </p:tnLst>
+  </p:timing>
+</p:sld>
+</file>
+
+<file path=ppt/slides/slide22.xml><?xml version="1.0" encoding="utf-8"?>
+<p:sld xmlns:a="http://schemas.openxmlformats.org/drawingml/2006/main" xmlns:r="http://schemas.openxmlformats.org/officeDocument/2006/relationships" xmlns:p="http://schemas.openxmlformats.org/presentationml/2006/main">
+  <p:cSld>
+    <p:spTree>
+      <p:nvGrpSpPr>
+        <p:cNvPr id="1" name=""/>
+        <p:cNvGrpSpPr/>
+        <p:nvPr/>
+      </p:nvGrpSpPr>
+      <p:grpSpPr>
+        <a:xfrm>
+          <a:off x="0" y="0"/>
+          <a:ext cx="0" cy="0"/>
+          <a:chOff x="0" y="0"/>
+          <a:chExt cx="0" cy="0"/>
+        </a:xfrm>
+      </p:grpSpPr>
+      <p:sp>
+        <p:nvSpPr>
           <p:cNvPr id="3" name="文本占位符 2"/>
           <p:cNvSpPr>
             <a:spLocks noGrp="1"/>
@@ -9731,6 +10671,13 @@
               <a:buAutoNum type="arabicPeriod"/>
             </a:pPr>
             <a:r>
+              <a:rPr lang="en-US" altLang="zh-CN" sz="2000" dirty="0" err="1">
+                <a:latin typeface="宋体" panose="02010600030101010101" pitchFamily="2" charset="-122"/>
+                <a:ea typeface="宋体" panose="02010600030101010101" pitchFamily="2" charset="-122"/>
+              </a:rPr>
+              <a:t>Netty</a:t>
+            </a:r>
+            <a:r>
               <a:rPr lang="zh-CN" altLang="en-US" sz="2000" dirty="0" smtClean="0">
                 <a:latin typeface="宋体" panose="02010600030101010101" pitchFamily="2" charset="-122"/>
                 <a:ea typeface="宋体" panose="02010600030101010101" pitchFamily="2" charset="-122"/>
@@ -9837,14 +10784,7 @@
                 <a:latin typeface="宋体" panose="02010600030101010101" pitchFamily="2" charset="-122"/>
                 <a:ea typeface="宋体" panose="02010600030101010101" pitchFamily="2" charset="-122"/>
               </a:rPr>
-              <a:t>收</a:t>
-            </a:r>
-            <a:r>
-              <a:rPr lang="zh-CN" altLang="en-US" sz="2000" dirty="0" smtClean="0">
-                <a:latin typeface="宋体" panose="02010600030101010101" pitchFamily="2" charset="-122"/>
-                <a:ea typeface="宋体" panose="02010600030101010101" pitchFamily="2" charset="-122"/>
-              </a:rPr>
-              <a:t>发包混乱</a:t>
+              <a:t>收发包混乱</a:t>
             </a:r>
             <a:endParaRPr lang="en-US" altLang="zh-CN" sz="2000" dirty="0" smtClean="0">
               <a:latin typeface="宋体" panose="02010600030101010101" pitchFamily="2" charset="-122"/>
@@ -10104,7 +11044,7 @@
 </p:sld>
 </file>
 
-<file path=ppt/slides/slide22.xml><?xml version="1.0" encoding="utf-8"?>
+<file path=ppt/slides/slide23.xml><?xml version="1.0" encoding="utf-8"?>
 <p:sld xmlns:a="http://schemas.openxmlformats.org/drawingml/2006/main" xmlns:r="http://schemas.openxmlformats.org/officeDocument/2006/relationships" xmlns:p="http://schemas.openxmlformats.org/presentationml/2006/main">
   <p:cSld>
     <p:spTree>
@@ -10476,7 +11416,7 @@
 </p:sld>
 </file>
 
-<file path=ppt/slides/slide23.xml><?xml version="1.0" encoding="utf-8"?>
+<file path=ppt/slides/slide24.xml><?xml version="1.0" encoding="utf-8"?>
 <p:sld xmlns:a="http://schemas.openxmlformats.org/drawingml/2006/main" xmlns:r="http://schemas.openxmlformats.org/officeDocument/2006/relationships" xmlns:p="http://schemas.openxmlformats.org/presentationml/2006/main">
   <p:cSld>
     <p:spTree>
@@ -10505,8 +11445,8 @@
         </p:nvSpPr>
         <p:spPr>
           <a:xfrm>
-            <a:off x="576000" y="1476001"/>
-            <a:ext cx="3912236" cy="2118970"/>
+            <a:off x="576000" y="1476000"/>
+            <a:ext cx="3388884" cy="2602549"/>
           </a:xfrm>
         </p:spPr>
         <p:txBody>
@@ -10603,9 +11543,16 @@
                 <a:latin typeface="宋体" panose="02010600030101010101" pitchFamily="2" charset="-122"/>
                 <a:ea typeface="宋体" panose="02010600030101010101" pitchFamily="2" charset="-122"/>
               </a:rPr>
-              <a:t>连接稳定性</a:t>
-            </a:r>
-            <a:endParaRPr lang="zh-CN" altLang="en-US" sz="1800" dirty="0">
+              <a:t>连接</a:t>
+            </a:r>
+            <a:r>
+              <a:rPr lang="zh-CN" altLang="en-US" sz="1800" dirty="0" smtClean="0">
+                <a:latin typeface="宋体" panose="02010600030101010101" pitchFamily="2" charset="-122"/>
+                <a:ea typeface="宋体" panose="02010600030101010101" pitchFamily="2" charset="-122"/>
+              </a:rPr>
+              <a:t>稳定性</a:t>
+            </a:r>
+            <a:endParaRPr lang="en-US" altLang="zh-CN" sz="1800" dirty="0" smtClean="0">
               <a:latin typeface="宋体" panose="02010600030101010101" pitchFamily="2" charset="-122"/>
               <a:ea typeface="宋体" panose="02010600030101010101" pitchFamily="2" charset="-122"/>
             </a:endParaRPr>
@@ -10620,7 +11567,7 @@
         </p:nvGrpSpPr>
         <p:grpSpPr>
           <a:xfrm>
-            <a:off x="1123684" y="3594971"/>
+            <a:off x="1123684" y="4078550"/>
             <a:ext cx="7010602" cy="2430078"/>
             <a:chOff x="918374" y="1250448"/>
             <a:chExt cx="7010602" cy="2430078"/>
@@ -10809,7 +11756,7 @@
             <p:nvPr/>
           </p:nvPicPr>
           <p:blipFill>
-            <a:blip r:embed="rId2"/>
+            <a:blip r:embed="rId3"/>
             <a:stretch>
               <a:fillRect/>
             </a:stretch>
@@ -11014,7 +11961,7 @@
 </p:sld>
 </file>
 
-<file path=ppt/slides/slide24.xml><?xml version="1.0" encoding="utf-8"?>
+<file path=ppt/slides/slide25.xml><?xml version="1.0" encoding="utf-8"?>
 <p:sld xmlns:a="http://schemas.openxmlformats.org/drawingml/2006/main" xmlns:r="http://schemas.openxmlformats.org/officeDocument/2006/relationships" xmlns:p="http://schemas.openxmlformats.org/presentationml/2006/main">
   <p:cSld>
     <p:spTree>
@@ -11201,7 +12148,7 @@
 </p:sld>
 </file>
 
-<file path=ppt/slides/slide25.xml><?xml version="1.0" encoding="utf-8"?>
+<file path=ppt/slides/slide26.xml><?xml version="1.0" encoding="utf-8"?>
 <p:sld xmlns:a="http://schemas.openxmlformats.org/drawingml/2006/main" xmlns:r="http://schemas.openxmlformats.org/officeDocument/2006/relationships" xmlns:p="http://schemas.openxmlformats.org/presentationml/2006/main">
   <p:cSld>
     <p:spTree>
@@ -11427,7 +12374,7 @@
           <p:nvPr/>
         </p:nvPicPr>
         <p:blipFill>
-          <a:blip r:embed="rId2"/>
+          <a:blip r:embed="rId3"/>
           <a:stretch>
             <a:fillRect/>
           </a:stretch>
@@ -11525,7 +12472,7 @@
 </p:sld>
 </file>
 
-<file path=ppt/slides/slide26.xml><?xml version="1.0" encoding="utf-8"?>
+<file path=ppt/slides/slide27.xml><?xml version="1.0" encoding="utf-8"?>
 <p:sld xmlns:a="http://schemas.openxmlformats.org/drawingml/2006/main" xmlns:r="http://schemas.openxmlformats.org/officeDocument/2006/relationships" xmlns:p="http://schemas.openxmlformats.org/presentationml/2006/main">
   <p:cSld>
     <p:spTree>
@@ -11786,7 +12733,151 @@
 </p:sld>
 </file>
 
-<file path=ppt/slides/slide27.xml><?xml version="1.0" encoding="utf-8"?>
+<file path=ppt/slides/slide28.xml><?xml version="1.0" encoding="utf-8"?>
+<p:sld xmlns:a="http://schemas.openxmlformats.org/drawingml/2006/main" xmlns:r="http://schemas.openxmlformats.org/officeDocument/2006/relationships" xmlns:p="http://schemas.openxmlformats.org/presentationml/2006/main">
+  <p:cSld>
+    <p:spTree>
+      <p:nvGrpSpPr>
+        <p:cNvPr id="1" name=""/>
+        <p:cNvGrpSpPr/>
+        <p:nvPr/>
+      </p:nvGrpSpPr>
+      <p:grpSpPr>
+        <a:xfrm>
+          <a:off x="0" y="0"/>
+          <a:ext cx="0" cy="0"/>
+          <a:chOff x="0" y="0"/>
+          <a:chExt cx="0" cy="0"/>
+        </a:xfrm>
+      </p:grpSpPr>
+      <p:sp>
+        <p:nvSpPr>
+          <p:cNvPr id="8" name="标题 3"/>
+          <p:cNvSpPr txBox="1">
+            <a:spLocks/>
+          </p:cNvSpPr>
+          <p:nvPr/>
+        </p:nvSpPr>
+        <p:spPr>
+          <a:xfrm>
+            <a:off x="571170" y="677960"/>
+            <a:ext cx="8115630" cy="617440"/>
+          </a:xfrm>
+          <a:prstGeom prst="rect">
+            <a:avLst/>
+          </a:prstGeom>
+          <a:ln>
+            <a:noFill/>
+          </a:ln>
+        </p:spPr>
+        <p:txBody>
+          <a:bodyPr vert="horz"/>
+          <a:lstStyle>
+            <a:lvl1pPr algn="l" defTabSz="457200" rtl="0" eaLnBrk="1" latinLnBrk="0" hangingPunct="1">
+              <a:lnSpc>
+                <a:spcPct val="90000"/>
+              </a:lnSpc>
+              <a:spcBef>
+                <a:spcPct val="0"/>
+              </a:spcBef>
+              <a:buNone/>
+              <a:defRPr sz="2600" b="1" i="0" kern="1200" baseline="0">
+                <a:solidFill>
+                  <a:srgbClr val="4ACBD6"/>
+                </a:solidFill>
+                <a:latin typeface="Arial"/>
+                <a:ea typeface="+mj-ea"/>
+                <a:cs typeface="Arial"/>
+              </a:defRPr>
+            </a:lvl1pPr>
+          </a:lstStyle>
+          <a:p>
+            <a:r>
+              <a:rPr lang="en-US" altLang="zh-CN" sz="3200" dirty="0" smtClean="0">
+                <a:latin typeface="+mj-ea"/>
+              </a:rPr>
+              <a:t>6.3. </a:t>
+            </a:r>
+            <a:r>
+              <a:rPr lang="en-US" altLang="zh-CN" sz="3200" dirty="0" smtClean="0">
+                <a:latin typeface="+mj-ea"/>
+              </a:rPr>
+              <a:t>32</a:t>
+            </a:r>
+            <a:r>
+              <a:rPr lang="zh-CN" altLang="en-US" sz="3200" dirty="0" smtClean="0">
+                <a:latin typeface="+mj-ea"/>
+              </a:rPr>
+              <a:t>位系统运行测试</a:t>
+            </a:r>
+            <a:endParaRPr lang="zh-CN" altLang="en-US" sz="3200" dirty="0">
+              <a:latin typeface="+mj-ea"/>
+            </a:endParaRPr>
+          </a:p>
+        </p:txBody>
+      </p:sp>
+      <p:pic>
+        <p:nvPicPr>
+          <p:cNvPr id="13" name="图片 12"/>
+          <p:cNvPicPr>
+            <a:picLocks noChangeAspect="1"/>
+          </p:cNvPicPr>
+          <p:nvPr/>
+        </p:nvPicPr>
+        <p:blipFill>
+          <a:blip r:embed="rId2"/>
+          <a:stretch>
+            <a:fillRect/>
+          </a:stretch>
+        </p:blipFill>
+        <p:spPr>
+          <a:xfrm>
+            <a:off x="571170" y="1528762"/>
+            <a:ext cx="3981450" cy="3695700"/>
+          </a:xfrm>
+          <a:prstGeom prst="rect">
+            <a:avLst/>
+          </a:prstGeom>
+        </p:spPr>
+      </p:pic>
+      <p:pic>
+        <p:nvPicPr>
+          <p:cNvPr id="14" name="图片 13"/>
+          <p:cNvPicPr>
+            <a:picLocks noChangeAspect="1"/>
+          </p:cNvPicPr>
+          <p:nvPr/>
+        </p:nvPicPr>
+        <p:blipFill>
+          <a:blip r:embed="rId3"/>
+          <a:stretch>
+            <a:fillRect/>
+          </a:stretch>
+        </p:blipFill>
+        <p:spPr>
+          <a:xfrm>
+            <a:off x="4552620" y="1547812"/>
+            <a:ext cx="4162425" cy="3686175"/>
+          </a:xfrm>
+          <a:prstGeom prst="rect">
+            <a:avLst/>
+          </a:prstGeom>
+        </p:spPr>
+      </p:pic>
+    </p:spTree>
+    <p:extLst>
+      <p:ext uri="{BB962C8B-B14F-4D97-AF65-F5344CB8AC3E}">
+        <p14:creationId xmlns:p14="http://schemas.microsoft.com/office/powerpoint/2010/main" val="1146236187"/>
+      </p:ext>
+    </p:extLst>
+  </p:cSld>
+  <p:clrMapOvr>
+    <a:masterClrMapping/>
+  </p:clrMapOvr>
+</p:sld>
+</file>
+
+<file path=ppt/slides/slide29.xml><?xml version="1.0" encoding="utf-8"?>
 <p:sld xmlns:a="http://schemas.openxmlformats.org/drawingml/2006/main" xmlns:r="http://schemas.openxmlformats.org/officeDocument/2006/relationships" xmlns:p="http://schemas.openxmlformats.org/presentationml/2006/main">
   <p:cSld>
     <p:spTree>
@@ -12158,182 +13249,6 @@
 </p:sld>
 </file>
 
-<file path=ppt/slides/slide28.xml><?xml version="1.0" encoding="utf-8"?>
-<p:sld xmlns:a="http://schemas.openxmlformats.org/drawingml/2006/main" xmlns:r="http://schemas.openxmlformats.org/officeDocument/2006/relationships" xmlns:p="http://schemas.openxmlformats.org/presentationml/2006/main">
-  <p:cSld>
-    <p:spTree>
-      <p:nvGrpSpPr>
-        <p:cNvPr id="1" name=""/>
-        <p:cNvGrpSpPr/>
-        <p:nvPr/>
-      </p:nvGrpSpPr>
-      <p:grpSpPr>
-        <a:xfrm>
-          <a:off x="0" y="0"/>
-          <a:ext cx="0" cy="0"/>
-          <a:chOff x="0" y="0"/>
-          <a:chExt cx="0" cy="0"/>
-        </a:xfrm>
-      </p:grpSpPr>
-      <p:sp>
-        <p:nvSpPr>
-          <p:cNvPr id="3" name="文本占位符 2"/>
-          <p:cNvSpPr>
-            <a:spLocks noGrp="1"/>
-          </p:cNvSpPr>
-          <p:nvPr>
-            <p:ph type="body" sz="quarter" idx="13"/>
-          </p:nvPr>
-        </p:nvSpPr>
-        <p:spPr/>
-        <p:txBody>
-          <a:bodyPr/>
-          <a:lstStyle/>
-          <a:p>
-            <a:r>
-              <a:rPr lang="zh-CN" altLang="en-US" sz="2400" dirty="0" smtClean="0"/>
-              <a:t>巩固了编程技术</a:t>
-            </a:r>
-            <a:endParaRPr lang="en-US" altLang="zh-CN" sz="2400" dirty="0" smtClean="0"/>
-          </a:p>
-          <a:p>
-            <a:r>
-              <a:rPr lang="zh-CN" altLang="en-US" sz="2400" dirty="0"/>
-              <a:t>学到了</a:t>
-            </a:r>
-            <a:r>
-              <a:rPr lang="zh-CN" altLang="en-US" sz="2400" dirty="0" smtClean="0"/>
-              <a:t>新的知识</a:t>
-            </a:r>
-            <a:endParaRPr lang="en-US" altLang="zh-CN" sz="2400" dirty="0"/>
-          </a:p>
-          <a:p>
-            <a:r>
-              <a:rPr lang="zh-CN" altLang="en-US" sz="2400" dirty="0" smtClean="0"/>
-              <a:t>熟悉了组里的项目</a:t>
-            </a:r>
-            <a:endParaRPr lang="en-US" altLang="zh-CN" sz="2400" dirty="0" smtClean="0"/>
-          </a:p>
-        </p:txBody>
-      </p:sp>
-      <p:sp>
-        <p:nvSpPr>
-          <p:cNvPr id="7" name="标题 3"/>
-          <p:cNvSpPr txBox="1">
-            <a:spLocks/>
-          </p:cNvSpPr>
-          <p:nvPr/>
-        </p:nvSpPr>
-        <p:spPr>
-          <a:xfrm>
-            <a:off x="571170" y="677960"/>
-            <a:ext cx="8115630" cy="617440"/>
-          </a:xfrm>
-          <a:prstGeom prst="rect">
-            <a:avLst/>
-          </a:prstGeom>
-          <a:ln>
-            <a:noFill/>
-          </a:ln>
-        </p:spPr>
-        <p:txBody>
-          <a:bodyPr vert="horz"/>
-          <a:lstStyle>
-            <a:lvl1pPr algn="l" defTabSz="457200" rtl="0" eaLnBrk="1" latinLnBrk="0" hangingPunct="1">
-              <a:lnSpc>
-                <a:spcPct val="90000"/>
-              </a:lnSpc>
-              <a:spcBef>
-                <a:spcPct val="0"/>
-              </a:spcBef>
-              <a:buNone/>
-              <a:defRPr sz="2600" b="1" i="0" kern="1200" baseline="0">
-                <a:solidFill>
-                  <a:srgbClr val="4ACBD6"/>
-                </a:solidFill>
-                <a:latin typeface="Arial"/>
-                <a:ea typeface="+mj-ea"/>
-                <a:cs typeface="Arial"/>
-              </a:defRPr>
-            </a:lvl1pPr>
-          </a:lstStyle>
-          <a:p>
-            <a:r>
-              <a:rPr lang="en-US" altLang="zh-CN" sz="3200" dirty="0" smtClean="0">
-                <a:latin typeface="+mj-ea"/>
-              </a:rPr>
-              <a:t>7. </a:t>
-            </a:r>
-            <a:r>
-              <a:rPr lang="zh-CN" altLang="en-US" sz="3200" dirty="0" smtClean="0">
-                <a:latin typeface="+mj-ea"/>
-              </a:rPr>
-              <a:t>感想</a:t>
-            </a:r>
-            <a:endParaRPr lang="zh-CN" altLang="en-US" sz="3200" dirty="0">
-              <a:latin typeface="+mj-ea"/>
-            </a:endParaRPr>
-          </a:p>
-        </p:txBody>
-      </p:sp>
-    </p:spTree>
-    <p:extLst>
-      <p:ext uri="{BB962C8B-B14F-4D97-AF65-F5344CB8AC3E}">
-        <p14:creationId xmlns:p14="http://schemas.microsoft.com/office/powerpoint/2010/main" val="2909498845"/>
-      </p:ext>
-    </p:extLst>
-  </p:cSld>
-  <p:clrMapOvr>
-    <a:masterClrMapping/>
-  </p:clrMapOvr>
-  <p:transition spd="slow">
-    <p:push dir="u"/>
-  </p:transition>
-  <p:timing>
-    <p:tnLst>
-      <p:par>
-        <p:cTn id="1" dur="indefinite" restart="never" nodeType="tmRoot"/>
-      </p:par>
-    </p:tnLst>
-  </p:timing>
-</p:sld>
-</file>
-
-<file path=ppt/slides/slide29.xml><?xml version="1.0" encoding="utf-8"?>
-<p:sld xmlns:a="http://schemas.openxmlformats.org/drawingml/2006/main" xmlns:r="http://schemas.openxmlformats.org/officeDocument/2006/relationships" xmlns:p="http://schemas.openxmlformats.org/presentationml/2006/main">
-  <p:cSld>
-    <p:spTree>
-      <p:nvGrpSpPr>
-        <p:cNvPr id="1" name=""/>
-        <p:cNvGrpSpPr/>
-        <p:nvPr/>
-      </p:nvGrpSpPr>
-      <p:grpSpPr>
-        <a:xfrm>
-          <a:off x="0" y="0"/>
-          <a:ext cx="0" cy="0"/>
-          <a:chOff x="0" y="0"/>
-          <a:chExt cx="0" cy="0"/>
-        </a:xfrm>
-      </p:grpSpPr>
-    </p:spTree>
-  </p:cSld>
-  <p:clrMapOvr>
-    <a:masterClrMapping/>
-  </p:clrMapOvr>
-  <p:transition spd="slow">
-    <p:push dir="u"/>
-  </p:transition>
-  <p:timing>
-    <p:tnLst>
-      <p:par>
-        <p:cTn id="1" dur="indefinite" restart="never" nodeType="tmRoot"/>
-      </p:par>
-    </p:tnLst>
-  </p:timing>
-</p:sld>
-</file>
-
 <file path=ppt/slides/slide3.xml><?xml version="1.0" encoding="utf-8"?>
 <p:sld xmlns:a="http://schemas.openxmlformats.org/drawingml/2006/main" xmlns:r="http://schemas.openxmlformats.org/officeDocument/2006/relationships" xmlns:p="http://schemas.openxmlformats.org/presentationml/2006/main">
   <p:cSld>
@@ -12506,18 +13421,7 @@
                 <a:ea typeface="+mj-ea"/>
                 <a:cs typeface="Arial"/>
               </a:rPr>
-              <a:t> </a:t>
-            </a:r>
-            <a:r>
-              <a:rPr lang="zh-CN" altLang="en-US" sz="3200" b="1" dirty="0" smtClean="0">
-                <a:solidFill>
-                  <a:srgbClr val="4ACBD6"/>
-                </a:solidFill>
-                <a:latin typeface="+mj-ea"/>
-                <a:ea typeface="+mj-ea"/>
-                <a:cs typeface="Arial"/>
-              </a:rPr>
-              <a:t>感想</a:t>
+              <a:t> 感想</a:t>
             </a:r>
             <a:endParaRPr lang="en-US" altLang="zh-CN" sz="2600" b="1" dirty="0" smtClean="0">
               <a:solidFill>
@@ -12704,6 +13608,182 @@
 </p:sld>
 </file>
 
+<file path=ppt/slides/slide30.xml><?xml version="1.0" encoding="utf-8"?>
+<p:sld xmlns:a="http://schemas.openxmlformats.org/drawingml/2006/main" xmlns:r="http://schemas.openxmlformats.org/officeDocument/2006/relationships" xmlns:p="http://schemas.openxmlformats.org/presentationml/2006/main">
+  <p:cSld>
+    <p:spTree>
+      <p:nvGrpSpPr>
+        <p:cNvPr id="1" name=""/>
+        <p:cNvGrpSpPr/>
+        <p:nvPr/>
+      </p:nvGrpSpPr>
+      <p:grpSpPr>
+        <a:xfrm>
+          <a:off x="0" y="0"/>
+          <a:ext cx="0" cy="0"/>
+          <a:chOff x="0" y="0"/>
+          <a:chExt cx="0" cy="0"/>
+        </a:xfrm>
+      </p:grpSpPr>
+      <p:sp>
+        <p:nvSpPr>
+          <p:cNvPr id="3" name="文本占位符 2"/>
+          <p:cNvSpPr>
+            <a:spLocks noGrp="1"/>
+          </p:cNvSpPr>
+          <p:nvPr>
+            <p:ph type="body" sz="quarter" idx="13"/>
+          </p:nvPr>
+        </p:nvSpPr>
+        <p:spPr/>
+        <p:txBody>
+          <a:bodyPr/>
+          <a:lstStyle/>
+          <a:p>
+            <a:r>
+              <a:rPr lang="zh-CN" altLang="en-US" sz="2400" dirty="0" smtClean="0"/>
+              <a:t>巩固了编程技术</a:t>
+            </a:r>
+            <a:endParaRPr lang="en-US" altLang="zh-CN" sz="2400" dirty="0" smtClean="0"/>
+          </a:p>
+          <a:p>
+            <a:r>
+              <a:rPr lang="zh-CN" altLang="en-US" sz="2400" dirty="0"/>
+              <a:t>学到了</a:t>
+            </a:r>
+            <a:r>
+              <a:rPr lang="zh-CN" altLang="en-US" sz="2400" dirty="0" smtClean="0"/>
+              <a:t>新的知识</a:t>
+            </a:r>
+            <a:endParaRPr lang="en-US" altLang="zh-CN" sz="2400" dirty="0"/>
+          </a:p>
+          <a:p>
+            <a:r>
+              <a:rPr lang="zh-CN" altLang="en-US" sz="2400" dirty="0" smtClean="0"/>
+              <a:t>熟悉了组里的项目</a:t>
+            </a:r>
+            <a:endParaRPr lang="en-US" altLang="zh-CN" sz="2400" dirty="0" smtClean="0"/>
+          </a:p>
+        </p:txBody>
+      </p:sp>
+      <p:sp>
+        <p:nvSpPr>
+          <p:cNvPr id="7" name="标题 3"/>
+          <p:cNvSpPr txBox="1">
+            <a:spLocks/>
+          </p:cNvSpPr>
+          <p:nvPr/>
+        </p:nvSpPr>
+        <p:spPr>
+          <a:xfrm>
+            <a:off x="571170" y="677960"/>
+            <a:ext cx="8115630" cy="617440"/>
+          </a:xfrm>
+          <a:prstGeom prst="rect">
+            <a:avLst/>
+          </a:prstGeom>
+          <a:ln>
+            <a:noFill/>
+          </a:ln>
+        </p:spPr>
+        <p:txBody>
+          <a:bodyPr vert="horz"/>
+          <a:lstStyle>
+            <a:lvl1pPr algn="l" defTabSz="457200" rtl="0" eaLnBrk="1" latinLnBrk="0" hangingPunct="1">
+              <a:lnSpc>
+                <a:spcPct val="90000"/>
+              </a:lnSpc>
+              <a:spcBef>
+                <a:spcPct val="0"/>
+              </a:spcBef>
+              <a:buNone/>
+              <a:defRPr sz="2600" b="1" i="0" kern="1200" baseline="0">
+                <a:solidFill>
+                  <a:srgbClr val="4ACBD6"/>
+                </a:solidFill>
+                <a:latin typeface="Arial"/>
+                <a:ea typeface="+mj-ea"/>
+                <a:cs typeface="Arial"/>
+              </a:defRPr>
+            </a:lvl1pPr>
+          </a:lstStyle>
+          <a:p>
+            <a:r>
+              <a:rPr lang="en-US" altLang="zh-CN" sz="3200" dirty="0" smtClean="0">
+                <a:latin typeface="+mj-ea"/>
+              </a:rPr>
+              <a:t>7. </a:t>
+            </a:r>
+            <a:r>
+              <a:rPr lang="zh-CN" altLang="en-US" sz="3200" dirty="0" smtClean="0">
+                <a:latin typeface="+mj-ea"/>
+              </a:rPr>
+              <a:t>感想</a:t>
+            </a:r>
+            <a:endParaRPr lang="zh-CN" altLang="en-US" sz="3200" dirty="0">
+              <a:latin typeface="+mj-ea"/>
+            </a:endParaRPr>
+          </a:p>
+        </p:txBody>
+      </p:sp>
+    </p:spTree>
+    <p:extLst>
+      <p:ext uri="{BB962C8B-B14F-4D97-AF65-F5344CB8AC3E}">
+        <p14:creationId xmlns:p14="http://schemas.microsoft.com/office/powerpoint/2010/main" val="2909498845"/>
+      </p:ext>
+    </p:extLst>
+  </p:cSld>
+  <p:clrMapOvr>
+    <a:masterClrMapping/>
+  </p:clrMapOvr>
+  <p:transition spd="slow">
+    <p:push dir="u"/>
+  </p:transition>
+  <p:timing>
+    <p:tnLst>
+      <p:par>
+        <p:cTn id="1" dur="indefinite" restart="never" nodeType="tmRoot"/>
+      </p:par>
+    </p:tnLst>
+  </p:timing>
+</p:sld>
+</file>
+
+<file path=ppt/slides/slide31.xml><?xml version="1.0" encoding="utf-8"?>
+<p:sld xmlns:a="http://schemas.openxmlformats.org/drawingml/2006/main" xmlns:r="http://schemas.openxmlformats.org/officeDocument/2006/relationships" xmlns:p="http://schemas.openxmlformats.org/presentationml/2006/main">
+  <p:cSld>
+    <p:spTree>
+      <p:nvGrpSpPr>
+        <p:cNvPr id="1" name=""/>
+        <p:cNvGrpSpPr/>
+        <p:nvPr/>
+      </p:nvGrpSpPr>
+      <p:grpSpPr>
+        <a:xfrm>
+          <a:off x="0" y="0"/>
+          <a:ext cx="0" cy="0"/>
+          <a:chOff x="0" y="0"/>
+          <a:chExt cx="0" cy="0"/>
+        </a:xfrm>
+      </p:grpSpPr>
+    </p:spTree>
+  </p:cSld>
+  <p:clrMapOvr>
+    <a:masterClrMapping/>
+  </p:clrMapOvr>
+  <p:transition spd="slow">
+    <p:push dir="u"/>
+  </p:transition>
+  <p:timing>
+    <p:tnLst>
+      <p:par>
+        <p:cTn id="1" dur="indefinite" restart="never" nodeType="tmRoot"/>
+      </p:par>
+    </p:tnLst>
+  </p:timing>
+</p:sld>
+</file>
+
 <file path=ppt/slides/slide4.xml><?xml version="1.0" encoding="utf-8"?>
 <p:sld xmlns:a="http://schemas.openxmlformats.org/drawingml/2006/main" xmlns:r="http://schemas.openxmlformats.org/officeDocument/2006/relationships" xmlns:p="http://schemas.openxmlformats.org/presentationml/2006/main">
   <p:cSld>
@@ -13249,18 +14329,7 @@
                 <a:ea typeface="+mj-ea"/>
                 <a:cs typeface="Arial"/>
               </a:rPr>
-              <a:t> </a:t>
-            </a:r>
-            <a:r>
-              <a:rPr lang="zh-CN" altLang="en-US" sz="3200" b="1" dirty="0" smtClean="0">
-                <a:solidFill>
-                  <a:srgbClr val="4ACBD6"/>
-                </a:solidFill>
-                <a:latin typeface="+mj-ea"/>
-                <a:ea typeface="+mj-ea"/>
-                <a:cs typeface="Arial"/>
-              </a:rPr>
-              <a:t>感想</a:t>
+              <a:t> 感想</a:t>
             </a:r>
             <a:endParaRPr lang="en-US" altLang="zh-CN" sz="2600" b="1" dirty="0" smtClean="0">
               <a:solidFill>
@@ -13795,7 +14864,7 @@
           <a:graphicData uri="http://schemas.openxmlformats.org/presentationml/2006/ole">
             <mc:AlternateContent xmlns:mc="http://schemas.openxmlformats.org/markup-compatibility/2006">
               <mc:Choice xmlns:v="urn:schemas-microsoft-com:vml" Requires="v">
-                <p:oleObj spid="_x0000_s5146" name="Visio" r:id="rId3" imgW="6381621" imgH="4562460" progId="Visio.Drawing.15">
+                <p:oleObj spid="_x0000_s5148" name="Visio" r:id="rId3" imgW="6381621" imgH="4562460" progId="Visio.Drawing.15">
                   <p:embed/>
                 </p:oleObj>
               </mc:Choice>
@@ -14248,7 +15317,7 @@
       </p:grpSpPr>
       <p:pic>
         <p:nvPicPr>
-          <p:cNvPr id="7" name="图片 6"/>
+          <p:cNvPr id="2" name="图片 1"/>
           <p:cNvPicPr>
             <a:picLocks noChangeAspect="1"/>
           </p:cNvPicPr>
@@ -14262,8 +15331,8 @@
         </p:blipFill>
         <p:spPr>
           <a:xfrm>
-            <a:off x="1640909" y="2542722"/>
-            <a:ext cx="5288593" cy="3847440"/>
+            <a:off x="1631018" y="2442999"/>
+            <a:ext cx="5302861" cy="3929592"/>
           </a:xfrm>
           <a:prstGeom prst="rect">
             <a:avLst/>
@@ -15840,24 +16909,6 @@
 </file>
 
 <file path=customXml/item1.xml><?xml version="1.0" encoding="utf-8"?>
-<p:properties xmlns:p="http://schemas.microsoft.com/office/2006/metadata/properties" xmlns:xsi="http://www.w3.org/2001/XMLSchema-instance" xmlns:pc="http://schemas.microsoft.com/office/infopath/2007/PartnerControls">
-  <documentManagement>
-    <_Version xmlns="http://schemas.microsoft.com/sharepoint/v3/fields" xsi:nil="true"/>
-    <_Status xmlns="http://schemas.microsoft.com/sharepoint/v3/fields">Not Started</_Status>
-  </documentManagement>
-</p:properties>
-</file>
-
-<file path=customXml/item2.xml><?xml version="1.0" encoding="utf-8"?>
-<?mso-contentType ?>
-<FormTemplates xmlns="http://schemas.microsoft.com/sharepoint/v3/contenttype/forms">
-  <Display>DocumentLibraryForm</Display>
-  <Edit>DocumentLibraryForm</Edit>
-  <New>DocumentLibraryForm</New>
-</FormTemplates>
-</file>
-
-<file path=customXml/item3.xml><?xml version="1.0" encoding="utf-8"?>
 <ct:contentTypeSchema xmlns:ct="http://schemas.microsoft.com/office/2006/metadata/contentType" xmlns:ma="http://schemas.microsoft.com/office/2006/metadata/properties/metaAttributes" ct:_="" ma:_="" ma:contentTypeName="Document" ma:contentTypeID="0x0101000DE64AEEDD9B7A4D93545ACBE97D4615" ma:contentTypeVersion="2" ma:contentTypeDescription="Create a new document." ma:contentTypeScope="" ma:versionID="f49002b78e3a4a71b814eef46a983816">
   <xsd:schema xmlns:xsd="http://www.w3.org/2001/XMLSchema" xmlns:xs="http://www.w3.org/2001/XMLSchema" xmlns:p="http://schemas.microsoft.com/office/2006/metadata/properties" xmlns:ns2="http://schemas.microsoft.com/sharepoint/v3/fields" targetNamespace="http://schemas.microsoft.com/office/2006/metadata/properties" ma:root="true" ma:fieldsID="38f6db2dd0d9a0cf6a8dc37be32b365b" ns2:_="">
     <xsd:import namespace="http://schemas.microsoft.com/sharepoint/v3/fields"/>
@@ -16001,31 +17052,25 @@
 </ct:contentTypeSchema>
 </file>
 
-<file path=customXml/itemProps1.xml><?xml version="1.0" encoding="utf-8"?>
-<ds:datastoreItem xmlns:ds="http://schemas.openxmlformats.org/officeDocument/2006/customXml" ds:itemID="{7B6F2769-7194-4217-93D3-3AF3A4742282}">
-  <ds:schemaRefs>
-    <ds:schemaRef ds:uri="http://purl.org/dc/dcmitype/"/>
-    <ds:schemaRef ds:uri="http://schemas.microsoft.com/office/infopath/2007/PartnerControls"/>
-    <ds:schemaRef ds:uri="http://purl.org/dc/elements/1.1/"/>
-    <ds:schemaRef ds:uri="http://schemas.microsoft.com/office/2006/metadata/properties"/>
-    <ds:schemaRef ds:uri="http://purl.org/dc/terms/"/>
-    <ds:schemaRef ds:uri="http://schemas.microsoft.com/office/2006/documentManagement/types"/>
-    <ds:schemaRef ds:uri="http://schemas.openxmlformats.org/package/2006/metadata/core-properties"/>
-    <ds:schemaRef ds:uri="http://schemas.microsoft.com/sharepoint/v3/fields"/>
-    <ds:schemaRef ds:uri="http://www.w3.org/XML/1998/namespace"/>
-  </ds:schemaRefs>
-</ds:datastoreItem>
+<file path=customXml/item2.xml><?xml version="1.0" encoding="utf-8"?>
+<?mso-contentType ?>
+<FormTemplates xmlns="http://schemas.microsoft.com/sharepoint/v3/contenttype/forms">
+  <Display>DocumentLibraryForm</Display>
+  <Edit>DocumentLibraryForm</Edit>
+  <New>DocumentLibraryForm</New>
+</FormTemplates>
 </file>
 
-<file path=customXml/itemProps2.xml><?xml version="1.0" encoding="utf-8"?>
-<ds:datastoreItem xmlns:ds="http://schemas.openxmlformats.org/officeDocument/2006/customXml" ds:itemID="{87D2A1B0-FF3E-4009-940D-AED0EB70AA20}">
-  <ds:schemaRefs>
-    <ds:schemaRef ds:uri="http://schemas.microsoft.com/sharepoint/v3/contenttype/forms"/>
-  </ds:schemaRefs>
-</ds:datastoreItem>
+<file path=customXml/item3.xml><?xml version="1.0" encoding="utf-8"?>
+<p:properties xmlns:p="http://schemas.microsoft.com/office/2006/metadata/properties" xmlns:xsi="http://www.w3.org/2001/XMLSchema-instance" xmlns:pc="http://schemas.microsoft.com/office/infopath/2007/PartnerControls">
+  <documentManagement>
+    <_Version xmlns="http://schemas.microsoft.com/sharepoint/v3/fields" xsi:nil="true"/>
+    <_Status xmlns="http://schemas.microsoft.com/sharepoint/v3/fields">Not Started</_Status>
+  </documentManagement>
+</p:properties>
 </file>
 
-<file path=customXml/itemProps3.xml><?xml version="1.0" encoding="utf-8"?>
+<file path=customXml/itemProps1.xml><?xml version="1.0" encoding="utf-8"?>
 <ds:datastoreItem xmlns:ds="http://schemas.openxmlformats.org/officeDocument/2006/customXml" ds:itemID="{E4214858-785C-42F7-BE66-6D0E79395FC8}">
   <ds:schemaRefs>
     <ds:schemaRef ds:uri="http://schemas.microsoft.com/office/2006/metadata/contentType"/>
@@ -16041,4 +17086,28 @@
     <ds:schemaRef ds:uri="http://schemas.microsoft.com/internal/obd"/>
   </ds:schemaRefs>
 </ds:datastoreItem>
+</file>
+
+<file path=customXml/itemProps2.xml><?xml version="1.0" encoding="utf-8"?>
+<ds:datastoreItem xmlns:ds="http://schemas.openxmlformats.org/officeDocument/2006/customXml" ds:itemID="{87D2A1B0-FF3E-4009-940D-AED0EB70AA20}">
+  <ds:schemaRefs>
+    <ds:schemaRef ds:uri="http://schemas.microsoft.com/sharepoint/v3/contenttype/forms"/>
+  </ds:schemaRefs>
+</ds:datastoreItem>
+</file>
+
+<file path=customXml/itemProps3.xml><?xml version="1.0" encoding="utf-8"?>
+<ds:datastoreItem xmlns:ds="http://schemas.openxmlformats.org/officeDocument/2006/customXml" ds:itemID="{7B6F2769-7194-4217-93D3-3AF3A4742282}">
+  <ds:schemaRefs>
+    <ds:schemaRef ds:uri="http://purl.org/dc/dcmitype/"/>
+    <ds:schemaRef ds:uri="http://schemas.microsoft.com/office/infopath/2007/PartnerControls"/>
+    <ds:schemaRef ds:uri="http://purl.org/dc/elements/1.1/"/>
+    <ds:schemaRef ds:uri="http://schemas.microsoft.com/office/2006/metadata/properties"/>
+    <ds:schemaRef ds:uri="http://purl.org/dc/terms/"/>
+    <ds:schemaRef ds:uri="http://schemas.microsoft.com/office/2006/documentManagement/types"/>
+    <ds:schemaRef ds:uri="http://schemas.openxmlformats.org/package/2006/metadata/core-properties"/>
+    <ds:schemaRef ds:uri="http://schemas.microsoft.com/sharepoint/v3/fields"/>
+    <ds:schemaRef ds:uri="http://www.w3.org/XML/1998/namespace"/>
+  </ds:schemaRefs>
+</ds:datastoreItem>
 </file>
--- a/docs/W10582孙晓宇.pptx
+++ b/docs/W10582孙晓宇.pptx
@@ -5,10 +5,10 @@
     <p:sldMasterId id="2147493455" r:id="rId4"/>
   </p:sldMasterIdLst>
   <p:notesMasterIdLst>
-    <p:notesMasterId r:id="rId36"/>
+    <p:notesMasterId r:id="rId34"/>
   </p:notesMasterIdLst>
   <p:handoutMasterIdLst>
-    <p:handoutMasterId r:id="rId37"/>
+    <p:handoutMasterId r:id="rId35"/>
   </p:handoutMasterIdLst>
   <p:sldIdLst>
     <p:sldId id="284" r:id="rId5"/>
@@ -26,22 +26,20 @@
     <p:sldId id="314" r:id="rId17"/>
     <p:sldId id="300" r:id="rId18"/>
     <p:sldId id="335" r:id="rId19"/>
-    <p:sldId id="308" r:id="rId20"/>
-    <p:sldId id="313" r:id="rId21"/>
+    <p:sldId id="313" r:id="rId20"/>
+    <p:sldId id="308" r:id="rId21"/>
     <p:sldId id="318" r:id="rId22"/>
     <p:sldId id="322" r:id="rId23"/>
-    <p:sldId id="320" r:id="rId24"/>
-    <p:sldId id="338" r:id="rId25"/>
-    <p:sldId id="319" r:id="rId26"/>
-    <p:sldId id="333" r:id="rId27"/>
-    <p:sldId id="301" r:id="rId28"/>
-    <p:sldId id="304" r:id="rId29"/>
-    <p:sldId id="321" r:id="rId30"/>
-    <p:sldId id="302" r:id="rId31"/>
-    <p:sldId id="337" r:id="rId32"/>
-    <p:sldId id="334" r:id="rId33"/>
-    <p:sldId id="298" r:id="rId34"/>
-    <p:sldId id="291" r:id="rId35"/>
+    <p:sldId id="339" r:id="rId24"/>
+    <p:sldId id="319" r:id="rId25"/>
+    <p:sldId id="333" r:id="rId26"/>
+    <p:sldId id="301" r:id="rId27"/>
+    <p:sldId id="304" r:id="rId28"/>
+    <p:sldId id="321" r:id="rId29"/>
+    <p:sldId id="302" r:id="rId30"/>
+    <p:sldId id="334" r:id="rId31"/>
+    <p:sldId id="298" r:id="rId32"/>
+    <p:sldId id="291" r:id="rId33"/>
   </p:sldIdLst>
   <p:sldSz cx="9144000" cy="6858000" type="screen4x3"/>
   <p:notesSz cx="6858000" cy="9144000"/>
@@ -311,7 +309,7 @@
             <a:fld id="{4BB050E6-22C8-E54B-958B-7030E84226CD}" type="datetimeFigureOut">
               <a:rPr lang="en-US" smtClean="0"/>
               <a:pPr/>
-              <a:t>11/13/2017</a:t>
+              <a:t>11/14/2017</a:t>
             </a:fld>
             <a:endParaRPr lang="en-US" dirty="0"/>
           </a:p>
@@ -478,7 +476,7 @@
             <a:fld id="{7C5C2FAD-580B-A840-A132-9D7B4F3AC43B}" type="datetimeFigureOut">
               <a:rPr lang="en-US" smtClean="0"/>
               <a:pPr/>
-              <a:t>11/13/2017</a:t>
+              <a:t>11/14/2017</a:t>
             </a:fld>
             <a:endParaRPr lang="en-US" dirty="0"/>
           </a:p>
@@ -876,7 +874,176 @@
           <a:bodyPr/>
           <a:lstStyle/>
           <a:p>
-            <a:endParaRPr lang="zh-CN" altLang="en-US" dirty="0"/>
+            <a:r>
+              <a:rPr lang="zh-CN" altLang="en-US" dirty="0" smtClean="0"/>
+              <a:t>网络处理是使用</a:t>
+            </a:r>
+            <a:r>
+              <a:rPr lang="en-US" altLang="zh-CN" dirty="0" err="1" smtClean="0"/>
+              <a:t>Netty</a:t>
+            </a:r>
+            <a:r>
+              <a:rPr lang="zh-CN" altLang="en-US" dirty="0" smtClean="0"/>
+              <a:t>开发的。</a:t>
+            </a:r>
+            <a:endParaRPr lang="en-US" altLang="zh-CN" dirty="0" smtClean="0"/>
+          </a:p>
+          <a:p>
+            <a:r>
+              <a:rPr lang="en-US" altLang="zh-CN" dirty="0" smtClean="0"/>
+              <a:t>network</a:t>
+            </a:r>
+            <a:r>
+              <a:rPr lang="zh-CN" altLang="en-US" dirty="0" smtClean="0"/>
+              <a:t>包包含三个网络客户端，分别是发现客户端， 收养客户端和管理客户端。它们继承了</a:t>
+            </a:r>
+            <a:r>
+              <a:rPr lang="en-US" altLang="zh-CN" dirty="0" err="1" smtClean="0"/>
+              <a:t>EapClient</a:t>
+            </a:r>
+            <a:r>
+              <a:rPr lang="zh-CN" altLang="en-US" dirty="0" smtClean="0"/>
+              <a:t>这个虚类，</a:t>
+            </a:r>
+            <a:r>
+              <a:rPr lang="zh-CN" altLang="en-US" dirty="0" smtClean="0"/>
+              <a:t>实现的功能包括客户端的启动，初始化，建立连接和关闭</a:t>
+            </a:r>
+            <a:r>
+              <a:rPr lang="zh-CN" altLang="en-US" dirty="0" smtClean="0"/>
+              <a:t>。</a:t>
+            </a:r>
+            <a:endParaRPr lang="en-US" altLang="zh-CN" dirty="0" smtClean="0"/>
+          </a:p>
+          <a:p>
+            <a:r>
+              <a:rPr lang="zh-CN" altLang="en-US" dirty="0" smtClean="0"/>
+              <a:t>广播客户端拥有一个待广播的</a:t>
+            </a:r>
+            <a:r>
+              <a:rPr lang="en-US" altLang="zh-CN" dirty="0" smtClean="0"/>
+              <a:t>EAP</a:t>
+            </a:r>
+            <a:r>
+              <a:rPr lang="zh-CN" altLang="en-US" dirty="0" smtClean="0"/>
+              <a:t>的列表和广播线程，广播线程每隔</a:t>
+            </a:r>
+            <a:r>
+              <a:rPr lang="en-US" altLang="zh-CN" dirty="0" smtClean="0"/>
+              <a:t>5</a:t>
+            </a:r>
+            <a:r>
+              <a:rPr lang="zh-CN" altLang="en-US" dirty="0" smtClean="0"/>
+              <a:t>秒遍历一次列表，将</a:t>
+            </a:r>
+            <a:r>
+              <a:rPr lang="en-US" altLang="zh-CN" dirty="0" smtClean="0"/>
+              <a:t>EAP</a:t>
+            </a:r>
+            <a:r>
+              <a:rPr lang="zh-CN" altLang="en-US" dirty="0" smtClean="0"/>
+              <a:t>基本信息广播到</a:t>
+            </a:r>
+            <a:r>
+              <a:rPr lang="en-US" altLang="zh-CN" dirty="0" smtClean="0"/>
+              <a:t>29810</a:t>
+            </a:r>
+            <a:r>
+              <a:rPr lang="zh-CN" altLang="en-US" dirty="0" smtClean="0"/>
+              <a:t>端口。</a:t>
+            </a:r>
+            <a:endParaRPr lang="en-US" altLang="zh-CN" dirty="0" smtClean="0"/>
+          </a:p>
+          <a:p>
+            <a:r>
+              <a:rPr lang="zh-CN" altLang="en-US" dirty="0" smtClean="0"/>
+              <a:t>收养和管理客户端可以为</a:t>
+            </a:r>
+            <a:r>
+              <a:rPr lang="en-US" altLang="zh-CN" dirty="0" err="1" smtClean="0"/>
+              <a:t>Eap</a:t>
+            </a:r>
+            <a:r>
+              <a:rPr lang="zh-CN" altLang="en-US" dirty="0" smtClean="0"/>
+              <a:t>分配端口，用来与</a:t>
+            </a:r>
+            <a:r>
+              <a:rPr lang="en-US" altLang="zh-CN" dirty="0" smtClean="0"/>
+              <a:t>Controller</a:t>
+            </a:r>
+            <a:r>
+              <a:rPr lang="zh-CN" altLang="en-US" dirty="0" smtClean="0"/>
+              <a:t>建立连接</a:t>
+            </a:r>
+            <a:r>
+              <a:rPr lang="zh-CN" altLang="en-US" dirty="0" smtClean="0"/>
+              <a:t>。</a:t>
+            </a:r>
+            <a:endParaRPr lang="en-US" altLang="zh-CN" dirty="0" smtClean="0"/>
+          </a:p>
+          <a:p>
+            <a:r>
+              <a:rPr lang="zh-CN" altLang="en-US" dirty="0" smtClean="0"/>
+              <a:t>收养客户端负责验证</a:t>
+            </a:r>
+            <a:r>
+              <a:rPr lang="en-US" altLang="zh-CN" dirty="0" smtClean="0"/>
+              <a:t>Controller</a:t>
+            </a:r>
+            <a:r>
+              <a:rPr lang="zh-CN" altLang="en-US" dirty="0" smtClean="0"/>
+              <a:t>的收养请求。</a:t>
+            </a:r>
+            <a:endParaRPr lang="en-US" altLang="zh-CN" dirty="0" smtClean="0"/>
+          </a:p>
+          <a:p>
+            <a:r>
+              <a:rPr lang="zh-CN" altLang="en-US" dirty="0" smtClean="0"/>
+              <a:t>管理客户端用来管理</a:t>
+            </a:r>
+            <a:endParaRPr lang="en-US" altLang="zh-CN" dirty="0" smtClean="0"/>
+          </a:p>
+          <a:p>
+            <a:r>
+              <a:rPr lang="en-US" altLang="zh-CN" dirty="0" err="1" smtClean="0"/>
+              <a:t>NetContext</a:t>
+            </a:r>
+            <a:r>
+              <a:rPr lang="zh-CN" altLang="en-US" dirty="0" smtClean="0"/>
+              <a:t>是网络处理的上下文，成员包括所有的网络客户端，可以为包的外部提供客户端的初始化，建立连接，关闭和广播线程，上报信息线程的运行与终止。</a:t>
+            </a:r>
+            <a:endParaRPr lang="en-US" altLang="zh-CN" dirty="0" smtClean="0"/>
+          </a:p>
+          <a:p>
+            <a:r>
+              <a:rPr lang="zh-CN" altLang="en-US" dirty="0" smtClean="0"/>
+              <a:t>每个客户端有一个专属的</a:t>
+            </a:r>
+            <a:r>
+              <a:rPr lang="en-US" altLang="zh-CN" dirty="0" smtClean="0"/>
+              <a:t>Handler</a:t>
+            </a:r>
+            <a:r>
+              <a:rPr lang="zh-CN" altLang="en-US" dirty="0" smtClean="0"/>
+              <a:t>，注册到每个连接中，</a:t>
+            </a:r>
+            <a:r>
+              <a:rPr lang="zh-CN" altLang="en-US" baseline="0" dirty="0" smtClean="0"/>
+              <a:t>用来处理报文，报文处理的一般流程如下。</a:t>
+            </a:r>
+            <a:endParaRPr lang="en-US" altLang="zh-CN" dirty="0" smtClean="0"/>
+          </a:p>
+          <a:p>
+            <a:endParaRPr lang="en-US" altLang="zh-CN" dirty="0" smtClean="0"/>
+          </a:p>
+          <a:p>
+            <a:endParaRPr lang="en-US" altLang="zh-CN" dirty="0" smtClean="0"/>
+          </a:p>
+          <a:p>
+            <a:endParaRPr lang="en-US" altLang="zh-CN" dirty="0" smtClean="0"/>
+          </a:p>
+          <a:p>
+            <a:endParaRPr lang="en-US" altLang="zh-CN" dirty="0" smtClean="0"/>
           </a:p>
         </p:txBody>
       </p:sp>
@@ -898,7 +1065,7 @@
             <a:fld id="{007AB7CF-70DA-A148-9842-61A7B7C7A363}" type="slidenum">
               <a:rPr lang="en-US" smtClean="0"/>
               <a:pPr/>
-              <a:t>23</a:t>
+              <a:t>18</a:t>
             </a:fld>
             <a:endParaRPr lang="en-US" dirty="0"/>
           </a:p>
@@ -907,7 +1074,7 @@
     </p:spTree>
     <p:extLst>
       <p:ext uri="{BB962C8B-B14F-4D97-AF65-F5344CB8AC3E}">
-        <p14:creationId xmlns:p14="http://schemas.microsoft.com/office/powerpoint/2010/main" val="4278040415"/>
+        <p14:creationId xmlns:p14="http://schemas.microsoft.com/office/powerpoint/2010/main" val="3264161387"/>
       </p:ext>
     </p:extLst>
   </p:cSld>
@@ -961,6 +1128,13 @@
           <a:bodyPr/>
           <a:lstStyle/>
           <a:p>
+            <a:r>
+              <a:rPr lang="zh-CN" altLang="en-US" dirty="0" smtClean="0"/>
+              <a:t>处理报文的流程如图所示，</a:t>
+            </a:r>
+            <a:endParaRPr lang="en-US" altLang="zh-CN" dirty="0" smtClean="0"/>
+          </a:p>
+          <a:p>
             <a:endParaRPr lang="zh-CN" altLang="en-US" dirty="0"/>
           </a:p>
         </p:txBody>
@@ -983,7 +1157,7 @@
             <a:fld id="{007AB7CF-70DA-A148-9842-61A7B7C7A363}" type="slidenum">
               <a:rPr lang="en-US" smtClean="0"/>
               <a:pPr/>
-              <a:t>24</a:t>
+              <a:t>19</a:t>
             </a:fld>
             <a:endParaRPr lang="en-US" dirty="0"/>
           </a:p>
@@ -992,7 +1166,7 @@
     </p:spTree>
     <p:extLst>
       <p:ext uri="{BB962C8B-B14F-4D97-AF65-F5344CB8AC3E}">
-        <p14:creationId xmlns:p14="http://schemas.microsoft.com/office/powerpoint/2010/main" val="3281352785"/>
+        <p14:creationId xmlns:p14="http://schemas.microsoft.com/office/powerpoint/2010/main" val="3138320557"/>
       </p:ext>
     </p:extLst>
   </p:cSld>
@@ -1047,22 +1221,418 @@
           <a:lstStyle/>
           <a:p>
             <a:r>
-              <a:rPr lang="en-US" altLang="zh-CN" dirty="0" err="1" smtClean="0"/>
+              <a:rPr lang="zh-CN" altLang="en-US" dirty="0" smtClean="0"/>
+              <a:t>这是截取了部分的线程运行时间线，隐藏了</a:t>
+            </a:r>
+            <a:r>
+              <a:rPr lang="zh-CN" altLang="en-US" dirty="0" smtClean="0"/>
+              <a:t>若干个正在</a:t>
+            </a:r>
+            <a:r>
+              <a:rPr lang="zh-CN" altLang="en-US" dirty="0" smtClean="0"/>
+              <a:t>运行的</a:t>
+            </a:r>
+            <a:r>
+              <a:rPr lang="en-US" altLang="zh-CN" dirty="0" smtClean="0"/>
+              <a:t>EAP</a:t>
+            </a:r>
+            <a:r>
+              <a:rPr lang="zh-CN" altLang="en-US" dirty="0" smtClean="0"/>
+              <a:t>线程和</a:t>
+            </a:r>
+            <a:r>
+              <a:rPr lang="en-US" altLang="zh-CN" dirty="0" smtClean="0"/>
+              <a:t>Tomcat</a:t>
+            </a:r>
+            <a:r>
+              <a:rPr lang="zh-CN" altLang="en-US" dirty="0" smtClean="0"/>
+              <a:t>的线程</a:t>
+            </a:r>
+            <a:r>
+              <a:rPr lang="zh-CN" altLang="en-US" baseline="0" dirty="0" smtClean="0"/>
+              <a:t>。</a:t>
+            </a:r>
+            <a:endParaRPr lang="en-US" altLang="zh-CN" baseline="0" dirty="0" smtClean="0"/>
+          </a:p>
+          <a:p>
+            <a:r>
+              <a:rPr lang="zh-CN" altLang="en-US" baseline="0" dirty="0" smtClean="0"/>
+              <a:t>广播线程，</a:t>
+            </a:r>
+            <a:r>
+              <a:rPr lang="zh-CN" altLang="en-US" baseline="0" dirty="0" smtClean="0"/>
+              <a:t>负责循环调用网络处理模块广播</a:t>
+            </a:r>
+            <a:r>
+              <a:rPr lang="zh-CN" altLang="en-US" baseline="0" dirty="0" smtClean="0"/>
+              <a:t>当前初始化了的</a:t>
+            </a:r>
+            <a:r>
+              <a:rPr lang="en-US" altLang="zh-CN" baseline="0" dirty="0" smtClean="0"/>
+              <a:t>EAP</a:t>
+            </a:r>
+            <a:r>
+              <a:rPr lang="zh-CN" altLang="en-US" baseline="0" dirty="0" smtClean="0"/>
+              <a:t>。</a:t>
+            </a:r>
+            <a:endParaRPr lang="en-US" altLang="zh-CN" baseline="0" dirty="0" smtClean="0"/>
+          </a:p>
+          <a:p>
+            <a:r>
+              <a:rPr lang="zh-CN" altLang="en-US" baseline="0" dirty="0" smtClean="0"/>
+              <a:t>上报信息线程，</a:t>
+            </a:r>
+            <a:r>
+              <a:rPr lang="zh-CN" altLang="en-US" baseline="0" dirty="0" smtClean="0"/>
+              <a:t>负责循环调用</a:t>
+            </a:r>
+            <a:r>
+              <a:rPr lang="zh-CN" altLang="en-US" baseline="0" dirty="0" smtClean="0"/>
+              <a:t>网络处理上报当前已经和</a:t>
+            </a:r>
+            <a:r>
+              <a:rPr lang="en-US" altLang="zh-CN" baseline="0" dirty="0" smtClean="0"/>
+              <a:t>Controller</a:t>
+            </a:r>
+            <a:r>
+              <a:rPr lang="zh-CN" altLang="en-US" baseline="0" dirty="0" smtClean="0"/>
+              <a:t>连接成功的</a:t>
+            </a:r>
+            <a:r>
+              <a:rPr lang="en-US" altLang="zh-CN" baseline="0" dirty="0" smtClean="0"/>
+              <a:t>EAP</a:t>
+            </a:r>
+            <a:r>
+              <a:rPr lang="zh-CN" altLang="en-US" baseline="0" dirty="0" smtClean="0"/>
+              <a:t>。</a:t>
+            </a:r>
+            <a:endParaRPr lang="en-US" altLang="zh-CN" baseline="0" dirty="0" smtClean="0"/>
+          </a:p>
+          <a:p>
+            <a:r>
+              <a:rPr lang="zh-CN" altLang="en-US" baseline="0" dirty="0" smtClean="0"/>
+              <a:t>记录线程，负责将</a:t>
+            </a:r>
+            <a:r>
+              <a:rPr lang="en-US" altLang="zh-CN" baseline="0" dirty="0" smtClean="0"/>
+              <a:t>EAP</a:t>
+            </a:r>
+            <a:r>
+              <a:rPr lang="zh-CN" altLang="en-US" baseline="0" dirty="0" smtClean="0"/>
+              <a:t>与</a:t>
+            </a:r>
+            <a:r>
+              <a:rPr lang="en-US" altLang="zh-CN" baseline="0" dirty="0" smtClean="0"/>
+              <a:t>Controller</a:t>
+            </a:r>
+            <a:r>
+              <a:rPr lang="zh-CN" altLang="en-US" baseline="0" dirty="0" smtClean="0"/>
+              <a:t>信息传输的报文记录到数据库中。</a:t>
+            </a:r>
+            <a:endParaRPr lang="en-US" altLang="zh-CN" baseline="0" dirty="0" smtClean="0"/>
+          </a:p>
+          <a:p>
+            <a:r>
+              <a:rPr lang="zh-CN" altLang="en-US" baseline="0" dirty="0" smtClean="0"/>
+              <a:t>其它是</a:t>
+            </a:r>
+            <a:r>
+              <a:rPr lang="en-US" altLang="zh-CN" baseline="0" dirty="0" err="1" smtClean="0"/>
               <a:t>Netty</a:t>
             </a:r>
             <a:r>
-              <a:rPr lang="zh-CN" altLang="en-US" dirty="0" smtClean="0"/>
-              <a:t>默认每个客户端会启动</a:t>
-            </a:r>
-            <a:r>
-              <a:rPr lang="en-US" altLang="zh-CN" dirty="0" smtClean="0"/>
-              <a:t>2</a:t>
-            </a:r>
-            <a:r>
-              <a:rPr lang="zh-CN" altLang="en-US" dirty="0" smtClean="0"/>
-              <a:t>倍核心数的线程。</a:t>
-            </a:r>
-            <a:endParaRPr lang="zh-CN" altLang="en-US" dirty="0"/>
+              <a:rPr lang="zh-CN" altLang="en-US" baseline="0" dirty="0" smtClean="0"/>
+              <a:t>的处理网络读写事件的线程</a:t>
+            </a:r>
+            <a:r>
+              <a:rPr lang="zh-CN" altLang="en-US" baseline="0" dirty="0" smtClean="0"/>
+              <a:t>，包括</a:t>
+            </a:r>
+            <a:r>
+              <a:rPr lang="en-US" altLang="zh-CN" baseline="0" dirty="0" smtClean="0"/>
+              <a:t>1</a:t>
+            </a:r>
+            <a:r>
+              <a:rPr lang="zh-CN" altLang="en-US" baseline="0" dirty="0" smtClean="0"/>
+              <a:t>个广播客户端使用的线程和收养、管理客户端使用的线程各</a:t>
+            </a:r>
+            <a:r>
+              <a:rPr lang="en-US" altLang="zh-CN" baseline="0" dirty="0" smtClean="0"/>
+              <a:t>8</a:t>
+            </a:r>
+            <a:r>
+              <a:rPr lang="zh-CN" altLang="en-US" baseline="0" dirty="0" smtClean="0"/>
+              <a:t>个</a:t>
+            </a:r>
+            <a:r>
+              <a:rPr lang="zh-CN" altLang="en-US" baseline="0" dirty="0" smtClean="0"/>
+              <a:t>。</a:t>
+            </a:r>
+            <a:r>
+              <a:rPr lang="en-US" altLang="zh-CN" baseline="0" dirty="0" err="1" smtClean="0"/>
+              <a:t>Netty</a:t>
+            </a:r>
+            <a:r>
+              <a:rPr lang="zh-CN" altLang="en-US" baseline="0" dirty="0" smtClean="0"/>
+              <a:t>默认客户端</a:t>
+            </a:r>
+            <a:r>
+              <a:rPr lang="zh-CN" altLang="en-US" baseline="0" dirty="0" smtClean="0"/>
+              <a:t>的线程</a:t>
+            </a:r>
+            <a:r>
+              <a:rPr lang="zh-CN" altLang="en-US" baseline="0" dirty="0" smtClean="0"/>
+              <a:t>数是</a:t>
+            </a:r>
+            <a:r>
+              <a:rPr lang="en-US" altLang="zh-CN" baseline="0" dirty="0" smtClean="0"/>
+              <a:t>CPU</a:t>
+            </a:r>
+            <a:r>
+              <a:rPr lang="zh-CN" altLang="en-US" baseline="0" dirty="0" smtClean="0"/>
+              <a:t>核心数目的两倍</a:t>
+            </a:r>
+            <a:r>
+              <a:rPr lang="zh-CN" altLang="en-US" baseline="0" dirty="0" smtClean="0"/>
+              <a:t>。</a:t>
+            </a:r>
+            <a:endParaRPr lang="en-US" altLang="zh-CN" baseline="0" dirty="0" smtClean="0"/>
+          </a:p>
+          <a:p>
+            <a:endParaRPr lang="en-US" altLang="zh-CN" baseline="0" dirty="0" smtClean="0"/>
+          </a:p>
+          <a:p>
+            <a:pPr marL="228600" indent="-228600">
+              <a:lnSpc>
+                <a:spcPct val="140000"/>
+              </a:lnSpc>
+              <a:spcAft>
+                <a:spcPts val="600"/>
+              </a:spcAft>
+              <a:buFont typeface="+mj-lt"/>
+              <a:buAutoNum type="arabicPeriod"/>
+            </a:pPr>
+            <a:r>
+              <a:rPr lang="en-US" altLang="zh-CN" sz="1200" dirty="0" smtClean="0">
+                <a:latin typeface="宋体" panose="02010600030101010101" pitchFamily="2" charset="-122"/>
+                <a:ea typeface="+mn-ea"/>
+              </a:rPr>
+              <a:t>EAP</a:t>
+            </a:r>
+            <a:r>
+              <a:rPr lang="zh-CN" altLang="en-US" sz="1200" dirty="0" smtClean="0">
+                <a:latin typeface="宋体" panose="02010600030101010101" pitchFamily="2" charset="-122"/>
+                <a:ea typeface="+mn-ea"/>
+              </a:rPr>
+              <a:t>主线程，控制</a:t>
+            </a:r>
+            <a:r>
+              <a:rPr lang="en-US" altLang="zh-CN" sz="1200" dirty="0" smtClean="0">
+                <a:latin typeface="宋体" panose="02010600030101010101" pitchFamily="2" charset="-122"/>
+                <a:ea typeface="+mn-ea"/>
+              </a:rPr>
+              <a:t>EAP</a:t>
+            </a:r>
+            <a:r>
+              <a:rPr lang="zh-CN" altLang="en-US" sz="1200" dirty="0" smtClean="0">
+                <a:latin typeface="宋体" panose="02010600030101010101" pitchFamily="2" charset="-122"/>
+                <a:ea typeface="+mn-ea"/>
+              </a:rPr>
+              <a:t>状态变化以及状态变化之后的操作</a:t>
+            </a:r>
+            <a:endParaRPr lang="en-US" altLang="zh-CN" sz="1200" dirty="0" smtClean="0">
+              <a:latin typeface="宋体" panose="02010600030101010101" pitchFamily="2" charset="-122"/>
+              <a:ea typeface="+mn-ea"/>
+            </a:endParaRPr>
+          </a:p>
+          <a:p>
+            <a:pPr marL="228600" indent="-228600">
+              <a:lnSpc>
+                <a:spcPct val="140000"/>
+              </a:lnSpc>
+              <a:spcAft>
+                <a:spcPts val="600"/>
+              </a:spcAft>
+              <a:buFont typeface="+mj-lt"/>
+              <a:buAutoNum type="arabicPeriod"/>
+            </a:pPr>
+            <a:r>
+              <a:rPr lang="zh-CN" altLang="en-US" sz="1200" dirty="0" smtClean="0">
+                <a:latin typeface="宋体" panose="02010600030101010101" pitchFamily="2" charset="-122"/>
+                <a:ea typeface="+mn-ea"/>
+              </a:rPr>
+              <a:t>广播线程，广播当前初始化成功的</a:t>
+            </a:r>
+            <a:r>
+              <a:rPr lang="en-US" altLang="zh-CN" sz="1200" dirty="0" smtClean="0">
+                <a:latin typeface="宋体" panose="02010600030101010101" pitchFamily="2" charset="-122"/>
+                <a:ea typeface="+mn-ea"/>
+              </a:rPr>
+              <a:t>EAP</a:t>
+            </a:r>
+            <a:r>
+              <a:rPr lang="zh-CN" altLang="en-US" sz="1200" dirty="0" smtClean="0">
+                <a:latin typeface="宋体" panose="02010600030101010101" pitchFamily="2" charset="-122"/>
+                <a:ea typeface="+mn-ea"/>
+              </a:rPr>
+              <a:t>的</a:t>
+            </a:r>
+            <a:r>
+              <a:rPr lang="en-US" altLang="zh-CN" sz="1200" dirty="0" smtClean="0">
+                <a:latin typeface="宋体" panose="02010600030101010101" pitchFamily="2" charset="-122"/>
+                <a:ea typeface="+mn-ea"/>
+              </a:rPr>
+              <a:t>UDP</a:t>
+            </a:r>
+            <a:r>
+              <a:rPr lang="zh-CN" altLang="en-US" sz="1200" dirty="0" smtClean="0">
+                <a:latin typeface="宋体" panose="02010600030101010101" pitchFamily="2" charset="-122"/>
+                <a:ea typeface="+mn-ea"/>
+              </a:rPr>
+              <a:t>广播报文，以让</a:t>
+            </a:r>
+            <a:r>
+              <a:rPr lang="en-US" altLang="zh-CN" sz="1200" dirty="0" smtClean="0">
+                <a:latin typeface="宋体" panose="02010600030101010101" pitchFamily="2" charset="-122"/>
+                <a:ea typeface="+mn-ea"/>
+              </a:rPr>
+              <a:t>Controller</a:t>
+            </a:r>
+            <a:r>
+              <a:rPr lang="zh-CN" altLang="en-US" sz="1200" dirty="0" smtClean="0">
+                <a:latin typeface="宋体" panose="02010600030101010101" pitchFamily="2" charset="-122"/>
+                <a:ea typeface="+mn-ea"/>
+              </a:rPr>
+              <a:t>接收并发现</a:t>
+            </a:r>
+            <a:r>
+              <a:rPr lang="en-US" altLang="zh-CN" sz="1200" dirty="0" smtClean="0">
+                <a:latin typeface="宋体" panose="02010600030101010101" pitchFamily="2" charset="-122"/>
+                <a:ea typeface="+mn-ea"/>
+              </a:rPr>
+              <a:t>EAP</a:t>
+            </a:r>
+          </a:p>
+          <a:p>
+            <a:pPr marL="228600" indent="-228600">
+              <a:lnSpc>
+                <a:spcPct val="140000"/>
+              </a:lnSpc>
+              <a:spcAft>
+                <a:spcPts val="600"/>
+              </a:spcAft>
+              <a:buFont typeface="+mj-lt"/>
+              <a:buAutoNum type="arabicPeriod"/>
+            </a:pPr>
+            <a:r>
+              <a:rPr lang="zh-CN" altLang="en-US" sz="1200" dirty="0" smtClean="0">
+                <a:latin typeface="宋体" panose="02010600030101010101" pitchFamily="2" charset="-122"/>
+                <a:ea typeface="+mn-ea"/>
+              </a:rPr>
+              <a:t>上报信息线程，发送与</a:t>
+            </a:r>
+            <a:r>
+              <a:rPr lang="en-US" altLang="zh-CN" sz="1200" dirty="0" smtClean="0">
+                <a:latin typeface="宋体" panose="02010600030101010101" pitchFamily="2" charset="-122"/>
+                <a:ea typeface="+mn-ea"/>
+              </a:rPr>
+              <a:t>Controller</a:t>
+            </a:r>
+            <a:r>
+              <a:rPr lang="zh-CN" altLang="en-US" sz="1200" dirty="0" smtClean="0">
+                <a:latin typeface="宋体" panose="02010600030101010101" pitchFamily="2" charset="-122"/>
+                <a:ea typeface="+mn-ea"/>
+              </a:rPr>
+              <a:t>连接成功的</a:t>
+            </a:r>
+            <a:r>
+              <a:rPr lang="en-US" altLang="zh-CN" sz="1200" dirty="0" smtClean="0">
+                <a:latin typeface="宋体" panose="02010600030101010101" pitchFamily="2" charset="-122"/>
+                <a:ea typeface="+mn-ea"/>
+              </a:rPr>
+              <a:t>EAP</a:t>
+            </a:r>
+            <a:r>
+              <a:rPr lang="zh-CN" altLang="en-US" sz="1200" dirty="0" smtClean="0">
+                <a:latin typeface="宋体" panose="02010600030101010101" pitchFamily="2" charset="-122"/>
+                <a:ea typeface="+mn-ea"/>
+              </a:rPr>
+              <a:t>的基本信息</a:t>
+            </a:r>
+            <a:endParaRPr lang="en-US" altLang="zh-CN" sz="1200" dirty="0" smtClean="0">
+              <a:latin typeface="宋体" panose="02010600030101010101" pitchFamily="2" charset="-122"/>
+              <a:ea typeface="+mn-ea"/>
+            </a:endParaRPr>
+          </a:p>
+          <a:p>
+            <a:pPr marL="228600" indent="-228600">
+              <a:lnSpc>
+                <a:spcPct val="140000"/>
+              </a:lnSpc>
+              <a:spcAft>
+                <a:spcPts val="600"/>
+              </a:spcAft>
+              <a:buFont typeface="+mj-lt"/>
+              <a:buAutoNum type="arabicPeriod"/>
+            </a:pPr>
+            <a:r>
+              <a:rPr lang="zh-CN" altLang="en-US" sz="1200" dirty="0" smtClean="0">
+                <a:latin typeface="宋体" panose="02010600030101010101" pitchFamily="2" charset="-122"/>
+                <a:ea typeface="+mn-ea"/>
+              </a:rPr>
+              <a:t>日志记录线程，记录网络日志到数据库。</a:t>
+            </a:r>
+            <a:endParaRPr lang="en-US" altLang="zh-CN" sz="1200" dirty="0" smtClean="0">
+              <a:latin typeface="宋体" panose="02010600030101010101" pitchFamily="2" charset="-122"/>
+              <a:ea typeface="+mn-ea"/>
+            </a:endParaRPr>
+          </a:p>
+          <a:p>
+            <a:pPr marL="228600" indent="-228600">
+              <a:lnSpc>
+                <a:spcPct val="140000"/>
+              </a:lnSpc>
+              <a:spcAft>
+                <a:spcPts val="600"/>
+              </a:spcAft>
+              <a:buFont typeface="+mj-lt"/>
+              <a:buAutoNum type="arabicPeriod"/>
+            </a:pPr>
+            <a:r>
+              <a:rPr lang="en-US" altLang="zh-CN" sz="1200" dirty="0" err="1" smtClean="0">
+                <a:latin typeface="宋体" panose="02010600030101010101" pitchFamily="2" charset="-122"/>
+                <a:ea typeface="+mn-ea"/>
+              </a:rPr>
+              <a:t>nioEventLoopGroup</a:t>
+            </a:r>
+            <a:r>
+              <a:rPr lang="zh-CN" altLang="en-US" sz="1200" dirty="0" smtClean="0">
+                <a:latin typeface="宋体" panose="02010600030101010101" pitchFamily="2" charset="-122"/>
+                <a:ea typeface="+mn-ea"/>
+              </a:rPr>
+              <a:t>，</a:t>
+            </a:r>
+            <a:r>
+              <a:rPr lang="en-US" altLang="zh-CN" sz="1200" dirty="0" err="1" smtClean="0">
+                <a:latin typeface="宋体" panose="02010600030101010101" pitchFamily="2" charset="-122"/>
+                <a:ea typeface="+mn-ea"/>
+              </a:rPr>
+              <a:t>Netty</a:t>
+            </a:r>
+            <a:r>
+              <a:rPr lang="zh-CN" altLang="en-US" sz="1200" dirty="0" smtClean="0">
+                <a:latin typeface="宋体" panose="02010600030101010101" pitchFamily="2" charset="-122"/>
+                <a:ea typeface="+mn-ea"/>
+              </a:rPr>
+              <a:t>的网络处理线程</a:t>
+            </a:r>
+            <a:endParaRPr lang="en-US" altLang="zh-CN" sz="1200" dirty="0" smtClean="0">
+              <a:latin typeface="宋体" panose="02010600030101010101" pitchFamily="2" charset="-122"/>
+              <a:ea typeface="+mn-ea"/>
+            </a:endParaRPr>
+          </a:p>
+          <a:p>
+            <a:endParaRPr lang="en-US" altLang="zh-CN" baseline="0" dirty="0" smtClean="0"/>
           </a:p>
         </p:txBody>
       </p:sp>
@@ -1084,7 +1654,7 @@
             <a:fld id="{007AB7CF-70DA-A148-9842-61A7B7C7A363}" type="slidenum">
               <a:rPr lang="en-US" smtClean="0"/>
               <a:pPr/>
-              <a:t>26</a:t>
+              <a:t>20</a:t>
             </a:fld>
             <a:endParaRPr lang="en-US" dirty="0"/>
           </a:p>
@@ -1093,7 +1663,7 @@
     </p:spTree>
     <p:extLst>
       <p:ext uri="{BB962C8B-B14F-4D97-AF65-F5344CB8AC3E}">
-        <p14:creationId xmlns:p14="http://schemas.microsoft.com/office/powerpoint/2010/main" val="2089017278"/>
+        <p14:creationId xmlns:p14="http://schemas.microsoft.com/office/powerpoint/2010/main" val="1703822789"/>
       </p:ext>
     </p:extLst>
   </p:cSld>
@@ -1147,6 +1717,179 @@
           <a:bodyPr/>
           <a:lstStyle/>
           <a:p>
+            <a:r>
+              <a:rPr lang="zh-CN" altLang="en-US" dirty="0" smtClean="0"/>
+              <a:t>举例，在启动两台</a:t>
+            </a:r>
+            <a:r>
+              <a:rPr lang="en-US" altLang="zh-CN" dirty="0" smtClean="0"/>
+              <a:t>EAP</a:t>
+            </a:r>
+            <a:r>
+              <a:rPr lang="zh-CN" altLang="en-US" dirty="0" smtClean="0"/>
+              <a:t>的情况下，</a:t>
+            </a:r>
+            <a:r>
+              <a:rPr lang="en-US" altLang="zh-CN" dirty="0" smtClean="0"/>
+              <a:t>Discovery</a:t>
+            </a:r>
+            <a:r>
+              <a:rPr lang="zh-CN" altLang="en-US" dirty="0" smtClean="0"/>
+              <a:t>网络客户端占用的是</a:t>
+            </a:r>
+            <a:r>
+              <a:rPr lang="en-US" altLang="zh-CN" dirty="0" smtClean="0"/>
+              <a:t>30000</a:t>
+            </a:r>
+            <a:r>
+              <a:rPr lang="zh-CN" altLang="en-US" dirty="0" smtClean="0"/>
+              <a:t>端口，这个端口负责广播</a:t>
+            </a:r>
+            <a:r>
+              <a:rPr lang="en-US" altLang="zh-CN" dirty="0" smtClean="0"/>
+              <a:t>Discovery</a:t>
+            </a:r>
+            <a:r>
+              <a:rPr lang="zh-CN" altLang="en-US" dirty="0" smtClean="0"/>
+              <a:t>包并且接收</a:t>
+            </a:r>
+            <a:r>
+              <a:rPr lang="en-US" altLang="zh-CN" dirty="0" smtClean="0"/>
+              <a:t>Controller</a:t>
+            </a:r>
+            <a:r>
+              <a:rPr lang="zh-CN" altLang="en-US" dirty="0" smtClean="0"/>
+              <a:t>的收养请求。</a:t>
+            </a:r>
+            <a:endParaRPr lang="en-US" altLang="zh-CN" dirty="0" smtClean="0"/>
+          </a:p>
+          <a:p>
+            <a:r>
+              <a:rPr lang="zh-CN" altLang="en-US" dirty="0" smtClean="0"/>
+              <a:t>在进入</a:t>
+            </a:r>
+            <a:r>
+              <a:rPr lang="en-US" altLang="zh-CN" dirty="0" smtClean="0"/>
+              <a:t>Adopt</a:t>
+            </a:r>
+            <a:r>
+              <a:rPr lang="zh-CN" altLang="en-US" dirty="0" smtClean="0"/>
+              <a:t>状态时，两台</a:t>
+            </a:r>
+            <a:r>
+              <a:rPr lang="en-US" altLang="zh-CN" dirty="0" smtClean="0"/>
+              <a:t>EAP</a:t>
+            </a:r>
+            <a:r>
+              <a:rPr lang="zh-CN" altLang="en-US" dirty="0" smtClean="0"/>
+              <a:t>分别占用</a:t>
+            </a:r>
+            <a:r>
+              <a:rPr lang="en-US" altLang="zh-CN" dirty="0" smtClean="0"/>
+              <a:t>30001</a:t>
+            </a:r>
+            <a:r>
+              <a:rPr lang="zh-CN" altLang="en-US" dirty="0" smtClean="0"/>
+              <a:t>端口和</a:t>
+            </a:r>
+            <a:r>
+              <a:rPr lang="en-US" altLang="zh-CN" dirty="0" smtClean="0"/>
+              <a:t>30002</a:t>
+            </a:r>
+            <a:r>
+              <a:rPr lang="zh-CN" altLang="en-US" dirty="0" smtClean="0"/>
+              <a:t>端口，每个端口都会与</a:t>
+            </a:r>
+            <a:r>
+              <a:rPr lang="en-US" altLang="zh-CN" dirty="0" smtClean="0"/>
+              <a:t>Controller</a:t>
+            </a:r>
+            <a:r>
+              <a:rPr lang="zh-CN" altLang="en-US" dirty="0" smtClean="0"/>
+              <a:t>的</a:t>
+            </a:r>
+            <a:r>
+              <a:rPr lang="en-US" altLang="zh-CN" dirty="0" smtClean="0"/>
+              <a:t>Adopt</a:t>
+            </a:r>
+            <a:r>
+              <a:rPr lang="zh-CN" altLang="en-US" dirty="0" smtClean="0"/>
+              <a:t>服务端口</a:t>
+            </a:r>
+            <a:r>
+              <a:rPr lang="en-US" altLang="zh-CN" dirty="0" smtClean="0"/>
+              <a:t>29812</a:t>
+            </a:r>
+            <a:r>
+              <a:rPr lang="zh-CN" altLang="en-US" dirty="0" smtClean="0"/>
+              <a:t>建立连接，</a:t>
+            </a:r>
+            <a:r>
+              <a:rPr lang="en-US" altLang="zh-CN" dirty="0" smtClean="0"/>
+              <a:t>Controller</a:t>
+            </a:r>
+            <a:r>
+              <a:rPr lang="zh-CN" altLang="en-US" dirty="0" smtClean="0"/>
+              <a:t>与</a:t>
+            </a:r>
+            <a:r>
+              <a:rPr lang="en-US" altLang="zh-CN" dirty="0" smtClean="0"/>
+              <a:t>EAP</a:t>
+            </a:r>
+            <a:r>
+              <a:rPr lang="zh-CN" altLang="en-US" dirty="0" smtClean="0"/>
+              <a:t>的通信就会在不同连接中进行。</a:t>
+            </a:r>
+            <a:endParaRPr lang="en-US" altLang="zh-CN" dirty="0" smtClean="0"/>
+          </a:p>
+          <a:p>
+            <a:r>
+              <a:rPr lang="zh-CN" altLang="en-US" dirty="0" smtClean="0"/>
+              <a:t>如果需要从当前收到包的连接中获取</a:t>
+            </a:r>
+            <a:r>
+              <a:rPr lang="en-US" altLang="zh-CN" dirty="0" smtClean="0"/>
+              <a:t>EAP</a:t>
+            </a:r>
+            <a:r>
+              <a:rPr lang="zh-CN" altLang="en-US" dirty="0" smtClean="0"/>
+              <a:t>的信息，比如用于解密的</a:t>
+            </a:r>
+            <a:r>
+              <a:rPr lang="en-US" altLang="zh-CN" dirty="0" smtClean="0"/>
+              <a:t>RC4</a:t>
+            </a:r>
+            <a:r>
+              <a:rPr lang="zh-CN" altLang="en-US" dirty="0" smtClean="0"/>
+              <a:t>秘钥，只需要根据端口号去寻找占用了该端口的</a:t>
+            </a:r>
+            <a:r>
+              <a:rPr lang="en-US" altLang="zh-CN" dirty="0" smtClean="0"/>
+              <a:t>EAP</a:t>
+            </a:r>
+            <a:r>
+              <a:rPr lang="zh-CN" altLang="en-US" dirty="0" smtClean="0"/>
+              <a:t>。</a:t>
+            </a:r>
+            <a:endParaRPr lang="en-US" altLang="zh-CN" dirty="0" smtClean="0"/>
+          </a:p>
+          <a:p>
+            <a:r>
+              <a:rPr lang="en-US" altLang="zh-CN" dirty="0" smtClean="0"/>
+              <a:t>Manage</a:t>
+            </a:r>
+            <a:r>
+              <a:rPr lang="zh-CN" altLang="en-US" dirty="0" smtClean="0"/>
+              <a:t>状态与</a:t>
+            </a:r>
+            <a:r>
+              <a:rPr lang="en-US" altLang="zh-CN" dirty="0" smtClean="0"/>
+              <a:t>Adopt</a:t>
+            </a:r>
+            <a:r>
+              <a:rPr lang="zh-CN" altLang="en-US" dirty="0" smtClean="0"/>
+              <a:t>状态处理方式相同。</a:t>
+            </a:r>
             <a:endParaRPr lang="zh-CN" altLang="en-US" dirty="0"/>
           </a:p>
         </p:txBody>
@@ -1169,7 +1912,448 @@
             <a:fld id="{007AB7CF-70DA-A148-9842-61A7B7C7A363}" type="slidenum">
               <a:rPr lang="en-US" smtClean="0"/>
               <a:pPr/>
-              <a:t>29</a:t>
+              <a:t>21</a:t>
+            </a:fld>
+            <a:endParaRPr lang="en-US" dirty="0"/>
+          </a:p>
+        </p:txBody>
+      </p:sp>
+    </p:spTree>
+    <p:extLst>
+      <p:ext uri="{BB962C8B-B14F-4D97-AF65-F5344CB8AC3E}">
+        <p14:creationId xmlns:p14="http://schemas.microsoft.com/office/powerpoint/2010/main" val="1552626780"/>
+      </p:ext>
+    </p:extLst>
+  </p:cSld>
+  <p:clrMapOvr>
+    <a:masterClrMapping/>
+  </p:clrMapOvr>
+</p:notes>
+</file>
+
+<file path=ppt/notesSlides/notesSlide14.xml><?xml version="1.0" encoding="utf-8"?>
+<p:notes xmlns:a="http://schemas.openxmlformats.org/drawingml/2006/main" xmlns:r="http://schemas.openxmlformats.org/officeDocument/2006/relationships" xmlns:p="http://schemas.openxmlformats.org/presentationml/2006/main">
+  <p:cSld>
+    <p:spTree>
+      <p:nvGrpSpPr>
+        <p:cNvPr id="1" name=""/>
+        <p:cNvGrpSpPr/>
+        <p:nvPr/>
+      </p:nvGrpSpPr>
+      <p:grpSpPr>
+        <a:xfrm>
+          <a:off x="0" y="0"/>
+          <a:ext cx="0" cy="0"/>
+          <a:chOff x="0" y="0"/>
+          <a:chExt cx="0" cy="0"/>
+        </a:xfrm>
+      </p:grpSpPr>
+      <p:sp>
+        <p:nvSpPr>
+          <p:cNvPr id="2" name="幻灯片图像占位符 1"/>
+          <p:cNvSpPr>
+            <a:spLocks noGrp="1" noRot="1" noChangeAspect="1"/>
+          </p:cNvSpPr>
+          <p:nvPr>
+            <p:ph type="sldImg"/>
+          </p:nvPr>
+        </p:nvSpPr>
+        <p:spPr/>
+      </p:sp>
+      <p:sp>
+        <p:nvSpPr>
+          <p:cNvPr id="3" name="备注占位符 2"/>
+          <p:cNvSpPr>
+            <a:spLocks noGrp="1"/>
+          </p:cNvSpPr>
+          <p:nvPr>
+            <p:ph type="body" idx="1"/>
+          </p:nvPr>
+        </p:nvSpPr>
+        <p:spPr/>
+        <p:txBody>
+          <a:bodyPr/>
+          <a:lstStyle/>
+          <a:p>
+            <a:endParaRPr lang="zh-CN" altLang="en-US" dirty="0"/>
+          </a:p>
+        </p:txBody>
+      </p:sp>
+      <p:sp>
+        <p:nvSpPr>
+          <p:cNvPr id="4" name="灯片编号占位符 3"/>
+          <p:cNvSpPr>
+            <a:spLocks noGrp="1"/>
+          </p:cNvSpPr>
+          <p:nvPr>
+            <p:ph type="sldNum" sz="quarter" idx="10"/>
+          </p:nvPr>
+        </p:nvSpPr>
+        <p:spPr/>
+        <p:txBody>
+          <a:bodyPr/>
+          <a:lstStyle/>
+          <a:p>
+            <a:fld id="{007AB7CF-70DA-A148-9842-61A7B7C7A363}" type="slidenum">
+              <a:rPr lang="en-US" smtClean="0"/>
+              <a:pPr/>
+              <a:t>22</a:t>
+            </a:fld>
+            <a:endParaRPr lang="en-US" dirty="0"/>
+          </a:p>
+        </p:txBody>
+      </p:sp>
+    </p:spTree>
+    <p:extLst>
+      <p:ext uri="{BB962C8B-B14F-4D97-AF65-F5344CB8AC3E}">
+        <p14:creationId xmlns:p14="http://schemas.microsoft.com/office/powerpoint/2010/main" val="4278040415"/>
+      </p:ext>
+    </p:extLst>
+  </p:cSld>
+  <p:clrMapOvr>
+    <a:masterClrMapping/>
+  </p:clrMapOvr>
+</p:notes>
+</file>
+
+<file path=ppt/notesSlides/notesSlide15.xml><?xml version="1.0" encoding="utf-8"?>
+<p:notes xmlns:a="http://schemas.openxmlformats.org/drawingml/2006/main" xmlns:r="http://schemas.openxmlformats.org/officeDocument/2006/relationships" xmlns:p="http://schemas.openxmlformats.org/presentationml/2006/main">
+  <p:cSld>
+    <p:spTree>
+      <p:nvGrpSpPr>
+        <p:cNvPr id="1" name=""/>
+        <p:cNvGrpSpPr/>
+        <p:nvPr/>
+      </p:nvGrpSpPr>
+      <p:grpSpPr>
+        <a:xfrm>
+          <a:off x="0" y="0"/>
+          <a:ext cx="0" cy="0"/>
+          <a:chOff x="0" y="0"/>
+          <a:chExt cx="0" cy="0"/>
+        </a:xfrm>
+      </p:grpSpPr>
+      <p:sp>
+        <p:nvSpPr>
+          <p:cNvPr id="2" name="幻灯片图像占位符 1"/>
+          <p:cNvSpPr>
+            <a:spLocks noGrp="1" noRot="1" noChangeAspect="1"/>
+          </p:cNvSpPr>
+          <p:nvPr>
+            <p:ph type="sldImg"/>
+          </p:nvPr>
+        </p:nvSpPr>
+        <p:spPr/>
+      </p:sp>
+      <p:sp>
+        <p:nvSpPr>
+          <p:cNvPr id="3" name="备注占位符 2"/>
+          <p:cNvSpPr>
+            <a:spLocks noGrp="1"/>
+          </p:cNvSpPr>
+          <p:nvPr>
+            <p:ph type="body" idx="1"/>
+          </p:nvPr>
+        </p:nvSpPr>
+        <p:spPr/>
+        <p:txBody>
+          <a:bodyPr/>
+          <a:lstStyle/>
+          <a:p>
+            <a:endParaRPr lang="zh-CN" altLang="en-US" dirty="0"/>
+          </a:p>
+        </p:txBody>
+      </p:sp>
+      <p:sp>
+        <p:nvSpPr>
+          <p:cNvPr id="4" name="灯片编号占位符 3"/>
+          <p:cNvSpPr>
+            <a:spLocks noGrp="1"/>
+          </p:cNvSpPr>
+          <p:nvPr>
+            <p:ph type="sldNum" sz="quarter" idx="10"/>
+          </p:nvPr>
+        </p:nvSpPr>
+        <p:spPr/>
+        <p:txBody>
+          <a:bodyPr/>
+          <a:lstStyle/>
+          <a:p>
+            <a:fld id="{007AB7CF-70DA-A148-9842-61A7B7C7A363}" type="slidenum">
+              <a:rPr lang="en-US" smtClean="0"/>
+              <a:pPr/>
+              <a:t>23</a:t>
+            </a:fld>
+            <a:endParaRPr lang="en-US" dirty="0"/>
+          </a:p>
+        </p:txBody>
+      </p:sp>
+    </p:spTree>
+    <p:extLst>
+      <p:ext uri="{BB962C8B-B14F-4D97-AF65-F5344CB8AC3E}">
+        <p14:creationId xmlns:p14="http://schemas.microsoft.com/office/powerpoint/2010/main" val="3281352785"/>
+      </p:ext>
+    </p:extLst>
+  </p:cSld>
+  <p:clrMapOvr>
+    <a:masterClrMapping/>
+  </p:clrMapOvr>
+</p:notes>
+</file>
+
+<file path=ppt/notesSlides/notesSlide16.xml><?xml version="1.0" encoding="utf-8"?>
+<p:notes xmlns:a="http://schemas.openxmlformats.org/drawingml/2006/main" xmlns:r="http://schemas.openxmlformats.org/officeDocument/2006/relationships" xmlns:p="http://schemas.openxmlformats.org/presentationml/2006/main">
+  <p:cSld>
+    <p:spTree>
+      <p:nvGrpSpPr>
+        <p:cNvPr id="1" name=""/>
+        <p:cNvGrpSpPr/>
+        <p:nvPr/>
+      </p:nvGrpSpPr>
+      <p:grpSpPr>
+        <a:xfrm>
+          <a:off x="0" y="0"/>
+          <a:ext cx="0" cy="0"/>
+          <a:chOff x="0" y="0"/>
+          <a:chExt cx="0" cy="0"/>
+        </a:xfrm>
+      </p:grpSpPr>
+      <p:sp>
+        <p:nvSpPr>
+          <p:cNvPr id="2" name="幻灯片图像占位符 1"/>
+          <p:cNvSpPr>
+            <a:spLocks noGrp="1" noRot="1" noChangeAspect="1"/>
+          </p:cNvSpPr>
+          <p:nvPr>
+            <p:ph type="sldImg"/>
+          </p:nvPr>
+        </p:nvSpPr>
+        <p:spPr/>
+      </p:sp>
+      <p:sp>
+        <p:nvSpPr>
+          <p:cNvPr id="3" name="备注占位符 2"/>
+          <p:cNvSpPr>
+            <a:spLocks noGrp="1"/>
+          </p:cNvSpPr>
+          <p:nvPr>
+            <p:ph type="body" idx="1"/>
+          </p:nvPr>
+        </p:nvSpPr>
+        <p:spPr/>
+        <p:txBody>
+          <a:bodyPr/>
+          <a:lstStyle/>
+          <a:p>
+            <a:endParaRPr lang="zh-CN" altLang="en-US" dirty="0"/>
+          </a:p>
+        </p:txBody>
+      </p:sp>
+      <p:sp>
+        <p:nvSpPr>
+          <p:cNvPr id="4" name="灯片编号占位符 3"/>
+          <p:cNvSpPr>
+            <a:spLocks noGrp="1"/>
+          </p:cNvSpPr>
+          <p:nvPr>
+            <p:ph type="sldNum" sz="quarter" idx="10"/>
+          </p:nvPr>
+        </p:nvSpPr>
+        <p:spPr/>
+        <p:txBody>
+          <a:bodyPr/>
+          <a:lstStyle/>
+          <a:p>
+            <a:fld id="{007AB7CF-70DA-A148-9842-61A7B7C7A363}" type="slidenum">
+              <a:rPr lang="en-US" smtClean="0"/>
+              <a:pPr/>
+              <a:t>24</a:t>
+            </a:fld>
+            <a:endParaRPr lang="en-US" dirty="0"/>
+          </a:p>
+        </p:txBody>
+      </p:sp>
+    </p:spTree>
+    <p:extLst>
+      <p:ext uri="{BB962C8B-B14F-4D97-AF65-F5344CB8AC3E}">
+        <p14:creationId xmlns:p14="http://schemas.microsoft.com/office/powerpoint/2010/main" val="2016495884"/>
+      </p:ext>
+    </p:extLst>
+  </p:cSld>
+  <p:clrMapOvr>
+    <a:masterClrMapping/>
+  </p:clrMapOvr>
+</p:notes>
+</file>
+
+<file path=ppt/notesSlides/notesSlide17.xml><?xml version="1.0" encoding="utf-8"?>
+<p:notes xmlns:a="http://schemas.openxmlformats.org/drawingml/2006/main" xmlns:r="http://schemas.openxmlformats.org/officeDocument/2006/relationships" xmlns:p="http://schemas.openxmlformats.org/presentationml/2006/main">
+  <p:cSld>
+    <p:spTree>
+      <p:nvGrpSpPr>
+        <p:cNvPr id="1" name=""/>
+        <p:cNvGrpSpPr/>
+        <p:nvPr/>
+      </p:nvGrpSpPr>
+      <p:grpSpPr>
+        <a:xfrm>
+          <a:off x="0" y="0"/>
+          <a:ext cx="0" cy="0"/>
+          <a:chOff x="0" y="0"/>
+          <a:chExt cx="0" cy="0"/>
+        </a:xfrm>
+      </p:grpSpPr>
+      <p:sp>
+        <p:nvSpPr>
+          <p:cNvPr id="2" name="幻灯片图像占位符 1"/>
+          <p:cNvSpPr>
+            <a:spLocks noGrp="1" noRot="1" noChangeAspect="1"/>
+          </p:cNvSpPr>
+          <p:nvPr>
+            <p:ph type="sldImg"/>
+          </p:nvPr>
+        </p:nvSpPr>
+        <p:spPr/>
+      </p:sp>
+      <p:sp>
+        <p:nvSpPr>
+          <p:cNvPr id="3" name="备注占位符 2"/>
+          <p:cNvSpPr>
+            <a:spLocks noGrp="1"/>
+          </p:cNvSpPr>
+          <p:nvPr>
+            <p:ph type="body" idx="1"/>
+          </p:nvPr>
+        </p:nvSpPr>
+        <p:spPr/>
+        <p:txBody>
+          <a:bodyPr/>
+          <a:lstStyle/>
+          <a:p>
+            <a:r>
+              <a:rPr lang="en-US" altLang="zh-CN" dirty="0" err="1" smtClean="0"/>
+              <a:t>Netty</a:t>
+            </a:r>
+            <a:r>
+              <a:rPr lang="zh-CN" altLang="en-US" dirty="0" smtClean="0"/>
+              <a:t>默认每个客户端会启动</a:t>
+            </a:r>
+            <a:r>
+              <a:rPr lang="en-US" altLang="zh-CN" dirty="0" smtClean="0"/>
+              <a:t>2</a:t>
+            </a:r>
+            <a:r>
+              <a:rPr lang="zh-CN" altLang="en-US" dirty="0" smtClean="0"/>
+              <a:t>倍核心数的线程。</a:t>
+            </a:r>
+            <a:endParaRPr lang="zh-CN" altLang="en-US" dirty="0"/>
+          </a:p>
+        </p:txBody>
+      </p:sp>
+      <p:sp>
+        <p:nvSpPr>
+          <p:cNvPr id="4" name="灯片编号占位符 3"/>
+          <p:cNvSpPr>
+            <a:spLocks noGrp="1"/>
+          </p:cNvSpPr>
+          <p:nvPr>
+            <p:ph type="sldNum" sz="quarter" idx="10"/>
+          </p:nvPr>
+        </p:nvSpPr>
+        <p:spPr/>
+        <p:txBody>
+          <a:bodyPr/>
+          <a:lstStyle/>
+          <a:p>
+            <a:fld id="{007AB7CF-70DA-A148-9842-61A7B7C7A363}" type="slidenum">
+              <a:rPr lang="en-US" smtClean="0"/>
+              <a:pPr/>
+              <a:t>25</a:t>
+            </a:fld>
+            <a:endParaRPr lang="en-US" dirty="0"/>
+          </a:p>
+        </p:txBody>
+      </p:sp>
+    </p:spTree>
+    <p:extLst>
+      <p:ext uri="{BB962C8B-B14F-4D97-AF65-F5344CB8AC3E}">
+        <p14:creationId xmlns:p14="http://schemas.microsoft.com/office/powerpoint/2010/main" val="2089017278"/>
+      </p:ext>
+    </p:extLst>
+  </p:cSld>
+  <p:clrMapOvr>
+    <a:masterClrMapping/>
+  </p:clrMapOvr>
+</p:notes>
+</file>
+
+<file path=ppt/notesSlides/notesSlide18.xml><?xml version="1.0" encoding="utf-8"?>
+<p:notes xmlns:a="http://schemas.openxmlformats.org/drawingml/2006/main" xmlns:r="http://schemas.openxmlformats.org/officeDocument/2006/relationships" xmlns:p="http://schemas.openxmlformats.org/presentationml/2006/main">
+  <p:cSld>
+    <p:spTree>
+      <p:nvGrpSpPr>
+        <p:cNvPr id="1" name=""/>
+        <p:cNvGrpSpPr/>
+        <p:nvPr/>
+      </p:nvGrpSpPr>
+      <p:grpSpPr>
+        <a:xfrm>
+          <a:off x="0" y="0"/>
+          <a:ext cx="0" cy="0"/>
+          <a:chOff x="0" y="0"/>
+          <a:chExt cx="0" cy="0"/>
+        </a:xfrm>
+      </p:grpSpPr>
+      <p:sp>
+        <p:nvSpPr>
+          <p:cNvPr id="2" name="幻灯片图像占位符 1"/>
+          <p:cNvSpPr>
+            <a:spLocks noGrp="1" noRot="1" noChangeAspect="1"/>
+          </p:cNvSpPr>
+          <p:nvPr>
+            <p:ph type="sldImg"/>
+          </p:nvPr>
+        </p:nvSpPr>
+        <p:spPr/>
+      </p:sp>
+      <p:sp>
+        <p:nvSpPr>
+          <p:cNvPr id="3" name="备注占位符 2"/>
+          <p:cNvSpPr>
+            <a:spLocks noGrp="1"/>
+          </p:cNvSpPr>
+          <p:nvPr>
+            <p:ph type="body" idx="1"/>
+          </p:nvPr>
+        </p:nvSpPr>
+        <p:spPr/>
+        <p:txBody>
+          <a:bodyPr/>
+          <a:lstStyle/>
+          <a:p>
+            <a:endParaRPr lang="zh-CN" altLang="en-US" dirty="0"/>
+          </a:p>
+        </p:txBody>
+      </p:sp>
+      <p:sp>
+        <p:nvSpPr>
+          <p:cNvPr id="4" name="灯片编号占位符 3"/>
+          <p:cNvSpPr>
+            <a:spLocks noGrp="1"/>
+          </p:cNvSpPr>
+          <p:nvPr>
+            <p:ph type="sldNum" sz="quarter" idx="10"/>
+          </p:nvPr>
+        </p:nvSpPr>
+        <p:spPr/>
+        <p:txBody>
+          <a:bodyPr/>
+          <a:lstStyle/>
+          <a:p>
+            <a:fld id="{007AB7CF-70DA-A148-9842-61A7B7C7A363}" type="slidenum">
+              <a:rPr lang="en-US" smtClean="0"/>
+              <a:pPr/>
+              <a:t>27</a:t>
             </a:fld>
             <a:endParaRPr lang="en-US" dirty="0"/>
           </a:p>
@@ -1232,85 +2416,6 @@
           <a:bodyPr/>
           <a:lstStyle/>
           <a:p>
-            <a:r>
-              <a:rPr lang="en-US" altLang="zh-CN" dirty="0" err="1" smtClean="0"/>
-              <a:t>eap_device</a:t>
-            </a:r>
-            <a:r>
-              <a:rPr lang="en-US" altLang="zh-CN" baseline="0" dirty="0" smtClean="0"/>
-              <a:t> </a:t>
-            </a:r>
-            <a:r>
-              <a:rPr lang="zh-CN" altLang="en-US" baseline="0" dirty="0" smtClean="0"/>
-              <a:t>表用于储存</a:t>
-            </a:r>
-            <a:r>
-              <a:rPr lang="en-US" altLang="zh-CN" baseline="0" dirty="0" smtClean="0"/>
-              <a:t>EAP</a:t>
-            </a:r>
-            <a:r>
-              <a:rPr lang="zh-CN" altLang="en-US" baseline="0" dirty="0" smtClean="0"/>
-              <a:t>的基本属性，包括</a:t>
-            </a:r>
-            <a:r>
-              <a:rPr lang="en-US" altLang="zh-CN" baseline="0" dirty="0" smtClean="0"/>
-              <a:t>EAP</a:t>
-            </a:r>
-            <a:r>
-              <a:rPr lang="zh-CN" altLang="en-US" baseline="0" dirty="0" smtClean="0"/>
-              <a:t>型号，硬件版本，软件版本，物理地址，</a:t>
-            </a:r>
-            <a:r>
-              <a:rPr lang="en-US" altLang="zh-CN" baseline="0" dirty="0" smtClean="0"/>
-              <a:t>IP</a:t>
-            </a:r>
-            <a:r>
-              <a:rPr lang="zh-CN" altLang="en-US" baseline="0" dirty="0" smtClean="0"/>
-              <a:t>地址，登录名和密码的</a:t>
-            </a:r>
-            <a:r>
-              <a:rPr lang="en-US" altLang="zh-CN" baseline="0" dirty="0" smtClean="0"/>
-              <a:t>MD5</a:t>
-            </a:r>
-            <a:r>
-              <a:rPr lang="zh-CN" altLang="en-US" baseline="0" dirty="0" smtClean="0"/>
-              <a:t>值等。</a:t>
-            </a:r>
-            <a:endParaRPr lang="en-US" altLang="zh-CN" baseline="0" dirty="0" smtClean="0"/>
-          </a:p>
-          <a:p>
-            <a:r>
-              <a:rPr lang="en-US" altLang="zh-CN" baseline="0" dirty="0" err="1" smtClean="0"/>
-              <a:t>Eap_log</a:t>
-            </a:r>
-            <a:r>
-              <a:rPr lang="zh-CN" altLang="en-US" baseline="0" dirty="0" smtClean="0"/>
-              <a:t>表用于储存</a:t>
-            </a:r>
-            <a:r>
-              <a:rPr lang="en-US" altLang="zh-CN" baseline="0" dirty="0" smtClean="0"/>
-              <a:t>EAP</a:t>
-            </a:r>
-            <a:r>
-              <a:rPr lang="zh-CN" altLang="en-US" baseline="0" dirty="0" smtClean="0"/>
-              <a:t>与</a:t>
-            </a:r>
-            <a:r>
-              <a:rPr lang="en-US" altLang="zh-CN" baseline="0" dirty="0" smtClean="0"/>
-              <a:t>Controller</a:t>
-            </a:r>
-            <a:r>
-              <a:rPr lang="zh-CN" altLang="en-US" baseline="0" dirty="0" smtClean="0"/>
-              <a:t>交互时的报文内容，包括文本内容，接收方和发送方的</a:t>
-            </a:r>
-            <a:r>
-              <a:rPr lang="en-US" altLang="zh-CN" baseline="0" dirty="0" smtClean="0"/>
-              <a:t>IP</a:t>
-            </a:r>
-            <a:r>
-              <a:rPr lang="zh-CN" altLang="en-US" baseline="0" dirty="0" smtClean="0"/>
-              <a:t>与端口，报文产生的时间，报文的类型等。</a:t>
-            </a:r>
             <a:endParaRPr lang="zh-CN" altLang="en-US" dirty="0"/>
           </a:p>
         </p:txBody>
@@ -1333,7 +2438,7 @@
             <a:fld id="{007AB7CF-70DA-A148-9842-61A7B7C7A363}" type="slidenum">
               <a:rPr lang="en-US" smtClean="0"/>
               <a:pPr/>
-              <a:t>8</a:t>
+              <a:t>2</a:t>
             </a:fld>
             <a:endParaRPr lang="en-US" dirty="0"/>
           </a:p>
@@ -1342,7 +2447,7 @@
     </p:spTree>
     <p:extLst>
       <p:ext uri="{BB962C8B-B14F-4D97-AF65-F5344CB8AC3E}">
-        <p14:creationId xmlns:p14="http://schemas.microsoft.com/office/powerpoint/2010/main" val="3822401867"/>
+        <p14:creationId xmlns:p14="http://schemas.microsoft.com/office/powerpoint/2010/main" val="828270410"/>
       </p:ext>
     </p:extLst>
   </p:cSld>
@@ -1418,7 +2523,7 @@
             <a:fld id="{007AB7CF-70DA-A148-9842-61A7B7C7A363}" type="slidenum">
               <a:rPr lang="en-US" smtClean="0"/>
               <a:pPr/>
-              <a:t>10</a:t>
+              <a:t>4</a:t>
             </a:fld>
             <a:endParaRPr lang="en-US" dirty="0"/>
           </a:p>
@@ -1427,7 +2532,7 @@
     </p:spTree>
     <p:extLst>
       <p:ext uri="{BB962C8B-B14F-4D97-AF65-F5344CB8AC3E}">
-        <p14:creationId xmlns:p14="http://schemas.microsoft.com/office/powerpoint/2010/main" val="4268590301"/>
+        <p14:creationId xmlns:p14="http://schemas.microsoft.com/office/powerpoint/2010/main" val="3162623847"/>
       </p:ext>
     </p:extLst>
   </p:cSld>
@@ -1482,45 +2587,100 @@
           <a:lstStyle/>
           <a:p>
             <a:r>
-              <a:rPr lang="zh-CN" altLang="en-US" dirty="0" smtClean="0"/>
-              <a:t>模块之间的关系</a:t>
-            </a:r>
-            <a:endParaRPr lang="en-US" altLang="zh-CN" dirty="0" smtClean="0"/>
-          </a:p>
-          <a:p>
-            <a:r>
-              <a:rPr lang="zh-CN" altLang="en-US" dirty="0" smtClean="0"/>
-              <a:t>界面是一组网页，用户通过浏览器与界面交互，产生的请求交给控制器调用相关服务进行处理。</a:t>
-            </a:r>
-            <a:endParaRPr lang="en-US" altLang="zh-CN" dirty="0" smtClean="0"/>
-          </a:p>
-          <a:p>
-            <a:r>
-              <a:rPr lang="zh-CN" altLang="en-US" dirty="0" smtClean="0"/>
-              <a:t>根绝请求服务的类别，服务模块有，</a:t>
-            </a:r>
-            <a:r>
               <a:rPr lang="en-US" altLang="zh-CN" dirty="0" smtClean="0"/>
               <a:t>EAP</a:t>
             </a:r>
             <a:r>
               <a:rPr lang="zh-CN" altLang="en-US" dirty="0" smtClean="0"/>
-              <a:t>管理，网络记录，设置管理三种。</a:t>
+              <a:t>在收养的起始状态时</a:t>
+            </a:r>
+            <a:r>
+              <a:rPr lang="en-US" altLang="zh-CN" dirty="0" smtClean="0"/>
+              <a:t>INIT</a:t>
+            </a:r>
+            <a:r>
+              <a:rPr lang="zh-CN" altLang="en-US" dirty="0" smtClean="0"/>
+              <a:t>，</a:t>
             </a:r>
             <a:endParaRPr lang="en-US" altLang="zh-CN" dirty="0" smtClean="0"/>
           </a:p>
           <a:p>
             <a:r>
               <a:rPr lang="zh-CN" altLang="en-US" dirty="0" smtClean="0"/>
-              <a:t>网络模块是一组用于处理</a:t>
+              <a:t>循环发送</a:t>
             </a:r>
             <a:r>
               <a:rPr lang="en-US" altLang="zh-CN" dirty="0" smtClean="0"/>
-              <a:t>EAP</a:t>
+              <a:t>Discovery</a:t>
             </a:r>
             <a:r>
               <a:rPr lang="zh-CN" altLang="en-US" dirty="0" smtClean="0"/>
-              <a:t>与</a:t>
+              <a:t>时是</a:t>
+            </a:r>
+            <a:r>
+              <a:rPr lang="en-US" altLang="zh-CN" dirty="0" smtClean="0"/>
+              <a:t>Pending</a:t>
+            </a:r>
+            <a:r>
+              <a:rPr lang="zh-CN" altLang="en-US" dirty="0" smtClean="0"/>
+              <a:t>，</a:t>
+            </a:r>
+            <a:endParaRPr lang="en-US" altLang="zh-CN" dirty="0" smtClean="0"/>
+          </a:p>
+          <a:p>
+            <a:r>
+              <a:rPr lang="zh-CN" altLang="en-US" dirty="0" smtClean="0"/>
+              <a:t>正在</a:t>
+            </a:r>
+            <a:r>
+              <a:rPr lang="en-US" altLang="zh-CN" dirty="0" smtClean="0"/>
+              <a:t>Adopt</a:t>
+            </a:r>
+            <a:r>
+              <a:rPr lang="zh-CN" altLang="en-US" dirty="0" smtClean="0"/>
+              <a:t>时进入</a:t>
+            </a:r>
+            <a:r>
+              <a:rPr lang="en-US" altLang="zh-CN" dirty="0" smtClean="0"/>
+              <a:t>Connecting</a:t>
+            </a:r>
+            <a:r>
+              <a:rPr lang="zh-CN" altLang="en-US" dirty="0" smtClean="0"/>
+              <a:t>，</a:t>
+            </a:r>
+            <a:endParaRPr lang="en-US" altLang="zh-CN" dirty="0" smtClean="0"/>
+          </a:p>
+          <a:p>
+            <a:r>
+              <a:rPr lang="en-US" altLang="zh-CN" dirty="0" smtClean="0"/>
+              <a:t>Adopt</a:t>
+            </a:r>
+            <a:r>
+              <a:rPr lang="zh-CN" altLang="en-US" dirty="0" smtClean="0"/>
+              <a:t>成功后进入</a:t>
+            </a:r>
+            <a:r>
+              <a:rPr lang="en-US" altLang="zh-CN" dirty="0" smtClean="0"/>
+              <a:t>Connected</a:t>
+            </a:r>
+            <a:r>
+              <a:rPr lang="zh-CN" altLang="en-US" dirty="0" smtClean="0"/>
+              <a:t>，</a:t>
+            </a:r>
+            <a:endParaRPr lang="en-US" altLang="zh-CN" dirty="0" smtClean="0"/>
+          </a:p>
+          <a:p>
+            <a:r>
+              <a:rPr lang="zh-CN" altLang="en-US" dirty="0" smtClean="0"/>
+              <a:t>此时开始每隔</a:t>
+            </a:r>
+            <a:r>
+              <a:rPr lang="en-US" altLang="zh-CN" dirty="0" smtClean="0"/>
+              <a:t>10</a:t>
+            </a:r>
+            <a:r>
+              <a:rPr lang="zh-CN" altLang="en-US" dirty="0" smtClean="0"/>
+              <a:t>秒向</a:t>
             </a:r>
             <a:r>
               <a:rPr lang="en-US" altLang="zh-CN" dirty="0" smtClean="0"/>
@@ -1528,27 +2688,40 @@
             </a:r>
             <a:r>
               <a:rPr lang="zh-CN" altLang="en-US" dirty="0" smtClean="0"/>
-              <a:t>交互的网络处理模块，根据</a:t>
+              <a:t>上报基本信息并接收</a:t>
             </a:r>
             <a:r>
               <a:rPr lang="en-US" altLang="zh-CN" dirty="0" smtClean="0"/>
-              <a:t>EAP</a:t>
+              <a:t>Controller</a:t>
             </a:r>
             <a:r>
               <a:rPr lang="zh-CN" altLang="en-US" dirty="0" smtClean="0"/>
-              <a:t>所处状态的不同分为发现，收养和管理三个子模块。</a:t>
+              <a:t>的设置</a:t>
             </a:r>
             <a:endParaRPr lang="en-US" altLang="zh-CN" dirty="0" smtClean="0"/>
           </a:p>
           <a:p>
             <a:r>
               <a:rPr lang="zh-CN" altLang="en-US" dirty="0" smtClean="0"/>
-              <a:t>服务模块</a:t>
-            </a:r>
-            <a:endParaRPr lang="en-US" altLang="zh-CN" dirty="0" smtClean="0"/>
-          </a:p>
-          <a:p>
-            <a:endParaRPr lang="en-US" altLang="zh-CN" dirty="0" smtClean="0"/>
+              <a:t>如果与</a:t>
+            </a:r>
+            <a:r>
+              <a:rPr lang="en-US" altLang="zh-CN" dirty="0" smtClean="0"/>
+              <a:t>Controller</a:t>
+            </a:r>
+            <a:r>
+              <a:rPr lang="zh-CN" altLang="en-US" dirty="0" smtClean="0"/>
+              <a:t>服务器的交互无法进行，则进入</a:t>
+            </a:r>
+            <a:r>
+              <a:rPr lang="en-US" altLang="zh-CN" dirty="0" smtClean="0"/>
+              <a:t>disconnected</a:t>
+            </a:r>
+            <a:r>
+              <a:rPr lang="zh-CN" altLang="en-US" dirty="0" smtClean="0"/>
+              <a:t>状态。</a:t>
+            </a:r>
+            <a:endParaRPr lang="zh-CN" altLang="en-US" dirty="0"/>
           </a:p>
         </p:txBody>
       </p:sp>
@@ -1570,7 +2743,7 @@
             <a:fld id="{007AB7CF-70DA-A148-9842-61A7B7C7A363}" type="slidenum">
               <a:rPr lang="en-US" smtClean="0"/>
               <a:pPr/>
-              <a:t>11</a:t>
+              <a:t>6</a:t>
             </a:fld>
             <a:endParaRPr lang="en-US" dirty="0"/>
           </a:p>
@@ -1579,7 +2752,7 @@
     </p:spTree>
     <p:extLst>
       <p:ext uri="{BB962C8B-B14F-4D97-AF65-F5344CB8AC3E}">
-        <p14:creationId xmlns:p14="http://schemas.microsoft.com/office/powerpoint/2010/main" val="4165168128"/>
+        <p14:creationId xmlns:p14="http://schemas.microsoft.com/office/powerpoint/2010/main" val="2214597460"/>
       </p:ext>
     </p:extLst>
   </p:cSld>
@@ -1633,235 +2806,86 @@
           <a:bodyPr/>
           <a:lstStyle/>
           <a:p>
-            <a:pPr marL="228600" indent="-228600">
-              <a:lnSpc>
-                <a:spcPct val="140000"/>
-              </a:lnSpc>
-              <a:spcAft>
-                <a:spcPts val="600"/>
-              </a:spcAft>
-              <a:buFont typeface="+mj-lt"/>
-              <a:buAutoNum type="arabicPeriod"/>
-            </a:pPr>
-            <a:r>
-              <a:rPr lang="zh-CN" altLang="en-US" sz="1200" dirty="0" smtClean="0">
-                <a:latin typeface="宋体" panose="02010600030101010101" pitchFamily="2" charset="-122"/>
-                <a:ea typeface="+mn-ea"/>
-              </a:rPr>
-              <a:t>一组</a:t>
-            </a:r>
-            <a:r>
-              <a:rPr lang="en-US" altLang="zh-CN" sz="1200" dirty="0" smtClean="0">
-                <a:latin typeface="宋体" panose="02010600030101010101" pitchFamily="2" charset="-122"/>
-                <a:ea typeface="+mn-ea"/>
-              </a:rPr>
-              <a:t>HTML</a:t>
-            </a:r>
-            <a:r>
-              <a:rPr lang="zh-CN" altLang="en-US" sz="1200" dirty="0" smtClean="0">
-                <a:latin typeface="宋体" panose="02010600030101010101" pitchFamily="2" charset="-122"/>
-                <a:ea typeface="+mn-ea"/>
-              </a:rPr>
-              <a:t>页面</a:t>
-            </a:r>
-            <a:endParaRPr lang="en-US" altLang="zh-CN" sz="1200" dirty="0" smtClean="0">
-              <a:latin typeface="宋体" panose="02010600030101010101" pitchFamily="2" charset="-122"/>
-              <a:ea typeface="+mn-ea"/>
-            </a:endParaRPr>
-          </a:p>
-          <a:p>
-            <a:pPr marL="228600" indent="-228600">
-              <a:lnSpc>
-                <a:spcPct val="140000"/>
-              </a:lnSpc>
-              <a:spcAft>
-                <a:spcPts val="600"/>
-              </a:spcAft>
-              <a:buFont typeface="+mj-lt"/>
-              <a:buAutoNum type="arabicPeriod"/>
-            </a:pPr>
-            <a:r>
-              <a:rPr lang="zh-CN" altLang="en-US" sz="1200" dirty="0" smtClean="0">
-                <a:latin typeface="宋体" panose="02010600030101010101" pitchFamily="2" charset="-122"/>
-                <a:ea typeface="+mn-ea"/>
-              </a:rPr>
-              <a:t>通过表格展示数据</a:t>
-            </a:r>
-            <a:endParaRPr lang="en-US" altLang="zh-CN" sz="1200" dirty="0" smtClean="0">
-              <a:latin typeface="宋体" panose="02010600030101010101" pitchFamily="2" charset="-122"/>
-              <a:ea typeface="+mn-ea"/>
-            </a:endParaRPr>
-          </a:p>
-          <a:p>
-            <a:pPr marL="228600" indent="-228600">
-              <a:lnSpc>
-                <a:spcPct val="140000"/>
-              </a:lnSpc>
-              <a:spcAft>
-                <a:spcPts val="600"/>
-              </a:spcAft>
-              <a:buFont typeface="+mj-lt"/>
-              <a:buAutoNum type="arabicPeriod"/>
-            </a:pPr>
-            <a:r>
-              <a:rPr lang="zh-CN" altLang="en-US" sz="1200" dirty="0" smtClean="0">
-                <a:latin typeface="宋体" panose="02010600030101010101" pitchFamily="2" charset="-122"/>
-                <a:ea typeface="+mn-ea"/>
-              </a:rPr>
-              <a:t>提供操作栏进行交互</a:t>
-            </a:r>
-            <a:endParaRPr lang="en-US" altLang="zh-CN" sz="1200" dirty="0" smtClean="0">
-              <a:latin typeface="宋体" panose="02010600030101010101" pitchFamily="2" charset="-122"/>
-              <a:ea typeface="+mn-ea"/>
-            </a:endParaRPr>
-          </a:p>
-          <a:p>
-            <a:pPr marL="228600" indent="-228600">
-              <a:lnSpc>
-                <a:spcPct val="140000"/>
-              </a:lnSpc>
-              <a:spcAft>
-                <a:spcPts val="600"/>
-              </a:spcAft>
-              <a:buFont typeface="+mj-lt"/>
-              <a:buAutoNum type="arabicPeriod"/>
-            </a:pPr>
-            <a:r>
-              <a:rPr lang="zh-CN" altLang="en-US" sz="1200" dirty="0" smtClean="0">
-                <a:latin typeface="宋体" panose="02010600030101010101" pitchFamily="2" charset="-122"/>
-                <a:ea typeface="+mn-ea"/>
-              </a:rPr>
-              <a:t>使用</a:t>
-            </a:r>
-            <a:r>
-              <a:rPr lang="en-US" altLang="zh-CN" sz="1200" dirty="0" smtClean="0">
-                <a:latin typeface="宋体" panose="02010600030101010101" pitchFamily="2" charset="-122"/>
-                <a:ea typeface="+mn-ea"/>
-              </a:rPr>
-              <a:t>AJAX</a:t>
-            </a:r>
-            <a:r>
-              <a:rPr lang="zh-CN" altLang="en-US" sz="1200" dirty="0" smtClean="0">
-                <a:latin typeface="宋体" panose="02010600030101010101" pitchFamily="2" charset="-122"/>
-                <a:ea typeface="+mn-ea"/>
-              </a:rPr>
-              <a:t>发送请求</a:t>
-            </a:r>
-            <a:endParaRPr lang="en-US" altLang="zh-CN" sz="1200" dirty="0" smtClean="0">
-              <a:latin typeface="宋体" panose="02010600030101010101" pitchFamily="2" charset="-122"/>
-              <a:ea typeface="+mn-ea"/>
-            </a:endParaRPr>
-          </a:p>
-          <a:p>
-            <a:pPr marL="228600" indent="-228600">
-              <a:lnSpc>
-                <a:spcPct val="140000"/>
-              </a:lnSpc>
-              <a:spcAft>
-                <a:spcPts val="600"/>
-              </a:spcAft>
-              <a:buFont typeface="+mj-lt"/>
-              <a:buAutoNum type="arabicPeriod"/>
-            </a:pPr>
-            <a:r>
-              <a:rPr lang="zh-CN" altLang="en-US" sz="1200" dirty="0" smtClean="0">
-                <a:latin typeface="宋体" panose="02010600030101010101" pitchFamily="2" charset="-122"/>
-                <a:ea typeface="+mn-ea"/>
-              </a:rPr>
-              <a:t>一组基于</a:t>
-            </a:r>
-            <a:r>
-              <a:rPr lang="en-US" altLang="zh-CN" sz="1200" dirty="0" smtClean="0">
-                <a:latin typeface="宋体" panose="02010600030101010101" pitchFamily="2" charset="-122"/>
-                <a:ea typeface="+mn-ea"/>
-              </a:rPr>
-              <a:t>Spring MVC</a:t>
-            </a:r>
-            <a:r>
-              <a:rPr lang="zh-CN" altLang="en-US" sz="1200" dirty="0" smtClean="0">
-                <a:latin typeface="宋体" panose="02010600030101010101" pitchFamily="2" charset="-122"/>
-                <a:ea typeface="+mn-ea"/>
-              </a:rPr>
-              <a:t>的</a:t>
-            </a:r>
-            <a:r>
-              <a:rPr lang="en-US" altLang="zh-CN" sz="1200" dirty="0" smtClean="0">
-                <a:latin typeface="宋体" panose="02010600030101010101" pitchFamily="2" charset="-122"/>
-                <a:ea typeface="+mn-ea"/>
-              </a:rPr>
+            <a:r>
+              <a:rPr lang="en-US" altLang="zh-CN" dirty="0" err="1" smtClean="0"/>
+              <a:t>eap_device</a:t>
+            </a:r>
+            <a:r>
+              <a:rPr lang="en-US" altLang="zh-CN" baseline="0" dirty="0" smtClean="0"/>
+              <a:t> </a:t>
+            </a:r>
+            <a:r>
+              <a:rPr lang="zh-CN" altLang="en-US" baseline="0" dirty="0" smtClean="0"/>
+              <a:t>表用于储存</a:t>
+            </a:r>
+            <a:r>
+              <a:rPr lang="en-US" altLang="zh-CN" baseline="0" dirty="0" smtClean="0"/>
+              <a:t>EAP</a:t>
+            </a:r>
+            <a:r>
+              <a:rPr lang="zh-CN" altLang="en-US" baseline="0" dirty="0" smtClean="0"/>
+              <a:t>的基本属性，包括</a:t>
+            </a:r>
+            <a:r>
+              <a:rPr lang="en-US" altLang="zh-CN" baseline="0" dirty="0" smtClean="0"/>
+              <a:t>EAP</a:t>
+            </a:r>
+            <a:r>
+              <a:rPr lang="zh-CN" altLang="en-US" baseline="0" dirty="0" smtClean="0"/>
+              <a:t>型号，硬件版本，软件版本，物理地址，</a:t>
+            </a:r>
+            <a:r>
+              <a:rPr lang="en-US" altLang="zh-CN" baseline="0" dirty="0" smtClean="0"/>
+              <a:t>IP</a:t>
+            </a:r>
+            <a:r>
+              <a:rPr lang="zh-CN" altLang="en-US" baseline="0" dirty="0" smtClean="0"/>
+              <a:t>地址，登录名和密码的</a:t>
+            </a:r>
+            <a:r>
+              <a:rPr lang="en-US" altLang="zh-CN" baseline="0" dirty="0" smtClean="0"/>
+              <a:t>MD5</a:t>
+            </a:r>
+            <a:r>
+              <a:rPr lang="zh-CN" altLang="en-US" baseline="0" dirty="0" smtClean="0"/>
+              <a:t>值等。</a:t>
+            </a:r>
+            <a:endParaRPr lang="en-US" altLang="zh-CN" baseline="0" dirty="0" smtClean="0"/>
+          </a:p>
+          <a:p>
+            <a:r>
+              <a:rPr lang="en-US" altLang="zh-CN" baseline="0" dirty="0" err="1" smtClean="0"/>
+              <a:t>Eap_log</a:t>
+            </a:r>
+            <a:r>
+              <a:rPr lang="zh-CN" altLang="en-US" baseline="0" dirty="0" smtClean="0"/>
+              <a:t>表用于储存</a:t>
+            </a:r>
+            <a:r>
+              <a:rPr lang="en-US" altLang="zh-CN" baseline="0" dirty="0" smtClean="0"/>
+              <a:t>EAP</a:t>
+            </a:r>
+            <a:r>
+              <a:rPr lang="zh-CN" altLang="en-US" baseline="0" dirty="0" smtClean="0"/>
+              <a:t>与</a:t>
+            </a:r>
+            <a:r>
+              <a:rPr lang="en-US" altLang="zh-CN" baseline="0" dirty="0" smtClean="0"/>
               <a:t>Controller</a:t>
             </a:r>
             <a:r>
-              <a:rPr lang="zh-CN" altLang="en-US" sz="1200" dirty="0" smtClean="0">
-                <a:latin typeface="宋体" panose="02010600030101010101" pitchFamily="2" charset="-122"/>
-                <a:ea typeface="+mn-ea"/>
-              </a:rPr>
-              <a:t>类</a:t>
-            </a:r>
-            <a:endParaRPr lang="en-US" altLang="zh-CN" sz="1200" dirty="0" smtClean="0">
-              <a:latin typeface="宋体" panose="02010600030101010101" pitchFamily="2" charset="-122"/>
-              <a:ea typeface="+mn-ea"/>
-            </a:endParaRPr>
-          </a:p>
-          <a:p>
-            <a:pPr marL="228600" indent="-228600">
-              <a:lnSpc>
-                <a:spcPct val="140000"/>
-              </a:lnSpc>
-              <a:spcAft>
-                <a:spcPts val="600"/>
-              </a:spcAft>
-              <a:buFont typeface="+mj-lt"/>
-              <a:buAutoNum type="arabicPeriod"/>
-            </a:pPr>
-            <a:r>
-              <a:rPr lang="zh-CN" altLang="en-US" sz="1200" dirty="0" smtClean="0">
-                <a:latin typeface="宋体" panose="02010600030101010101" pitchFamily="2" charset="-122"/>
-                <a:ea typeface="+mn-ea"/>
-              </a:rPr>
-              <a:t>调用服务处理请求</a:t>
-            </a:r>
-            <a:endParaRPr lang="en-US" altLang="zh-CN" sz="1200" dirty="0" smtClean="0">
-              <a:latin typeface="宋体" panose="02010600030101010101" pitchFamily="2" charset="-122"/>
-              <a:ea typeface="+mn-ea"/>
-            </a:endParaRPr>
-          </a:p>
-          <a:p>
-            <a:pPr marL="228600" indent="-228600">
-              <a:lnSpc>
-                <a:spcPct val="140000"/>
-              </a:lnSpc>
-              <a:spcAft>
-                <a:spcPts val="600"/>
-              </a:spcAft>
-              <a:buFont typeface="+mj-lt"/>
-              <a:buAutoNum type="arabicPeriod"/>
-            </a:pPr>
-            <a:r>
-              <a:rPr lang="zh-CN" altLang="en-US" sz="1200" dirty="0" smtClean="0">
-                <a:latin typeface="宋体" panose="02010600030101010101" pitchFamily="2" charset="-122"/>
-                <a:ea typeface="+mn-ea"/>
-              </a:rPr>
-              <a:t>输出</a:t>
-            </a:r>
-            <a:r>
-              <a:rPr lang="en-US" altLang="zh-CN" sz="1200" dirty="0" smtClean="0">
-                <a:latin typeface="宋体" panose="02010600030101010101" pitchFamily="2" charset="-122"/>
-                <a:ea typeface="+mn-ea"/>
-              </a:rPr>
-              <a:t>JSON</a:t>
-            </a:r>
-            <a:r>
-              <a:rPr lang="zh-CN" altLang="en-US" sz="1200" dirty="0" smtClean="0">
-                <a:latin typeface="宋体" panose="02010600030101010101" pitchFamily="2" charset="-122"/>
-                <a:ea typeface="+mn-ea"/>
-              </a:rPr>
-              <a:t>字符串作为回复。</a:t>
-            </a:r>
-            <a:endParaRPr lang="en-US" altLang="zh-CN" sz="1200" dirty="0">
-              <a:latin typeface="宋体" panose="02010600030101010101" pitchFamily="2" charset="-122"/>
-              <a:ea typeface="+mn-ea"/>
-            </a:endParaRPr>
+              <a:rPr lang="zh-CN" altLang="en-US" baseline="0" dirty="0" smtClean="0"/>
+              <a:t>交互时的报文内容，包括文本内容，接收方和发送方的</a:t>
+            </a:r>
+            <a:r>
+              <a:rPr lang="en-US" altLang="zh-CN" baseline="0" dirty="0" smtClean="0"/>
+              <a:t>IP</a:t>
+            </a:r>
+            <a:r>
+              <a:rPr lang="zh-CN" altLang="en-US" baseline="0" dirty="0" smtClean="0"/>
+              <a:t>与端口，报文产生的时间，报文的类型等。</a:t>
+            </a:r>
+            <a:endParaRPr lang="zh-CN" altLang="en-US" dirty="0"/>
           </a:p>
         </p:txBody>
       </p:sp>
@@ -1883,7 +2907,7 @@
             <a:fld id="{007AB7CF-70DA-A148-9842-61A7B7C7A363}" type="slidenum">
               <a:rPr lang="en-US" smtClean="0"/>
               <a:pPr/>
-              <a:t>14</a:t>
+              <a:t>8</a:t>
             </a:fld>
             <a:endParaRPr lang="en-US" dirty="0"/>
           </a:p>
@@ -1892,7 +2916,7 @@
     </p:spTree>
     <p:extLst>
       <p:ext uri="{BB962C8B-B14F-4D97-AF65-F5344CB8AC3E}">
-        <p14:creationId xmlns:p14="http://schemas.microsoft.com/office/powerpoint/2010/main" val="274008643"/>
+        <p14:creationId xmlns:p14="http://schemas.microsoft.com/office/powerpoint/2010/main" val="3822401867"/>
       </p:ext>
     </p:extLst>
   </p:cSld>
@@ -1946,235 +2970,7 @@
           <a:bodyPr/>
           <a:lstStyle/>
           <a:p>
-            <a:pPr marL="228600" indent="-228600">
-              <a:lnSpc>
-                <a:spcPct val="140000"/>
-              </a:lnSpc>
-              <a:spcAft>
-                <a:spcPts val="600"/>
-              </a:spcAft>
-              <a:buFont typeface="+mj-lt"/>
-              <a:buAutoNum type="arabicPeriod"/>
-            </a:pPr>
-            <a:r>
-              <a:rPr lang="zh-CN" altLang="en-US" sz="1200" dirty="0" smtClean="0">
-                <a:latin typeface="宋体" panose="02010600030101010101" pitchFamily="2" charset="-122"/>
-                <a:ea typeface="+mn-ea"/>
-              </a:rPr>
-              <a:t>一组</a:t>
-            </a:r>
-            <a:r>
-              <a:rPr lang="en-US" altLang="zh-CN" sz="1200" dirty="0" smtClean="0">
-                <a:latin typeface="宋体" panose="02010600030101010101" pitchFamily="2" charset="-122"/>
-                <a:ea typeface="+mn-ea"/>
-              </a:rPr>
-              <a:t>HTML</a:t>
-            </a:r>
-            <a:r>
-              <a:rPr lang="zh-CN" altLang="en-US" sz="1200" dirty="0" smtClean="0">
-                <a:latin typeface="宋体" panose="02010600030101010101" pitchFamily="2" charset="-122"/>
-                <a:ea typeface="+mn-ea"/>
-              </a:rPr>
-              <a:t>页面</a:t>
-            </a:r>
-            <a:endParaRPr lang="en-US" altLang="zh-CN" sz="1200" dirty="0" smtClean="0">
-              <a:latin typeface="宋体" panose="02010600030101010101" pitchFamily="2" charset="-122"/>
-              <a:ea typeface="+mn-ea"/>
-            </a:endParaRPr>
-          </a:p>
-          <a:p>
-            <a:pPr marL="228600" indent="-228600">
-              <a:lnSpc>
-                <a:spcPct val="140000"/>
-              </a:lnSpc>
-              <a:spcAft>
-                <a:spcPts val="600"/>
-              </a:spcAft>
-              <a:buFont typeface="+mj-lt"/>
-              <a:buAutoNum type="arabicPeriod"/>
-            </a:pPr>
-            <a:r>
-              <a:rPr lang="zh-CN" altLang="en-US" sz="1200" dirty="0" smtClean="0">
-                <a:latin typeface="宋体" panose="02010600030101010101" pitchFamily="2" charset="-122"/>
-                <a:ea typeface="+mn-ea"/>
-              </a:rPr>
-              <a:t>通过表格展示数据</a:t>
-            </a:r>
-            <a:endParaRPr lang="en-US" altLang="zh-CN" sz="1200" dirty="0" smtClean="0">
-              <a:latin typeface="宋体" panose="02010600030101010101" pitchFamily="2" charset="-122"/>
-              <a:ea typeface="+mn-ea"/>
-            </a:endParaRPr>
-          </a:p>
-          <a:p>
-            <a:pPr marL="228600" indent="-228600">
-              <a:lnSpc>
-                <a:spcPct val="140000"/>
-              </a:lnSpc>
-              <a:spcAft>
-                <a:spcPts val="600"/>
-              </a:spcAft>
-              <a:buFont typeface="+mj-lt"/>
-              <a:buAutoNum type="arabicPeriod"/>
-            </a:pPr>
-            <a:r>
-              <a:rPr lang="zh-CN" altLang="en-US" sz="1200" dirty="0" smtClean="0">
-                <a:latin typeface="宋体" panose="02010600030101010101" pitchFamily="2" charset="-122"/>
-                <a:ea typeface="+mn-ea"/>
-              </a:rPr>
-              <a:t>提供操作栏进行交互</a:t>
-            </a:r>
-            <a:endParaRPr lang="en-US" altLang="zh-CN" sz="1200" dirty="0" smtClean="0">
-              <a:latin typeface="宋体" panose="02010600030101010101" pitchFamily="2" charset="-122"/>
-              <a:ea typeface="+mn-ea"/>
-            </a:endParaRPr>
-          </a:p>
-          <a:p>
-            <a:pPr marL="228600" indent="-228600">
-              <a:lnSpc>
-                <a:spcPct val="140000"/>
-              </a:lnSpc>
-              <a:spcAft>
-                <a:spcPts val="600"/>
-              </a:spcAft>
-              <a:buFont typeface="+mj-lt"/>
-              <a:buAutoNum type="arabicPeriod"/>
-            </a:pPr>
-            <a:r>
-              <a:rPr lang="zh-CN" altLang="en-US" sz="1200" dirty="0" smtClean="0">
-                <a:latin typeface="宋体" panose="02010600030101010101" pitchFamily="2" charset="-122"/>
-                <a:ea typeface="+mn-ea"/>
-              </a:rPr>
-              <a:t>使用</a:t>
-            </a:r>
-            <a:r>
-              <a:rPr lang="en-US" altLang="zh-CN" sz="1200" dirty="0" smtClean="0">
-                <a:latin typeface="宋体" panose="02010600030101010101" pitchFamily="2" charset="-122"/>
-                <a:ea typeface="+mn-ea"/>
-              </a:rPr>
-              <a:t>AJAX</a:t>
-            </a:r>
-            <a:r>
-              <a:rPr lang="zh-CN" altLang="en-US" sz="1200" dirty="0" smtClean="0">
-                <a:latin typeface="宋体" panose="02010600030101010101" pitchFamily="2" charset="-122"/>
-                <a:ea typeface="+mn-ea"/>
-              </a:rPr>
-              <a:t>发送请求</a:t>
-            </a:r>
-            <a:endParaRPr lang="en-US" altLang="zh-CN" sz="1200" dirty="0" smtClean="0">
-              <a:latin typeface="宋体" panose="02010600030101010101" pitchFamily="2" charset="-122"/>
-              <a:ea typeface="+mn-ea"/>
-            </a:endParaRPr>
-          </a:p>
-          <a:p>
-            <a:pPr marL="228600" indent="-228600">
-              <a:lnSpc>
-                <a:spcPct val="140000"/>
-              </a:lnSpc>
-              <a:spcAft>
-                <a:spcPts val="600"/>
-              </a:spcAft>
-              <a:buFont typeface="+mj-lt"/>
-              <a:buAutoNum type="arabicPeriod"/>
-            </a:pPr>
-            <a:r>
-              <a:rPr lang="zh-CN" altLang="en-US" sz="1200" dirty="0" smtClean="0">
-                <a:latin typeface="宋体" panose="02010600030101010101" pitchFamily="2" charset="-122"/>
-                <a:ea typeface="+mn-ea"/>
-              </a:rPr>
-              <a:t>一组基于</a:t>
-            </a:r>
-            <a:r>
-              <a:rPr lang="en-US" altLang="zh-CN" sz="1200" dirty="0" smtClean="0">
-                <a:latin typeface="宋体" panose="02010600030101010101" pitchFamily="2" charset="-122"/>
-                <a:ea typeface="+mn-ea"/>
-              </a:rPr>
-              <a:t>Spring MVC</a:t>
-            </a:r>
-            <a:r>
-              <a:rPr lang="zh-CN" altLang="en-US" sz="1200" dirty="0" smtClean="0">
-                <a:latin typeface="宋体" panose="02010600030101010101" pitchFamily="2" charset="-122"/>
-                <a:ea typeface="+mn-ea"/>
-              </a:rPr>
-              <a:t>的</a:t>
-            </a:r>
-            <a:r>
-              <a:rPr lang="en-US" altLang="zh-CN" sz="1200" dirty="0" smtClean="0">
-                <a:latin typeface="宋体" panose="02010600030101010101" pitchFamily="2" charset="-122"/>
-                <a:ea typeface="+mn-ea"/>
-              </a:rPr>
-              <a:t>Controller</a:t>
-            </a:r>
-            <a:r>
-              <a:rPr lang="zh-CN" altLang="en-US" sz="1200" dirty="0" smtClean="0">
-                <a:latin typeface="宋体" panose="02010600030101010101" pitchFamily="2" charset="-122"/>
-                <a:ea typeface="+mn-ea"/>
-              </a:rPr>
-              <a:t>类</a:t>
-            </a:r>
-            <a:endParaRPr lang="en-US" altLang="zh-CN" sz="1200" dirty="0" smtClean="0">
-              <a:latin typeface="宋体" panose="02010600030101010101" pitchFamily="2" charset="-122"/>
-              <a:ea typeface="+mn-ea"/>
-            </a:endParaRPr>
-          </a:p>
-          <a:p>
-            <a:pPr marL="228600" indent="-228600">
-              <a:lnSpc>
-                <a:spcPct val="140000"/>
-              </a:lnSpc>
-              <a:spcAft>
-                <a:spcPts val="600"/>
-              </a:spcAft>
-              <a:buFont typeface="+mj-lt"/>
-              <a:buAutoNum type="arabicPeriod"/>
-            </a:pPr>
-            <a:r>
-              <a:rPr lang="zh-CN" altLang="en-US" sz="1200" dirty="0" smtClean="0">
-                <a:latin typeface="宋体" panose="02010600030101010101" pitchFamily="2" charset="-122"/>
-                <a:ea typeface="+mn-ea"/>
-              </a:rPr>
-              <a:t>调用服务处理请求</a:t>
-            </a:r>
-            <a:endParaRPr lang="en-US" altLang="zh-CN" sz="1200" dirty="0" smtClean="0">
-              <a:latin typeface="宋体" panose="02010600030101010101" pitchFamily="2" charset="-122"/>
-              <a:ea typeface="+mn-ea"/>
-            </a:endParaRPr>
-          </a:p>
-          <a:p>
-            <a:pPr marL="228600" indent="-228600">
-              <a:lnSpc>
-                <a:spcPct val="140000"/>
-              </a:lnSpc>
-              <a:spcAft>
-                <a:spcPts val="600"/>
-              </a:spcAft>
-              <a:buFont typeface="+mj-lt"/>
-              <a:buAutoNum type="arabicPeriod"/>
-            </a:pPr>
-            <a:r>
-              <a:rPr lang="zh-CN" altLang="en-US" sz="1200" dirty="0" smtClean="0">
-                <a:latin typeface="宋体" panose="02010600030101010101" pitchFamily="2" charset="-122"/>
-                <a:ea typeface="+mn-ea"/>
-              </a:rPr>
-              <a:t>输出</a:t>
-            </a:r>
-            <a:r>
-              <a:rPr lang="en-US" altLang="zh-CN" sz="1200" dirty="0" smtClean="0">
-                <a:latin typeface="宋体" panose="02010600030101010101" pitchFamily="2" charset="-122"/>
-                <a:ea typeface="+mn-ea"/>
-              </a:rPr>
-              <a:t>JSON</a:t>
-            </a:r>
-            <a:r>
-              <a:rPr lang="zh-CN" altLang="en-US" sz="1200" dirty="0" smtClean="0">
-                <a:latin typeface="宋体" panose="02010600030101010101" pitchFamily="2" charset="-122"/>
-                <a:ea typeface="+mn-ea"/>
-              </a:rPr>
-              <a:t>字符串作为回复。</a:t>
-            </a:r>
-            <a:endParaRPr lang="en-US" altLang="zh-CN" sz="1200" dirty="0">
-              <a:latin typeface="宋体" panose="02010600030101010101" pitchFamily="2" charset="-122"/>
-              <a:ea typeface="+mn-ea"/>
-            </a:endParaRPr>
+            <a:endParaRPr lang="zh-CN" altLang="en-US" dirty="0"/>
           </a:p>
         </p:txBody>
       </p:sp>
@@ -2196,7 +2992,7 @@
             <a:fld id="{007AB7CF-70DA-A148-9842-61A7B7C7A363}" type="slidenum">
               <a:rPr lang="en-US" smtClean="0"/>
               <a:pPr/>
-              <a:t>15</a:t>
+              <a:t>10</a:t>
             </a:fld>
             <a:endParaRPr lang="en-US" dirty="0"/>
           </a:p>
@@ -2205,7 +3001,7 @@
     </p:spTree>
     <p:extLst>
       <p:ext uri="{BB962C8B-B14F-4D97-AF65-F5344CB8AC3E}">
-        <p14:creationId xmlns:p14="http://schemas.microsoft.com/office/powerpoint/2010/main" val="1035707905"/>
+        <p14:creationId xmlns:p14="http://schemas.microsoft.com/office/powerpoint/2010/main" val="4268590301"/>
       </p:ext>
     </p:extLst>
   </p:cSld>
@@ -2261,25 +3057,164 @@
           <a:p>
             <a:r>
               <a:rPr lang="zh-CN" altLang="en-US" dirty="0" smtClean="0"/>
-              <a:t>网络处理是基于</a:t>
-            </a:r>
-            <a:r>
-              <a:rPr lang="en-US" altLang="zh-CN" dirty="0" err="1" smtClean="0"/>
-              <a:t>Netty</a:t>
-            </a:r>
+              <a:t>模块之间的关系</a:t>
+            </a:r>
+            <a:endParaRPr lang="en-US" altLang="zh-CN" dirty="0" smtClean="0"/>
+          </a:p>
+          <a:p>
             <a:r>
               <a:rPr lang="zh-CN" altLang="en-US" dirty="0" smtClean="0"/>
-              <a:t>的，</a:t>
+              <a:t>界面是一组网页，用户通过浏览器与界面交互，产生的请求交给控制器调用相关服务进行处理，</a:t>
             </a:r>
             <a:r>
               <a:rPr lang="en-US" altLang="zh-CN" dirty="0" smtClean="0"/>
-              <a:t>network</a:t>
+              <a:t>Controller</a:t>
             </a:r>
             <a:r>
               <a:rPr lang="zh-CN" altLang="en-US" dirty="0" smtClean="0"/>
-              <a:t>包</a:t>
-            </a:r>
-            <a:endParaRPr lang="zh-CN" altLang="en-US" dirty="0"/>
+              <a:t>会将服务层返回的数据再返回给用户交互界面。</a:t>
+            </a:r>
+            <a:endParaRPr lang="en-US" altLang="zh-CN" dirty="0" smtClean="0"/>
+          </a:p>
+          <a:p>
+            <a:r>
+              <a:rPr lang="zh-CN" altLang="en-US" dirty="0" smtClean="0"/>
+              <a:t>根据针对的服务的类别来分，服务模块有</a:t>
+            </a:r>
+            <a:r>
+              <a:rPr lang="en-US" altLang="zh-CN" dirty="0" smtClean="0"/>
+              <a:t>EAP</a:t>
+            </a:r>
+            <a:r>
+              <a:rPr lang="zh-CN" altLang="en-US" dirty="0" smtClean="0"/>
+              <a:t>管理，网络记录，设置管理三种。</a:t>
+            </a:r>
+            <a:endParaRPr lang="en-US" altLang="zh-CN" dirty="0" smtClean="0"/>
+          </a:p>
+          <a:p>
+            <a:r>
+              <a:rPr lang="zh-CN" altLang="en-US" dirty="0" smtClean="0"/>
+              <a:t>网络处理模块是一组用于处理</a:t>
+            </a:r>
+            <a:r>
+              <a:rPr lang="en-US" altLang="zh-CN" dirty="0" smtClean="0"/>
+              <a:t>EAP</a:t>
+            </a:r>
+            <a:r>
+              <a:rPr lang="zh-CN" altLang="en-US" dirty="0" smtClean="0"/>
+              <a:t>与</a:t>
+            </a:r>
+            <a:r>
+              <a:rPr lang="en-US" altLang="zh-CN" dirty="0" smtClean="0"/>
+              <a:t>Controller</a:t>
+            </a:r>
+            <a:r>
+              <a:rPr lang="zh-CN" altLang="en-US" dirty="0" smtClean="0"/>
+              <a:t>交互的模块，根据</a:t>
+            </a:r>
+            <a:r>
+              <a:rPr lang="en-US" altLang="zh-CN" dirty="0" smtClean="0"/>
+              <a:t>EAP</a:t>
+            </a:r>
+            <a:r>
+              <a:rPr lang="zh-CN" altLang="en-US" dirty="0" smtClean="0"/>
+              <a:t>所处状态的不同分为发现，收养，管理三个子模块。</a:t>
+            </a:r>
+            <a:endParaRPr lang="en-US" altLang="zh-CN" dirty="0" smtClean="0"/>
+          </a:p>
+          <a:p>
+            <a:r>
+              <a:rPr lang="en-US" altLang="zh-CN" baseline="0" dirty="0" smtClean="0"/>
+              <a:t>    E</a:t>
+            </a:r>
+            <a:r>
+              <a:rPr lang="en-US" altLang="zh-CN" dirty="0" smtClean="0"/>
+              <a:t>AP</a:t>
+            </a:r>
+            <a:r>
+              <a:rPr lang="zh-CN" altLang="en-US" dirty="0" smtClean="0"/>
+              <a:t>管理服务对</a:t>
+            </a:r>
+            <a:r>
+              <a:rPr lang="en-US" altLang="zh-CN" dirty="0" smtClean="0"/>
+              <a:t>EAP</a:t>
+            </a:r>
+            <a:r>
+              <a:rPr lang="zh-CN" altLang="en-US" dirty="0" smtClean="0"/>
+              <a:t>运行状态的控制是通过操作网络处理模块完成的。</a:t>
+            </a:r>
+            <a:endParaRPr lang="en-US" altLang="zh-CN" dirty="0" smtClean="0"/>
+          </a:p>
+          <a:p>
+            <a:r>
+              <a:rPr lang="en-US" altLang="zh-CN" dirty="0" smtClean="0"/>
+              <a:t>    </a:t>
+            </a:r>
+            <a:r>
+              <a:rPr lang="zh-CN" altLang="en-US" dirty="0" smtClean="0"/>
+              <a:t>网络处理中传输的报文是通过调用网络记录服务来保存到数据库的。</a:t>
+            </a:r>
+            <a:endParaRPr lang="en-US" altLang="zh-CN" dirty="0" smtClean="0"/>
+          </a:p>
+          <a:p>
+            <a:r>
+              <a:rPr lang="en-US" altLang="zh-CN" dirty="0" smtClean="0"/>
+              <a:t>    </a:t>
+            </a:r>
+            <a:r>
+              <a:rPr lang="zh-CN" altLang="en-US" dirty="0" smtClean="0"/>
+              <a:t>设置管理提供了如批量新增中的</a:t>
+            </a:r>
+            <a:r>
+              <a:rPr lang="en-US" altLang="zh-CN" dirty="0" smtClean="0"/>
+              <a:t>IP</a:t>
+            </a:r>
+            <a:r>
+              <a:rPr lang="zh-CN" altLang="en-US" dirty="0" smtClean="0"/>
+              <a:t>和</a:t>
+            </a:r>
+            <a:r>
+              <a:rPr lang="en-US" altLang="zh-CN" dirty="0" smtClean="0"/>
+              <a:t>Mac</a:t>
+            </a:r>
+            <a:r>
+              <a:rPr lang="zh-CN" altLang="en-US" dirty="0" smtClean="0"/>
+              <a:t>地址的范围，默认的</a:t>
+            </a:r>
+            <a:r>
+              <a:rPr lang="en-US" altLang="zh-CN" dirty="0" smtClean="0"/>
+              <a:t>EAP</a:t>
+            </a:r>
+            <a:r>
+              <a:rPr lang="zh-CN" altLang="en-US" dirty="0" smtClean="0"/>
+              <a:t>登录名和密码等配置。</a:t>
+            </a:r>
+            <a:endParaRPr lang="en-US" altLang="zh-CN" dirty="0" smtClean="0"/>
+          </a:p>
+          <a:p>
+            <a:r>
+              <a:rPr lang="zh-CN" altLang="en-US" dirty="0" smtClean="0"/>
+              <a:t>服务模块中的某些涉及到访问数据库的，需要调用到数据库</a:t>
+            </a:r>
+            <a:r>
+              <a:rPr lang="zh-CN" altLang="en-US" baseline="0" dirty="0" smtClean="0"/>
+              <a:t>访问层</a:t>
+            </a:r>
+            <a:endParaRPr lang="en-US" altLang="zh-CN" baseline="0" dirty="0" smtClean="0"/>
+          </a:p>
+          <a:p>
+            <a:r>
+              <a:rPr lang="en-US" altLang="zh-CN" baseline="0" dirty="0" smtClean="0"/>
+              <a:t>Spring</a:t>
+            </a:r>
+            <a:r>
+              <a:rPr lang="zh-CN" altLang="en-US" baseline="0" dirty="0" smtClean="0"/>
+              <a:t>配置了事务管理，在数据库访问层函数被调用之前会启动事务，函数结束会提交事务。</a:t>
+            </a:r>
+            <a:endParaRPr lang="en-US" altLang="zh-CN" dirty="0" smtClean="0"/>
+          </a:p>
+          <a:p>
+            <a:endParaRPr lang="en-US" altLang="zh-CN" dirty="0" smtClean="0"/>
           </a:p>
         </p:txBody>
       </p:sp>
@@ -2301,7 +3236,7 @@
             <a:fld id="{007AB7CF-70DA-A148-9842-61A7B7C7A363}" type="slidenum">
               <a:rPr lang="en-US" smtClean="0"/>
               <a:pPr/>
-              <a:t>18</a:t>
+              <a:t>11</a:t>
             </a:fld>
             <a:endParaRPr lang="en-US" dirty="0"/>
           </a:p>
@@ -2310,7 +3245,7 @@
     </p:spTree>
     <p:extLst>
       <p:ext uri="{BB962C8B-B14F-4D97-AF65-F5344CB8AC3E}">
-        <p14:creationId xmlns:p14="http://schemas.microsoft.com/office/powerpoint/2010/main" val="3264161387"/>
+        <p14:creationId xmlns:p14="http://schemas.microsoft.com/office/powerpoint/2010/main" val="4165168128"/>
       </p:ext>
     </p:extLst>
   </p:cSld>
@@ -2364,7 +3299,235 @@
           <a:bodyPr/>
           <a:lstStyle/>
           <a:p>
-            <a:endParaRPr lang="zh-CN" altLang="en-US" dirty="0"/>
+            <a:pPr marL="228600" indent="-228600">
+              <a:lnSpc>
+                <a:spcPct val="140000"/>
+              </a:lnSpc>
+              <a:spcAft>
+                <a:spcPts val="600"/>
+              </a:spcAft>
+              <a:buFont typeface="+mj-lt"/>
+              <a:buAutoNum type="arabicPeriod"/>
+            </a:pPr>
+            <a:r>
+              <a:rPr lang="zh-CN" altLang="en-US" sz="1200" dirty="0" smtClean="0">
+                <a:latin typeface="宋体" panose="02010600030101010101" pitchFamily="2" charset="-122"/>
+                <a:ea typeface="+mn-ea"/>
+              </a:rPr>
+              <a:t>一组</a:t>
+            </a:r>
+            <a:r>
+              <a:rPr lang="en-US" altLang="zh-CN" sz="1200" dirty="0" smtClean="0">
+                <a:latin typeface="宋体" panose="02010600030101010101" pitchFamily="2" charset="-122"/>
+                <a:ea typeface="+mn-ea"/>
+              </a:rPr>
+              <a:t>HTML</a:t>
+            </a:r>
+            <a:r>
+              <a:rPr lang="zh-CN" altLang="en-US" sz="1200" dirty="0" smtClean="0">
+                <a:latin typeface="宋体" panose="02010600030101010101" pitchFamily="2" charset="-122"/>
+                <a:ea typeface="+mn-ea"/>
+              </a:rPr>
+              <a:t>页面</a:t>
+            </a:r>
+            <a:endParaRPr lang="en-US" altLang="zh-CN" sz="1200" dirty="0" smtClean="0">
+              <a:latin typeface="宋体" panose="02010600030101010101" pitchFamily="2" charset="-122"/>
+              <a:ea typeface="+mn-ea"/>
+            </a:endParaRPr>
+          </a:p>
+          <a:p>
+            <a:pPr marL="228600" indent="-228600">
+              <a:lnSpc>
+                <a:spcPct val="140000"/>
+              </a:lnSpc>
+              <a:spcAft>
+                <a:spcPts val="600"/>
+              </a:spcAft>
+              <a:buFont typeface="+mj-lt"/>
+              <a:buAutoNum type="arabicPeriod"/>
+            </a:pPr>
+            <a:r>
+              <a:rPr lang="zh-CN" altLang="en-US" sz="1200" dirty="0" smtClean="0">
+                <a:latin typeface="宋体" panose="02010600030101010101" pitchFamily="2" charset="-122"/>
+                <a:ea typeface="+mn-ea"/>
+              </a:rPr>
+              <a:t>通过表格展示数据</a:t>
+            </a:r>
+            <a:endParaRPr lang="en-US" altLang="zh-CN" sz="1200" dirty="0" smtClean="0">
+              <a:latin typeface="宋体" panose="02010600030101010101" pitchFamily="2" charset="-122"/>
+              <a:ea typeface="+mn-ea"/>
+            </a:endParaRPr>
+          </a:p>
+          <a:p>
+            <a:pPr marL="228600" indent="-228600">
+              <a:lnSpc>
+                <a:spcPct val="140000"/>
+              </a:lnSpc>
+              <a:spcAft>
+                <a:spcPts val="600"/>
+              </a:spcAft>
+              <a:buFont typeface="+mj-lt"/>
+              <a:buAutoNum type="arabicPeriod"/>
+            </a:pPr>
+            <a:r>
+              <a:rPr lang="zh-CN" altLang="en-US" sz="1200" dirty="0" smtClean="0">
+                <a:latin typeface="宋体" panose="02010600030101010101" pitchFamily="2" charset="-122"/>
+                <a:ea typeface="+mn-ea"/>
+              </a:rPr>
+              <a:t>提供操作栏进行交互</a:t>
+            </a:r>
+            <a:endParaRPr lang="en-US" altLang="zh-CN" sz="1200" dirty="0" smtClean="0">
+              <a:latin typeface="宋体" panose="02010600030101010101" pitchFamily="2" charset="-122"/>
+              <a:ea typeface="+mn-ea"/>
+            </a:endParaRPr>
+          </a:p>
+          <a:p>
+            <a:pPr marL="228600" indent="-228600">
+              <a:lnSpc>
+                <a:spcPct val="140000"/>
+              </a:lnSpc>
+              <a:spcAft>
+                <a:spcPts val="600"/>
+              </a:spcAft>
+              <a:buFont typeface="+mj-lt"/>
+              <a:buAutoNum type="arabicPeriod"/>
+            </a:pPr>
+            <a:r>
+              <a:rPr lang="zh-CN" altLang="en-US" sz="1200" dirty="0" smtClean="0">
+                <a:latin typeface="宋体" panose="02010600030101010101" pitchFamily="2" charset="-122"/>
+                <a:ea typeface="+mn-ea"/>
+              </a:rPr>
+              <a:t>使用</a:t>
+            </a:r>
+            <a:r>
+              <a:rPr lang="en-US" altLang="zh-CN" sz="1200" dirty="0" smtClean="0">
+                <a:latin typeface="宋体" panose="02010600030101010101" pitchFamily="2" charset="-122"/>
+                <a:ea typeface="+mn-ea"/>
+              </a:rPr>
+              <a:t>AJAX</a:t>
+            </a:r>
+            <a:r>
+              <a:rPr lang="zh-CN" altLang="en-US" sz="1200" dirty="0" smtClean="0">
+                <a:latin typeface="宋体" panose="02010600030101010101" pitchFamily="2" charset="-122"/>
+                <a:ea typeface="+mn-ea"/>
+              </a:rPr>
+              <a:t>发送请求</a:t>
+            </a:r>
+            <a:endParaRPr lang="en-US" altLang="zh-CN" sz="1200" dirty="0" smtClean="0">
+              <a:latin typeface="宋体" panose="02010600030101010101" pitchFamily="2" charset="-122"/>
+              <a:ea typeface="+mn-ea"/>
+            </a:endParaRPr>
+          </a:p>
+          <a:p>
+            <a:pPr marL="228600" indent="-228600">
+              <a:lnSpc>
+                <a:spcPct val="140000"/>
+              </a:lnSpc>
+              <a:spcAft>
+                <a:spcPts val="600"/>
+              </a:spcAft>
+              <a:buFont typeface="+mj-lt"/>
+              <a:buAutoNum type="arabicPeriod"/>
+            </a:pPr>
+            <a:r>
+              <a:rPr lang="zh-CN" altLang="en-US" sz="1200" dirty="0" smtClean="0">
+                <a:latin typeface="宋体" panose="02010600030101010101" pitchFamily="2" charset="-122"/>
+                <a:ea typeface="+mn-ea"/>
+              </a:rPr>
+              <a:t>一组基于</a:t>
+            </a:r>
+            <a:r>
+              <a:rPr lang="en-US" altLang="zh-CN" sz="1200" dirty="0" smtClean="0">
+                <a:latin typeface="宋体" panose="02010600030101010101" pitchFamily="2" charset="-122"/>
+                <a:ea typeface="+mn-ea"/>
+              </a:rPr>
+              <a:t>Spring MVC</a:t>
+            </a:r>
+            <a:r>
+              <a:rPr lang="zh-CN" altLang="en-US" sz="1200" dirty="0" smtClean="0">
+                <a:latin typeface="宋体" panose="02010600030101010101" pitchFamily="2" charset="-122"/>
+                <a:ea typeface="+mn-ea"/>
+              </a:rPr>
+              <a:t>的</a:t>
+            </a:r>
+            <a:r>
+              <a:rPr lang="en-US" altLang="zh-CN" sz="1200" dirty="0" smtClean="0">
+                <a:latin typeface="宋体" panose="02010600030101010101" pitchFamily="2" charset="-122"/>
+                <a:ea typeface="+mn-ea"/>
+              </a:rPr>
+              <a:t>Controller</a:t>
+            </a:r>
+            <a:r>
+              <a:rPr lang="zh-CN" altLang="en-US" sz="1200" dirty="0" smtClean="0">
+                <a:latin typeface="宋体" panose="02010600030101010101" pitchFamily="2" charset="-122"/>
+                <a:ea typeface="+mn-ea"/>
+              </a:rPr>
+              <a:t>类</a:t>
+            </a:r>
+            <a:endParaRPr lang="en-US" altLang="zh-CN" sz="1200" dirty="0" smtClean="0">
+              <a:latin typeface="宋体" panose="02010600030101010101" pitchFamily="2" charset="-122"/>
+              <a:ea typeface="+mn-ea"/>
+            </a:endParaRPr>
+          </a:p>
+          <a:p>
+            <a:pPr marL="228600" indent="-228600">
+              <a:lnSpc>
+                <a:spcPct val="140000"/>
+              </a:lnSpc>
+              <a:spcAft>
+                <a:spcPts val="600"/>
+              </a:spcAft>
+              <a:buFont typeface="+mj-lt"/>
+              <a:buAutoNum type="arabicPeriod"/>
+            </a:pPr>
+            <a:r>
+              <a:rPr lang="zh-CN" altLang="en-US" sz="1200" dirty="0" smtClean="0">
+                <a:latin typeface="宋体" panose="02010600030101010101" pitchFamily="2" charset="-122"/>
+                <a:ea typeface="+mn-ea"/>
+              </a:rPr>
+              <a:t>调用服务处理请求</a:t>
+            </a:r>
+            <a:endParaRPr lang="en-US" altLang="zh-CN" sz="1200" dirty="0" smtClean="0">
+              <a:latin typeface="宋体" panose="02010600030101010101" pitchFamily="2" charset="-122"/>
+              <a:ea typeface="+mn-ea"/>
+            </a:endParaRPr>
+          </a:p>
+          <a:p>
+            <a:pPr marL="228600" indent="-228600">
+              <a:lnSpc>
+                <a:spcPct val="140000"/>
+              </a:lnSpc>
+              <a:spcAft>
+                <a:spcPts val="600"/>
+              </a:spcAft>
+              <a:buFont typeface="+mj-lt"/>
+              <a:buAutoNum type="arabicPeriod"/>
+            </a:pPr>
+            <a:r>
+              <a:rPr lang="zh-CN" altLang="en-US" sz="1200" dirty="0" smtClean="0">
+                <a:latin typeface="宋体" panose="02010600030101010101" pitchFamily="2" charset="-122"/>
+                <a:ea typeface="+mn-ea"/>
+              </a:rPr>
+              <a:t>输出</a:t>
+            </a:r>
+            <a:r>
+              <a:rPr lang="en-US" altLang="zh-CN" sz="1200" dirty="0" smtClean="0">
+                <a:latin typeface="宋体" panose="02010600030101010101" pitchFamily="2" charset="-122"/>
+                <a:ea typeface="+mn-ea"/>
+              </a:rPr>
+              <a:t>JSON</a:t>
+            </a:r>
+            <a:r>
+              <a:rPr lang="zh-CN" altLang="en-US" sz="1200" dirty="0" smtClean="0">
+                <a:latin typeface="宋体" panose="02010600030101010101" pitchFamily="2" charset="-122"/>
+                <a:ea typeface="+mn-ea"/>
+              </a:rPr>
+              <a:t>字符串作为回复。</a:t>
+            </a:r>
+            <a:endParaRPr lang="en-US" altLang="zh-CN" sz="1200" dirty="0">
+              <a:latin typeface="宋体" panose="02010600030101010101" pitchFamily="2" charset="-122"/>
+              <a:ea typeface="+mn-ea"/>
+            </a:endParaRPr>
           </a:p>
         </p:txBody>
       </p:sp>
@@ -2386,7 +3549,7 @@
             <a:fld id="{007AB7CF-70DA-A148-9842-61A7B7C7A363}" type="slidenum">
               <a:rPr lang="en-US" smtClean="0"/>
               <a:pPr/>
-              <a:t>20</a:t>
+              <a:t>14</a:t>
             </a:fld>
             <a:endParaRPr lang="en-US" dirty="0"/>
           </a:p>
@@ -2395,7 +3558,7 @@
     </p:spTree>
     <p:extLst>
       <p:ext uri="{BB962C8B-B14F-4D97-AF65-F5344CB8AC3E}">
-        <p14:creationId xmlns:p14="http://schemas.microsoft.com/office/powerpoint/2010/main" val="4140191615"/>
+        <p14:creationId xmlns:p14="http://schemas.microsoft.com/office/powerpoint/2010/main" val="274008643"/>
       </p:ext>
     </p:extLst>
   </p:cSld>
@@ -2449,7 +3612,235 @@
           <a:bodyPr/>
           <a:lstStyle/>
           <a:p>
-            <a:endParaRPr lang="zh-CN" altLang="en-US" dirty="0"/>
+            <a:pPr marL="228600" indent="-228600">
+              <a:lnSpc>
+                <a:spcPct val="140000"/>
+              </a:lnSpc>
+              <a:spcAft>
+                <a:spcPts val="600"/>
+              </a:spcAft>
+              <a:buFont typeface="+mj-lt"/>
+              <a:buAutoNum type="arabicPeriod"/>
+            </a:pPr>
+            <a:r>
+              <a:rPr lang="zh-CN" altLang="en-US" sz="1200" dirty="0" smtClean="0">
+                <a:latin typeface="宋体" panose="02010600030101010101" pitchFamily="2" charset="-122"/>
+                <a:ea typeface="+mn-ea"/>
+              </a:rPr>
+              <a:t>一组</a:t>
+            </a:r>
+            <a:r>
+              <a:rPr lang="en-US" altLang="zh-CN" sz="1200" dirty="0" smtClean="0">
+                <a:latin typeface="宋体" panose="02010600030101010101" pitchFamily="2" charset="-122"/>
+                <a:ea typeface="+mn-ea"/>
+              </a:rPr>
+              <a:t>HTML</a:t>
+            </a:r>
+            <a:r>
+              <a:rPr lang="zh-CN" altLang="en-US" sz="1200" dirty="0" smtClean="0">
+                <a:latin typeface="宋体" panose="02010600030101010101" pitchFamily="2" charset="-122"/>
+                <a:ea typeface="+mn-ea"/>
+              </a:rPr>
+              <a:t>页面</a:t>
+            </a:r>
+            <a:endParaRPr lang="en-US" altLang="zh-CN" sz="1200" dirty="0" smtClean="0">
+              <a:latin typeface="宋体" panose="02010600030101010101" pitchFamily="2" charset="-122"/>
+              <a:ea typeface="+mn-ea"/>
+            </a:endParaRPr>
+          </a:p>
+          <a:p>
+            <a:pPr marL="228600" indent="-228600">
+              <a:lnSpc>
+                <a:spcPct val="140000"/>
+              </a:lnSpc>
+              <a:spcAft>
+                <a:spcPts val="600"/>
+              </a:spcAft>
+              <a:buFont typeface="+mj-lt"/>
+              <a:buAutoNum type="arabicPeriod"/>
+            </a:pPr>
+            <a:r>
+              <a:rPr lang="zh-CN" altLang="en-US" sz="1200" dirty="0" smtClean="0">
+                <a:latin typeface="宋体" panose="02010600030101010101" pitchFamily="2" charset="-122"/>
+                <a:ea typeface="+mn-ea"/>
+              </a:rPr>
+              <a:t>通过表格展示数据</a:t>
+            </a:r>
+            <a:endParaRPr lang="en-US" altLang="zh-CN" sz="1200" dirty="0" smtClean="0">
+              <a:latin typeface="宋体" panose="02010600030101010101" pitchFamily="2" charset="-122"/>
+              <a:ea typeface="+mn-ea"/>
+            </a:endParaRPr>
+          </a:p>
+          <a:p>
+            <a:pPr marL="228600" indent="-228600">
+              <a:lnSpc>
+                <a:spcPct val="140000"/>
+              </a:lnSpc>
+              <a:spcAft>
+                <a:spcPts val="600"/>
+              </a:spcAft>
+              <a:buFont typeface="+mj-lt"/>
+              <a:buAutoNum type="arabicPeriod"/>
+            </a:pPr>
+            <a:r>
+              <a:rPr lang="zh-CN" altLang="en-US" sz="1200" dirty="0" smtClean="0">
+                <a:latin typeface="宋体" panose="02010600030101010101" pitchFamily="2" charset="-122"/>
+                <a:ea typeface="+mn-ea"/>
+              </a:rPr>
+              <a:t>提供操作栏进行交互</a:t>
+            </a:r>
+            <a:endParaRPr lang="en-US" altLang="zh-CN" sz="1200" dirty="0" smtClean="0">
+              <a:latin typeface="宋体" panose="02010600030101010101" pitchFamily="2" charset="-122"/>
+              <a:ea typeface="+mn-ea"/>
+            </a:endParaRPr>
+          </a:p>
+          <a:p>
+            <a:pPr marL="228600" indent="-228600">
+              <a:lnSpc>
+                <a:spcPct val="140000"/>
+              </a:lnSpc>
+              <a:spcAft>
+                <a:spcPts val="600"/>
+              </a:spcAft>
+              <a:buFont typeface="+mj-lt"/>
+              <a:buAutoNum type="arabicPeriod"/>
+            </a:pPr>
+            <a:r>
+              <a:rPr lang="zh-CN" altLang="en-US" sz="1200" dirty="0" smtClean="0">
+                <a:latin typeface="宋体" panose="02010600030101010101" pitchFamily="2" charset="-122"/>
+                <a:ea typeface="+mn-ea"/>
+              </a:rPr>
+              <a:t>使用</a:t>
+            </a:r>
+            <a:r>
+              <a:rPr lang="en-US" altLang="zh-CN" sz="1200" dirty="0" smtClean="0">
+                <a:latin typeface="宋体" panose="02010600030101010101" pitchFamily="2" charset="-122"/>
+                <a:ea typeface="+mn-ea"/>
+              </a:rPr>
+              <a:t>AJAX</a:t>
+            </a:r>
+            <a:r>
+              <a:rPr lang="zh-CN" altLang="en-US" sz="1200" dirty="0" smtClean="0">
+                <a:latin typeface="宋体" panose="02010600030101010101" pitchFamily="2" charset="-122"/>
+                <a:ea typeface="+mn-ea"/>
+              </a:rPr>
+              <a:t>发送请求</a:t>
+            </a:r>
+            <a:endParaRPr lang="en-US" altLang="zh-CN" sz="1200" dirty="0" smtClean="0">
+              <a:latin typeface="宋体" panose="02010600030101010101" pitchFamily="2" charset="-122"/>
+              <a:ea typeface="+mn-ea"/>
+            </a:endParaRPr>
+          </a:p>
+          <a:p>
+            <a:pPr marL="228600" indent="-228600">
+              <a:lnSpc>
+                <a:spcPct val="140000"/>
+              </a:lnSpc>
+              <a:spcAft>
+                <a:spcPts val="600"/>
+              </a:spcAft>
+              <a:buFont typeface="+mj-lt"/>
+              <a:buAutoNum type="arabicPeriod"/>
+            </a:pPr>
+            <a:r>
+              <a:rPr lang="zh-CN" altLang="en-US" sz="1200" dirty="0" smtClean="0">
+                <a:latin typeface="宋体" panose="02010600030101010101" pitchFamily="2" charset="-122"/>
+                <a:ea typeface="+mn-ea"/>
+              </a:rPr>
+              <a:t>一组基于</a:t>
+            </a:r>
+            <a:r>
+              <a:rPr lang="en-US" altLang="zh-CN" sz="1200" dirty="0" smtClean="0">
+                <a:latin typeface="宋体" panose="02010600030101010101" pitchFamily="2" charset="-122"/>
+                <a:ea typeface="+mn-ea"/>
+              </a:rPr>
+              <a:t>Spring MVC</a:t>
+            </a:r>
+            <a:r>
+              <a:rPr lang="zh-CN" altLang="en-US" sz="1200" dirty="0" smtClean="0">
+                <a:latin typeface="宋体" panose="02010600030101010101" pitchFamily="2" charset="-122"/>
+                <a:ea typeface="+mn-ea"/>
+              </a:rPr>
+              <a:t>的</a:t>
+            </a:r>
+            <a:r>
+              <a:rPr lang="en-US" altLang="zh-CN" sz="1200" dirty="0" smtClean="0">
+                <a:latin typeface="宋体" panose="02010600030101010101" pitchFamily="2" charset="-122"/>
+                <a:ea typeface="+mn-ea"/>
+              </a:rPr>
+              <a:t>Controller</a:t>
+            </a:r>
+            <a:r>
+              <a:rPr lang="zh-CN" altLang="en-US" sz="1200" dirty="0" smtClean="0">
+                <a:latin typeface="宋体" panose="02010600030101010101" pitchFamily="2" charset="-122"/>
+                <a:ea typeface="+mn-ea"/>
+              </a:rPr>
+              <a:t>类</a:t>
+            </a:r>
+            <a:endParaRPr lang="en-US" altLang="zh-CN" sz="1200" dirty="0" smtClean="0">
+              <a:latin typeface="宋体" panose="02010600030101010101" pitchFamily="2" charset="-122"/>
+              <a:ea typeface="+mn-ea"/>
+            </a:endParaRPr>
+          </a:p>
+          <a:p>
+            <a:pPr marL="228600" indent="-228600">
+              <a:lnSpc>
+                <a:spcPct val="140000"/>
+              </a:lnSpc>
+              <a:spcAft>
+                <a:spcPts val="600"/>
+              </a:spcAft>
+              <a:buFont typeface="+mj-lt"/>
+              <a:buAutoNum type="arabicPeriod"/>
+            </a:pPr>
+            <a:r>
+              <a:rPr lang="zh-CN" altLang="en-US" sz="1200" dirty="0" smtClean="0">
+                <a:latin typeface="宋体" panose="02010600030101010101" pitchFamily="2" charset="-122"/>
+                <a:ea typeface="+mn-ea"/>
+              </a:rPr>
+              <a:t>调用服务处理请求</a:t>
+            </a:r>
+            <a:endParaRPr lang="en-US" altLang="zh-CN" sz="1200" dirty="0" smtClean="0">
+              <a:latin typeface="宋体" panose="02010600030101010101" pitchFamily="2" charset="-122"/>
+              <a:ea typeface="+mn-ea"/>
+            </a:endParaRPr>
+          </a:p>
+          <a:p>
+            <a:pPr marL="228600" indent="-228600">
+              <a:lnSpc>
+                <a:spcPct val="140000"/>
+              </a:lnSpc>
+              <a:spcAft>
+                <a:spcPts val="600"/>
+              </a:spcAft>
+              <a:buFont typeface="+mj-lt"/>
+              <a:buAutoNum type="arabicPeriod"/>
+            </a:pPr>
+            <a:r>
+              <a:rPr lang="zh-CN" altLang="en-US" sz="1200" dirty="0" smtClean="0">
+                <a:latin typeface="宋体" panose="02010600030101010101" pitchFamily="2" charset="-122"/>
+                <a:ea typeface="+mn-ea"/>
+              </a:rPr>
+              <a:t>输出</a:t>
+            </a:r>
+            <a:r>
+              <a:rPr lang="en-US" altLang="zh-CN" sz="1200" dirty="0" smtClean="0">
+                <a:latin typeface="宋体" panose="02010600030101010101" pitchFamily="2" charset="-122"/>
+                <a:ea typeface="+mn-ea"/>
+              </a:rPr>
+              <a:t>JSON</a:t>
+            </a:r>
+            <a:r>
+              <a:rPr lang="zh-CN" altLang="en-US" sz="1200" dirty="0" smtClean="0">
+                <a:latin typeface="宋体" panose="02010600030101010101" pitchFamily="2" charset="-122"/>
+                <a:ea typeface="+mn-ea"/>
+              </a:rPr>
+              <a:t>字符串作为回复。</a:t>
+            </a:r>
+            <a:endParaRPr lang="en-US" altLang="zh-CN" sz="1200" dirty="0">
+              <a:latin typeface="宋体" panose="02010600030101010101" pitchFamily="2" charset="-122"/>
+              <a:ea typeface="+mn-ea"/>
+            </a:endParaRPr>
           </a:p>
         </p:txBody>
       </p:sp>
@@ -2471,7 +3862,7 @@
             <a:fld id="{007AB7CF-70DA-A148-9842-61A7B7C7A363}" type="slidenum">
               <a:rPr lang="en-US" smtClean="0"/>
               <a:pPr/>
-              <a:t>21</a:t>
+              <a:t>15</a:t>
             </a:fld>
             <a:endParaRPr lang="en-US" dirty="0"/>
           </a:p>
@@ -2480,7 +3871,7 @@
     </p:spTree>
     <p:extLst>
       <p:ext uri="{BB962C8B-B14F-4D97-AF65-F5344CB8AC3E}">
-        <p14:creationId xmlns:p14="http://schemas.microsoft.com/office/powerpoint/2010/main" val="226796786"/>
+        <p14:creationId xmlns:p14="http://schemas.microsoft.com/office/powerpoint/2010/main" val="1035707905"/>
       </p:ext>
     </p:extLst>
   </p:cSld>
@@ -7876,14 +9267,14 @@
               <a:buAutoNum type="arabicPeriod"/>
             </a:pPr>
             <a:r>
-              <a:rPr lang="en-US" altLang="zh-CN" sz="2000" dirty="0">
+              <a:rPr lang="en-US" altLang="zh-CN" sz="2000" dirty="0" smtClean="0">
                 <a:latin typeface="宋体" panose="02010600030101010101" pitchFamily="2" charset="-122"/>
                 <a:ea typeface="宋体" panose="02010600030101010101" pitchFamily="2" charset="-122"/>
               </a:rPr>
-              <a:t>B/S</a:t>
-            </a:r>
-            <a:r>
-              <a:rPr lang="zh-CN" altLang="en-US" sz="2000" dirty="0">
+              <a:t>Browser/Server</a:t>
+            </a:r>
+            <a:r>
+              <a:rPr lang="zh-CN" altLang="en-US" sz="2000" dirty="0" smtClean="0">
                 <a:latin typeface="宋体" panose="02010600030101010101" pitchFamily="2" charset="-122"/>
                 <a:ea typeface="宋体" panose="02010600030101010101" pitchFamily="2" charset="-122"/>
               </a:rPr>
@@ -8884,14 +10275,7 @@
                 <a:latin typeface="宋体" panose="02010600030101010101" pitchFamily="2" charset="-122"/>
                 <a:ea typeface="宋体" panose="02010600030101010101" pitchFamily="2" charset="-122"/>
               </a:rPr>
-              <a:t>网络</a:t>
-            </a:r>
-            <a:r>
-              <a:rPr lang="zh-CN" altLang="en-US" sz="2000" dirty="0" smtClean="0">
-                <a:latin typeface="宋体" panose="02010600030101010101" pitchFamily="2" charset="-122"/>
-                <a:ea typeface="宋体" panose="02010600030101010101" pitchFamily="2" charset="-122"/>
-              </a:rPr>
-              <a:t>处理</a:t>
+              <a:t>网络处理</a:t>
             </a:r>
             <a:endParaRPr lang="en-US" altLang="zh-CN" sz="2000" dirty="0" smtClean="0">
               <a:latin typeface="宋体" panose="02010600030101010101" pitchFamily="2" charset="-122"/>
@@ -9315,7 +10699,237 @@
 </file>
 
 <file path=ppt/slides/slide16.xml><?xml version="1.0" encoding="utf-8"?>
-<p:sld xmlns:a="http://schemas.openxmlformats.org/drawingml/2006/main" xmlns:r="http://schemas.openxmlformats.org/officeDocument/2006/relationships" xmlns:p="http://schemas.openxmlformats.org/presentationml/2006/main" show="0">
+<p:sld xmlns:a="http://schemas.openxmlformats.org/drawingml/2006/main" xmlns:r="http://schemas.openxmlformats.org/officeDocument/2006/relationships" xmlns:p="http://schemas.openxmlformats.org/presentationml/2006/main">
+  <p:cSld>
+    <p:spTree>
+      <p:nvGrpSpPr>
+        <p:cNvPr id="1" name=""/>
+        <p:cNvGrpSpPr/>
+        <p:nvPr/>
+      </p:nvGrpSpPr>
+      <p:grpSpPr>
+        <a:xfrm>
+          <a:off x="0" y="0"/>
+          <a:ext cx="0" cy="0"/>
+          <a:chOff x="0" y="0"/>
+          <a:chExt cx="0" cy="0"/>
+        </a:xfrm>
+      </p:grpSpPr>
+      <p:sp>
+        <p:nvSpPr>
+          <p:cNvPr id="3" name="文本占位符 2"/>
+          <p:cNvSpPr>
+            <a:spLocks noGrp="1"/>
+          </p:cNvSpPr>
+          <p:nvPr>
+            <p:ph type="body" sz="quarter" idx="13"/>
+          </p:nvPr>
+        </p:nvSpPr>
+        <p:spPr>
+          <a:xfrm>
+            <a:off x="576000" y="1476000"/>
+            <a:ext cx="8110800" cy="4011341"/>
+          </a:xfrm>
+        </p:spPr>
+        <p:txBody>
+          <a:bodyPr/>
+          <a:lstStyle/>
+          <a:p>
+            <a:pPr marL="228600" indent="-228600">
+              <a:lnSpc>
+                <a:spcPct val="140000"/>
+              </a:lnSpc>
+              <a:spcAft>
+                <a:spcPts val="600"/>
+              </a:spcAft>
+              <a:buFont typeface="+mj-lt"/>
+              <a:buAutoNum type="arabicPeriod"/>
+            </a:pPr>
+            <a:r>
+              <a:rPr lang="zh-CN" altLang="en-US" sz="2000" dirty="0">
+                <a:latin typeface="宋体" panose="02010600030101010101" pitchFamily="2" charset="-122"/>
+                <a:ea typeface="宋体" panose="02010600030101010101" pitchFamily="2" charset="-122"/>
+              </a:rPr>
+              <a:t>提供新增，修改，删除，运行，停止</a:t>
+            </a:r>
+            <a:r>
+              <a:rPr lang="en-US" altLang="zh-CN" sz="2000" dirty="0">
+                <a:latin typeface="宋体" panose="02010600030101010101" pitchFamily="2" charset="-122"/>
+                <a:ea typeface="宋体" panose="02010600030101010101" pitchFamily="2" charset="-122"/>
+              </a:rPr>
+              <a:t>EAP</a:t>
+            </a:r>
+            <a:r>
+              <a:rPr lang="zh-CN" altLang="en-US" sz="2000" dirty="0">
+                <a:latin typeface="宋体" panose="02010600030101010101" pitchFamily="2" charset="-122"/>
+                <a:ea typeface="宋体" panose="02010600030101010101" pitchFamily="2" charset="-122"/>
+              </a:rPr>
+              <a:t>，收集</a:t>
+            </a:r>
+            <a:r>
+              <a:rPr lang="en-US" altLang="zh-CN" sz="2000" dirty="0">
+                <a:latin typeface="宋体" panose="02010600030101010101" pitchFamily="2" charset="-122"/>
+                <a:ea typeface="宋体" panose="02010600030101010101" pitchFamily="2" charset="-122"/>
+              </a:rPr>
+              <a:t>EAP</a:t>
+            </a:r>
+            <a:r>
+              <a:rPr lang="zh-CN" altLang="en-US" sz="2000" dirty="0">
+                <a:latin typeface="宋体" panose="02010600030101010101" pitchFamily="2" charset="-122"/>
+                <a:ea typeface="宋体" panose="02010600030101010101" pitchFamily="2" charset="-122"/>
+              </a:rPr>
+              <a:t>状态等</a:t>
+            </a:r>
+            <a:r>
+              <a:rPr lang="zh-CN" altLang="en-US" sz="2000" dirty="0" smtClean="0">
+                <a:latin typeface="宋体" panose="02010600030101010101" pitchFamily="2" charset="-122"/>
+                <a:ea typeface="宋体" panose="02010600030101010101" pitchFamily="2" charset="-122"/>
+              </a:rPr>
+              <a:t>方法</a:t>
+            </a:r>
+            <a:endParaRPr lang="en-US" altLang="zh-CN" sz="2000" dirty="0" smtClean="0">
+              <a:latin typeface="宋体" panose="02010600030101010101" pitchFamily="2" charset="-122"/>
+              <a:ea typeface="宋体" panose="02010600030101010101" pitchFamily="2" charset="-122"/>
+            </a:endParaRPr>
+          </a:p>
+          <a:p>
+            <a:pPr marL="228600" indent="-228600">
+              <a:lnSpc>
+                <a:spcPct val="140000"/>
+              </a:lnSpc>
+              <a:spcAft>
+                <a:spcPts val="600"/>
+              </a:spcAft>
+              <a:buFont typeface="+mj-lt"/>
+              <a:buAutoNum type="arabicPeriod"/>
+            </a:pPr>
+            <a:r>
+              <a:rPr lang="zh-CN" altLang="en-US" sz="2000" dirty="0" smtClean="0">
+                <a:latin typeface="宋体" panose="02010600030101010101" pitchFamily="2" charset="-122"/>
+                <a:ea typeface="宋体" panose="02010600030101010101" pitchFamily="2" charset="-122"/>
+              </a:rPr>
+              <a:t>操作</a:t>
+            </a:r>
+            <a:r>
+              <a:rPr lang="en-US" altLang="zh-CN" sz="2000" dirty="0" smtClean="0">
+                <a:latin typeface="宋体" panose="02010600030101010101" pitchFamily="2" charset="-122"/>
+                <a:ea typeface="宋体" panose="02010600030101010101" pitchFamily="2" charset="-122"/>
+              </a:rPr>
+              <a:t>EAP</a:t>
+            </a:r>
+            <a:r>
+              <a:rPr lang="zh-CN" altLang="en-US" sz="2000" dirty="0" smtClean="0">
+                <a:latin typeface="宋体" panose="02010600030101010101" pitchFamily="2" charset="-122"/>
+                <a:ea typeface="宋体" panose="02010600030101010101" pitchFamily="2" charset="-122"/>
+              </a:rPr>
+              <a:t>的</a:t>
+            </a:r>
+            <a:r>
+              <a:rPr lang="en-US" altLang="zh-CN" sz="2000" dirty="0" smtClean="0">
+                <a:latin typeface="宋体" panose="02010600030101010101" pitchFamily="2" charset="-122"/>
+                <a:ea typeface="宋体" panose="02010600030101010101" pitchFamily="2" charset="-122"/>
+              </a:rPr>
+              <a:t>Runnable</a:t>
+            </a:r>
+            <a:r>
+              <a:rPr lang="zh-CN" altLang="en-US" sz="2000" dirty="0" smtClean="0">
+                <a:latin typeface="宋体" panose="02010600030101010101" pitchFamily="2" charset="-122"/>
+                <a:ea typeface="宋体" panose="02010600030101010101" pitchFamily="2" charset="-122"/>
+              </a:rPr>
+              <a:t>接口实例</a:t>
+            </a:r>
+            <a:endParaRPr lang="en-US" altLang="zh-CN" sz="2000" dirty="0" smtClean="0">
+              <a:latin typeface="宋体" panose="02010600030101010101" pitchFamily="2" charset="-122"/>
+              <a:ea typeface="宋体" panose="02010600030101010101" pitchFamily="2" charset="-122"/>
+            </a:endParaRPr>
+          </a:p>
+        </p:txBody>
+      </p:sp>
+      <p:sp>
+        <p:nvSpPr>
+          <p:cNvPr id="6" name="标题 3"/>
+          <p:cNvSpPr txBox="1">
+            <a:spLocks/>
+          </p:cNvSpPr>
+          <p:nvPr/>
+        </p:nvSpPr>
+        <p:spPr>
+          <a:xfrm>
+            <a:off x="571170" y="677960"/>
+            <a:ext cx="8115630" cy="617440"/>
+          </a:xfrm>
+          <a:prstGeom prst="rect">
+            <a:avLst/>
+          </a:prstGeom>
+          <a:ln>
+            <a:noFill/>
+          </a:ln>
+        </p:spPr>
+        <p:txBody>
+          <a:bodyPr vert="horz"/>
+          <a:lstStyle>
+            <a:lvl1pPr algn="l" defTabSz="457200" rtl="0" eaLnBrk="1" latinLnBrk="0" hangingPunct="1">
+              <a:lnSpc>
+                <a:spcPct val="90000"/>
+              </a:lnSpc>
+              <a:spcBef>
+                <a:spcPct val="0"/>
+              </a:spcBef>
+              <a:buNone/>
+              <a:defRPr sz="2600" b="1" i="0" kern="1200" baseline="0">
+                <a:solidFill>
+                  <a:srgbClr val="4ACBD6"/>
+                </a:solidFill>
+                <a:latin typeface="Arial"/>
+                <a:ea typeface="+mj-ea"/>
+                <a:cs typeface="Arial"/>
+              </a:defRPr>
+            </a:lvl1pPr>
+          </a:lstStyle>
+          <a:p>
+            <a:r>
+              <a:rPr lang="en-US" altLang="zh-CN" sz="3200" dirty="0" smtClean="0">
+                <a:latin typeface="+mj-ea"/>
+              </a:rPr>
+              <a:t>5.2 EAP</a:t>
+            </a:r>
+            <a:r>
+              <a:rPr lang="zh-CN" altLang="en-US" sz="3200" dirty="0" smtClean="0">
+                <a:latin typeface="+mj-ea"/>
+              </a:rPr>
+              <a:t>管理</a:t>
+            </a:r>
+            <a:endParaRPr lang="zh-CN" altLang="en-US" sz="3200" dirty="0">
+              <a:latin typeface="+mj-ea"/>
+            </a:endParaRPr>
+          </a:p>
+        </p:txBody>
+      </p:sp>
+    </p:spTree>
+    <p:extLst>
+      <p:ext uri="{BB962C8B-B14F-4D97-AF65-F5344CB8AC3E}">
+        <p14:creationId xmlns:p14="http://schemas.microsoft.com/office/powerpoint/2010/main" val="2560041474"/>
+      </p:ext>
+    </p:extLst>
+  </p:cSld>
+  <p:clrMapOvr>
+    <a:masterClrMapping/>
+  </p:clrMapOvr>
+  <p:transition spd="slow">
+    <p:push dir="u"/>
+  </p:transition>
+  <p:timing>
+    <p:tnLst>
+      <p:par>
+        <p:cTn id="1" dur="indefinite" restart="never" nodeType="tmRoot"/>
+      </p:par>
+    </p:tnLst>
+  </p:timing>
+</p:sld>
+</file>
+
+<file path=ppt/slides/slide17.xml><?xml version="1.0" encoding="utf-8"?>
+<p:sld xmlns:a="http://schemas.openxmlformats.org/drawingml/2006/main" xmlns:r="http://schemas.openxmlformats.org/officeDocument/2006/relationships" xmlns:p="http://schemas.openxmlformats.org/presentationml/2006/main">
   <p:cSld>
     <p:spTree>
       <p:nvGrpSpPr>
@@ -9394,246 +11008,9 @@
           </a:p>
         </p:txBody>
       </p:sp>
-      <p:graphicFrame>
-        <p:nvGraphicFramePr>
-          <p:cNvPr id="8" name="对象 7"/>
-          <p:cNvGraphicFramePr>
-            <a:graphicFrameLocks noChangeAspect="1"/>
-          </p:cNvGraphicFramePr>
-          <p:nvPr>
-            <p:extLst>
-              <p:ext uri="{D42A27DB-BD31-4B8C-83A1-F6EECF244321}">
-                <p14:modId xmlns:p14="http://schemas.microsoft.com/office/powerpoint/2010/main" val="1502143967"/>
-              </p:ext>
-            </p:extLst>
-          </p:nvPr>
-        </p:nvGraphicFramePr>
-        <p:xfrm>
-          <a:off x="1641668" y="1088586"/>
-          <a:ext cx="5860665" cy="4480573"/>
-        </p:xfrm>
-        <a:graphic>
-          <a:graphicData uri="http://schemas.openxmlformats.org/presentationml/2006/ole">
-            <mc:AlternateContent xmlns:mc="http://schemas.openxmlformats.org/markup-compatibility/2006">
-              <mc:Choice xmlns:v="urn:schemas-microsoft-com:vml" Requires="v">
-                <p:oleObj spid="_x0000_s4134" name="Visio" r:id="rId3" imgW="6267354" imgH="4791150" progId="Visio.Drawing.15">
-                  <p:embed/>
-                </p:oleObj>
-              </mc:Choice>
-              <mc:Fallback>
-                <p:oleObj name="Visio" r:id="rId3" imgW="6267354" imgH="4791150" progId="Visio.Drawing.15">
-                  <p:embed/>
-                  <p:pic>
-                    <p:nvPicPr>
-                      <p:cNvPr id="0" name="Object 1"/>
-                      <p:cNvPicPr>
-                        <a:picLocks noChangeAspect="1" noChangeArrowheads="1"/>
-                      </p:cNvPicPr>
-                      <p:nvPr/>
-                    </p:nvPicPr>
-                    <p:blipFill>
-                      <a:blip r:embed="rId4">
-                        <a:extLst>
-                          <a:ext uri="{28A0092B-C50C-407E-A947-70E740481C1C}">
-                            <a14:useLocalDpi xmlns:a14="http://schemas.microsoft.com/office/drawing/2010/main" val="0"/>
-                          </a:ext>
-                        </a:extLst>
-                      </a:blip>
-                      <a:srcRect/>
-                      <a:stretch>
-                        <a:fillRect/>
-                      </a:stretch>
-                    </p:blipFill>
-                    <p:spPr bwMode="auto">
-                      <a:xfrm>
-                        <a:off x="1641668" y="1088586"/>
-                        <a:ext cx="5860665" cy="4480573"/>
-                      </a:xfrm>
-                      <a:prstGeom prst="rect">
-                        <a:avLst/>
-                      </a:prstGeom>
-                      <a:noFill/>
-                    </p:spPr>
-                  </p:pic>
-                </p:oleObj>
-              </mc:Fallback>
-            </mc:AlternateContent>
-          </a:graphicData>
-        </a:graphic>
-      </p:graphicFrame>
-    </p:spTree>
-    <p:extLst>
-      <p:ext uri="{BB962C8B-B14F-4D97-AF65-F5344CB8AC3E}">
-        <p14:creationId xmlns:p14="http://schemas.microsoft.com/office/powerpoint/2010/main" val="3219200608"/>
-      </p:ext>
-    </p:extLst>
-  </p:cSld>
-  <p:clrMapOvr>
-    <a:masterClrMapping/>
-  </p:clrMapOvr>
-  <p:transition spd="slow">
-    <p:push dir="u"/>
-  </p:transition>
-  <p:timing>
-    <p:tnLst>
-      <p:par>
-        <p:cTn id="1" dur="indefinite" restart="never" nodeType="tmRoot"/>
-      </p:par>
-    </p:tnLst>
-  </p:timing>
-</p:sld>
-</file>
-
-<file path=ppt/slides/slide17.xml><?xml version="1.0" encoding="utf-8"?>
-<p:sld xmlns:a="http://schemas.openxmlformats.org/drawingml/2006/main" xmlns:r="http://schemas.openxmlformats.org/officeDocument/2006/relationships" xmlns:p="http://schemas.openxmlformats.org/presentationml/2006/main">
-  <p:cSld>
-    <p:spTree>
-      <p:nvGrpSpPr>
-        <p:cNvPr id="1" name=""/>
-        <p:cNvGrpSpPr/>
-        <p:nvPr/>
-      </p:nvGrpSpPr>
-      <p:grpSpPr>
-        <a:xfrm>
-          <a:off x="0" y="0"/>
-          <a:ext cx="0" cy="0"/>
-          <a:chOff x="0" y="0"/>
-          <a:chExt cx="0" cy="0"/>
-        </a:xfrm>
-      </p:grpSpPr>
       <p:sp>
         <p:nvSpPr>
-          <p:cNvPr id="3" name="文本占位符 2"/>
-          <p:cNvSpPr>
-            <a:spLocks noGrp="1"/>
-          </p:cNvSpPr>
-          <p:nvPr>
-            <p:ph type="body" sz="quarter" idx="13"/>
-          </p:nvPr>
-        </p:nvSpPr>
-        <p:spPr>
-          <a:xfrm>
-            <a:off x="576000" y="1476000"/>
-            <a:ext cx="8110800" cy="4011341"/>
-          </a:xfrm>
-        </p:spPr>
-        <p:txBody>
-          <a:bodyPr/>
-          <a:lstStyle/>
-          <a:p>
-            <a:pPr marL="228600" indent="-228600">
-              <a:lnSpc>
-                <a:spcPct val="140000"/>
-              </a:lnSpc>
-              <a:spcAft>
-                <a:spcPts val="600"/>
-              </a:spcAft>
-              <a:buFont typeface="+mj-lt"/>
-              <a:buAutoNum type="arabicPeriod"/>
-            </a:pPr>
-            <a:r>
-              <a:rPr lang="zh-CN" altLang="en-US" sz="2000" dirty="0">
-                <a:latin typeface="宋体" panose="02010600030101010101" pitchFamily="2" charset="-122"/>
-                <a:ea typeface="宋体" panose="02010600030101010101" pitchFamily="2" charset="-122"/>
-              </a:rPr>
-              <a:t>提供新增，修改，删除，运行，停止</a:t>
-            </a:r>
-            <a:r>
-              <a:rPr lang="en-US" altLang="zh-CN" sz="2000" dirty="0">
-                <a:latin typeface="宋体" panose="02010600030101010101" pitchFamily="2" charset="-122"/>
-                <a:ea typeface="宋体" panose="02010600030101010101" pitchFamily="2" charset="-122"/>
-              </a:rPr>
-              <a:t>EAP</a:t>
-            </a:r>
-            <a:r>
-              <a:rPr lang="zh-CN" altLang="en-US" sz="2000" dirty="0">
-                <a:latin typeface="宋体" panose="02010600030101010101" pitchFamily="2" charset="-122"/>
-                <a:ea typeface="宋体" panose="02010600030101010101" pitchFamily="2" charset="-122"/>
-              </a:rPr>
-              <a:t>，收集</a:t>
-            </a:r>
-            <a:r>
-              <a:rPr lang="en-US" altLang="zh-CN" sz="2000" dirty="0">
-                <a:latin typeface="宋体" panose="02010600030101010101" pitchFamily="2" charset="-122"/>
-                <a:ea typeface="宋体" panose="02010600030101010101" pitchFamily="2" charset="-122"/>
-              </a:rPr>
-              <a:t>EAP</a:t>
-            </a:r>
-            <a:r>
-              <a:rPr lang="zh-CN" altLang="en-US" sz="2000" dirty="0">
-                <a:latin typeface="宋体" panose="02010600030101010101" pitchFamily="2" charset="-122"/>
-                <a:ea typeface="宋体" panose="02010600030101010101" pitchFamily="2" charset="-122"/>
-              </a:rPr>
-              <a:t>状态等</a:t>
-            </a:r>
-            <a:r>
-              <a:rPr lang="zh-CN" altLang="en-US" sz="2000" dirty="0" smtClean="0">
-                <a:latin typeface="宋体" panose="02010600030101010101" pitchFamily="2" charset="-122"/>
-                <a:ea typeface="宋体" panose="02010600030101010101" pitchFamily="2" charset="-122"/>
-              </a:rPr>
-              <a:t>方法</a:t>
-            </a:r>
-            <a:endParaRPr lang="en-US" altLang="zh-CN" sz="2000" dirty="0" smtClean="0">
-              <a:latin typeface="宋体" panose="02010600030101010101" pitchFamily="2" charset="-122"/>
-              <a:ea typeface="宋体" panose="02010600030101010101" pitchFamily="2" charset="-122"/>
-            </a:endParaRPr>
-          </a:p>
-          <a:p>
-            <a:pPr marL="228600" indent="-228600">
-              <a:lnSpc>
-                <a:spcPct val="140000"/>
-              </a:lnSpc>
-              <a:spcAft>
-                <a:spcPts val="600"/>
-              </a:spcAft>
-              <a:buFont typeface="+mj-lt"/>
-              <a:buAutoNum type="arabicPeriod"/>
-            </a:pPr>
-            <a:r>
-              <a:rPr lang="zh-CN" altLang="en-US" sz="2000" dirty="0" smtClean="0">
-                <a:latin typeface="宋体" panose="02010600030101010101" pitchFamily="2" charset="-122"/>
-                <a:ea typeface="宋体" panose="02010600030101010101" pitchFamily="2" charset="-122"/>
-              </a:rPr>
-              <a:t>操作</a:t>
-            </a:r>
-            <a:r>
-              <a:rPr lang="en-US" altLang="zh-CN" sz="2000" dirty="0" smtClean="0">
-                <a:latin typeface="宋体" panose="02010600030101010101" pitchFamily="2" charset="-122"/>
-                <a:ea typeface="宋体" panose="02010600030101010101" pitchFamily="2" charset="-122"/>
-              </a:rPr>
-              <a:t>EAP</a:t>
-            </a:r>
-            <a:r>
-              <a:rPr lang="zh-CN" altLang="en-US" sz="2000" dirty="0" smtClean="0">
-                <a:latin typeface="宋体" panose="02010600030101010101" pitchFamily="2" charset="-122"/>
-                <a:ea typeface="宋体" panose="02010600030101010101" pitchFamily="2" charset="-122"/>
-              </a:rPr>
-              <a:t>的</a:t>
-            </a:r>
-            <a:r>
-              <a:rPr lang="en-US" altLang="zh-CN" sz="2000" dirty="0" smtClean="0">
-                <a:latin typeface="宋体" panose="02010600030101010101" pitchFamily="2" charset="-122"/>
-                <a:ea typeface="宋体" panose="02010600030101010101" pitchFamily="2" charset="-122"/>
-              </a:rPr>
-              <a:t>Runnable</a:t>
-            </a:r>
-            <a:r>
-              <a:rPr lang="zh-CN" altLang="en-US" sz="2000" dirty="0" smtClean="0">
-                <a:latin typeface="宋体" panose="02010600030101010101" pitchFamily="2" charset="-122"/>
-                <a:ea typeface="宋体" panose="02010600030101010101" pitchFamily="2" charset="-122"/>
-              </a:rPr>
-              <a:t>接口实例</a:t>
-            </a:r>
-            <a:endParaRPr lang="en-US" altLang="zh-CN" sz="2000" dirty="0" smtClean="0">
-              <a:latin typeface="宋体" panose="02010600030101010101" pitchFamily="2" charset="-122"/>
-              <a:ea typeface="宋体" panose="02010600030101010101" pitchFamily="2" charset="-122"/>
-            </a:endParaRPr>
-          </a:p>
-        </p:txBody>
-      </p:sp>
-      <p:sp>
-        <p:nvSpPr>
-          <p:cNvPr id="6" name="标题 3"/>
+          <p:cNvPr id="4" name="标题 3"/>
           <p:cNvSpPr txBox="1">
             <a:spLocks/>
           </p:cNvSpPr>
@@ -9691,10 +11068,99 @@
           </a:p>
         </p:txBody>
       </p:sp>
+      <p:sp>
+        <p:nvSpPr>
+          <p:cNvPr id="2" name="文本框 1"/>
+          <p:cNvSpPr txBox="1"/>
+          <p:nvPr/>
+        </p:nvSpPr>
+        <p:spPr>
+          <a:xfrm>
+            <a:off x="3719347" y="5845384"/>
+            <a:ext cx="1819275" cy="424732"/>
+          </a:xfrm>
+          <a:prstGeom prst="rect">
+            <a:avLst/>
+          </a:prstGeom>
+          <a:noFill/>
+        </p:spPr>
+        <p:txBody>
+          <a:bodyPr wrap="square" rtlCol="0">
+            <a:spAutoFit/>
+          </a:bodyPr>
+          <a:lstStyle/>
+          <a:p>
+            <a:pPr marL="0" indent="0">
+              <a:lnSpc>
+                <a:spcPct val="120000"/>
+              </a:lnSpc>
+              <a:buFont typeface="Arial"/>
+              <a:buNone/>
+            </a:pPr>
+            <a:r>
+              <a:rPr lang="zh-CN" altLang="en-US" dirty="0" smtClean="0">
+                <a:solidFill>
+                  <a:srgbClr val="3EB8BE"/>
+                </a:solidFill>
+                <a:latin typeface="宋体" panose="02010600030101010101" pitchFamily="2" charset="-122"/>
+                <a:ea typeface="宋体" panose="02010600030101010101" pitchFamily="2" charset="-122"/>
+                <a:cs typeface="Arial"/>
+              </a:rPr>
+              <a:t>新增</a:t>
+            </a:r>
+            <a:r>
+              <a:rPr lang="en-US" altLang="zh-CN" dirty="0" smtClean="0">
+                <a:solidFill>
+                  <a:srgbClr val="3EB8BE"/>
+                </a:solidFill>
+                <a:latin typeface="宋体" panose="02010600030101010101" pitchFamily="2" charset="-122"/>
+                <a:ea typeface="宋体" panose="02010600030101010101" pitchFamily="2" charset="-122"/>
+                <a:cs typeface="Arial"/>
+              </a:rPr>
+              <a:t>EAP</a:t>
+            </a:r>
+            <a:r>
+              <a:rPr lang="zh-CN" altLang="en-US" dirty="0" smtClean="0">
+                <a:solidFill>
+                  <a:srgbClr val="3EB8BE"/>
+                </a:solidFill>
+                <a:latin typeface="宋体" panose="02010600030101010101" pitchFamily="2" charset="-122"/>
+                <a:ea typeface="宋体" panose="02010600030101010101" pitchFamily="2" charset="-122"/>
+                <a:cs typeface="Arial"/>
+              </a:rPr>
+              <a:t>时序图</a:t>
+            </a:r>
+          </a:p>
+        </p:txBody>
+      </p:sp>
+      <p:pic>
+        <p:nvPicPr>
+          <p:cNvPr id="3" name="图片 2"/>
+          <p:cNvPicPr>
+            <a:picLocks noChangeAspect="1"/>
+          </p:cNvPicPr>
+          <p:nvPr/>
+        </p:nvPicPr>
+        <p:blipFill>
+          <a:blip r:embed="rId2"/>
+          <a:stretch>
+            <a:fillRect/>
+          </a:stretch>
+        </p:blipFill>
+        <p:spPr>
+          <a:xfrm>
+            <a:off x="1734259" y="1474089"/>
+            <a:ext cx="5789449" cy="4192605"/>
+          </a:xfrm>
+          <a:prstGeom prst="rect">
+            <a:avLst/>
+          </a:prstGeom>
+        </p:spPr>
+      </p:pic>
     </p:spTree>
     <p:extLst>
       <p:ext uri="{BB962C8B-B14F-4D97-AF65-F5344CB8AC3E}">
-        <p14:creationId xmlns:p14="http://schemas.microsoft.com/office/powerpoint/2010/main" val="2560041474"/>
+        <p14:creationId xmlns:p14="http://schemas.microsoft.com/office/powerpoint/2010/main" val="3219200608"/>
       </p:ext>
     </p:extLst>
   </p:cSld>
@@ -9924,14 +11390,14 @@
           <p:nvPr/>
         </p:nvPicPr>
         <p:blipFill>
-          <a:blip r:embed="rId2"/>
+          <a:blip r:embed="rId3"/>
           <a:stretch>
             <a:fillRect/>
           </a:stretch>
         </p:blipFill>
         <p:spPr>
           <a:xfrm>
-            <a:off x="3142235" y="677019"/>
+            <a:off x="3792866" y="677019"/>
             <a:ext cx="3241493" cy="5732561"/>
           </a:xfrm>
           <a:prstGeom prst="rect">
@@ -9939,6 +11405,48 @@
           </a:prstGeom>
         </p:spPr>
       </p:pic>
+      <p:sp>
+        <p:nvSpPr>
+          <p:cNvPr id="6" name="文本占位符 2"/>
+          <p:cNvSpPr>
+            <a:spLocks noGrp="1"/>
+          </p:cNvSpPr>
+          <p:nvPr>
+            <p:ph type="body" sz="quarter" idx="13"/>
+          </p:nvPr>
+        </p:nvSpPr>
+        <p:spPr>
+          <a:xfrm>
+            <a:off x="576000" y="1476001"/>
+            <a:ext cx="2566235" cy="475891"/>
+          </a:xfrm>
+        </p:spPr>
+        <p:txBody>
+          <a:bodyPr/>
+          <a:lstStyle/>
+          <a:p>
+            <a:pPr>
+              <a:lnSpc>
+                <a:spcPct val="140000"/>
+              </a:lnSpc>
+              <a:spcAft>
+                <a:spcPts val="600"/>
+              </a:spcAft>
+            </a:pPr>
+            <a:r>
+              <a:rPr lang="zh-CN" altLang="en-US" sz="2000" dirty="0" smtClean="0">
+                <a:latin typeface="宋体" panose="02010600030101010101" pitchFamily="2" charset="-122"/>
+                <a:ea typeface="宋体" panose="02010600030101010101" pitchFamily="2" charset="-122"/>
+              </a:rPr>
+              <a:t>处理报文的流程图</a:t>
+            </a:r>
+            <a:endParaRPr lang="en-US" altLang="zh-CN" sz="2000" dirty="0" smtClean="0">
+              <a:latin typeface="宋体" panose="02010600030101010101" pitchFamily="2" charset="-122"/>
+              <a:ea typeface="宋体" panose="02010600030101010101" pitchFamily="2" charset="-122"/>
+            </a:endParaRPr>
+          </a:p>
+        </p:txBody>
+      </p:sp>
     </p:spTree>
     <p:extLst>
       <p:ext uri="{BB962C8B-B14F-4D97-AF65-F5344CB8AC3E}">
@@ -10014,14 +11522,7 @@
                 <a:latin typeface="宋体" panose="02010600030101010101" pitchFamily="2" charset="-122"/>
                 <a:ea typeface="宋体" panose="02010600030101010101" pitchFamily="2" charset="-122"/>
               </a:rPr>
-              <a:t>毕业学校：</a:t>
-            </a:r>
-            <a:r>
-              <a:rPr lang="zh-CN" altLang="en-US" sz="1800" dirty="0" smtClean="0">
-                <a:latin typeface="宋体" panose="02010600030101010101" pitchFamily="2" charset="-122"/>
-                <a:ea typeface="宋体" panose="02010600030101010101" pitchFamily="2" charset="-122"/>
-              </a:rPr>
-              <a:t>北京航空航天大学</a:t>
+              <a:t>毕业学校：北京航空航天大学</a:t>
             </a:r>
             <a:endParaRPr lang="en-US" altLang="zh-CN" sz="1800" dirty="0" smtClean="0">
               <a:latin typeface="宋体" panose="02010600030101010101" pitchFamily="2" charset="-122"/>
@@ -10158,130 +11659,6 @@
 </file>
 
 <file path=ppt/slides/slide20.xml><?xml version="1.0" encoding="utf-8"?>
-<p:sld xmlns:a="http://schemas.openxmlformats.org/drawingml/2006/main" xmlns:r="http://schemas.openxmlformats.org/officeDocument/2006/relationships" xmlns:p="http://schemas.openxmlformats.org/presentationml/2006/main" show="0">
-  <p:cSld>
-    <p:spTree>
-      <p:nvGrpSpPr>
-        <p:cNvPr id="1" name=""/>
-        <p:cNvGrpSpPr/>
-        <p:nvPr/>
-      </p:nvGrpSpPr>
-      <p:grpSpPr>
-        <a:xfrm>
-          <a:off x="0" y="0"/>
-          <a:ext cx="0" cy="0"/>
-          <a:chOff x="0" y="0"/>
-          <a:chExt cx="0" cy="0"/>
-        </a:xfrm>
-      </p:grpSpPr>
-      <p:sp>
-        <p:nvSpPr>
-          <p:cNvPr id="7" name="标题 3"/>
-          <p:cNvSpPr txBox="1">
-            <a:spLocks/>
-          </p:cNvSpPr>
-          <p:nvPr/>
-        </p:nvSpPr>
-        <p:spPr>
-          <a:xfrm>
-            <a:off x="571170" y="677960"/>
-            <a:ext cx="8115630" cy="617440"/>
-          </a:xfrm>
-          <a:prstGeom prst="rect">
-            <a:avLst/>
-          </a:prstGeom>
-          <a:ln>
-            <a:noFill/>
-          </a:ln>
-        </p:spPr>
-        <p:txBody>
-          <a:bodyPr vert="horz"/>
-          <a:lstStyle>
-            <a:lvl1pPr algn="l" defTabSz="457200" rtl="0" eaLnBrk="1" latinLnBrk="0" hangingPunct="1">
-              <a:lnSpc>
-                <a:spcPct val="90000"/>
-              </a:lnSpc>
-              <a:spcBef>
-                <a:spcPct val="0"/>
-              </a:spcBef>
-              <a:buNone/>
-              <a:defRPr sz="2600" b="1" i="0" kern="1200" baseline="0">
-                <a:solidFill>
-                  <a:srgbClr val="4ACBD6"/>
-                </a:solidFill>
-                <a:latin typeface="Arial"/>
-                <a:ea typeface="+mj-ea"/>
-                <a:cs typeface="Arial"/>
-              </a:defRPr>
-            </a:lvl1pPr>
-          </a:lstStyle>
-          <a:p>
-            <a:r>
-              <a:rPr lang="en-US" altLang="zh-CN" sz="3200" dirty="0" smtClean="0">
-                <a:latin typeface="+mj-ea"/>
-              </a:rPr>
-              <a:t>5.4 </a:t>
-            </a:r>
-            <a:r>
-              <a:rPr lang="zh-CN" altLang="en-US" sz="3200" dirty="0" smtClean="0">
-                <a:latin typeface="+mj-ea"/>
-              </a:rPr>
-              <a:t>线程使用</a:t>
-            </a:r>
-            <a:endParaRPr lang="zh-CN" altLang="en-US" sz="3200" dirty="0">
-              <a:latin typeface="+mj-ea"/>
-            </a:endParaRPr>
-          </a:p>
-        </p:txBody>
-      </p:sp>
-      <p:pic>
-        <p:nvPicPr>
-          <p:cNvPr id="10" name="图片 9"/>
-          <p:cNvPicPr>
-            <a:picLocks noChangeAspect="1"/>
-          </p:cNvPicPr>
-          <p:nvPr/>
-        </p:nvPicPr>
-        <p:blipFill>
-          <a:blip r:embed="rId3"/>
-          <a:stretch>
-            <a:fillRect/>
-          </a:stretch>
-        </p:blipFill>
-        <p:spPr>
-          <a:xfrm>
-            <a:off x="790700" y="1838527"/>
-            <a:ext cx="6679523" cy="3288739"/>
-          </a:xfrm>
-          <a:prstGeom prst="rect">
-            <a:avLst/>
-          </a:prstGeom>
-        </p:spPr>
-      </p:pic>
-    </p:spTree>
-    <p:extLst>
-      <p:ext uri="{BB962C8B-B14F-4D97-AF65-F5344CB8AC3E}">
-        <p14:creationId xmlns:p14="http://schemas.microsoft.com/office/powerpoint/2010/main" val="3581352315"/>
-      </p:ext>
-    </p:extLst>
-  </p:cSld>
-  <p:clrMapOvr>
-    <a:masterClrMapping/>
-  </p:clrMapOvr>
-  <p:transition spd="slow">
-    <p:push dir="u"/>
-  </p:transition>
-  <p:timing>
-    <p:tnLst>
-      <p:par>
-        <p:cTn id="1" dur="indefinite" restart="never" nodeType="tmRoot"/>
-      </p:par>
-    </p:tnLst>
-  </p:timing>
-</p:sld>
-</file>
-
-<file path=ppt/slides/slide21.xml><?xml version="1.0" encoding="utf-8"?>
 <p:sld xmlns:a="http://schemas.openxmlformats.org/drawingml/2006/main" xmlns:r="http://schemas.openxmlformats.org/officeDocument/2006/relationships" xmlns:p="http://schemas.openxmlformats.org/presentationml/2006/main">
   <p:cSld>
     <p:spTree>
@@ -10358,252 +11735,40 @@
           </a:p>
         </p:txBody>
       </p:sp>
-      <p:sp>
-        <p:nvSpPr>
-          <p:cNvPr id="4" name="文本占位符 2"/>
-          <p:cNvSpPr>
-            <a:spLocks noGrp="1"/>
-          </p:cNvSpPr>
-          <p:nvPr>
-            <p:ph type="body" sz="quarter" idx="13"/>
-          </p:nvPr>
-        </p:nvSpPr>
+      <p:pic>
+        <p:nvPicPr>
+          <p:cNvPr id="2" name="图片 1"/>
+          <p:cNvPicPr>
+            <a:picLocks noChangeAspect="1"/>
+          </p:cNvPicPr>
+          <p:nvPr/>
+        </p:nvPicPr>
+        <p:blipFill>
+          <a:blip r:embed="rId3">
+            <a:extLst>
+              <a:ext uri="{28A0092B-C50C-407E-A947-70E740481C1C}">
+                <a14:useLocalDpi xmlns:a14="http://schemas.microsoft.com/office/drawing/2010/main" val="0"/>
+              </a:ext>
+            </a:extLst>
+          </a:blip>
+          <a:stretch>
+            <a:fillRect/>
+          </a:stretch>
+        </p:blipFill>
         <p:spPr>
           <a:xfrm>
-            <a:off x="576000" y="1476000"/>
-            <a:ext cx="8110800" cy="4011341"/>
+            <a:off x="571170" y="1176592"/>
+            <a:ext cx="7800975" cy="5216221"/>
           </a:xfrm>
+          <a:prstGeom prst="rect">
+            <a:avLst/>
+          </a:prstGeom>
         </p:spPr>
-        <p:txBody>
-          <a:bodyPr/>
-          <a:lstStyle/>
-          <a:p>
-            <a:pPr marL="228600" indent="-228600">
-              <a:lnSpc>
-                <a:spcPct val="140000"/>
-              </a:lnSpc>
-              <a:spcAft>
-                <a:spcPts val="600"/>
-              </a:spcAft>
-              <a:buFont typeface="+mj-lt"/>
-              <a:buAutoNum type="arabicPeriod"/>
-            </a:pPr>
-            <a:r>
-              <a:rPr lang="en-US" altLang="zh-CN" sz="2000" dirty="0" smtClean="0">
-                <a:latin typeface="宋体" panose="02010600030101010101" pitchFamily="2" charset="-122"/>
-                <a:ea typeface="宋体" panose="02010600030101010101" pitchFamily="2" charset="-122"/>
-              </a:rPr>
-              <a:t>EAP</a:t>
-            </a:r>
-            <a:r>
-              <a:rPr lang="zh-CN" altLang="en-US" sz="2000" dirty="0">
-                <a:latin typeface="宋体" panose="02010600030101010101" pitchFamily="2" charset="-122"/>
-                <a:ea typeface="宋体" panose="02010600030101010101" pitchFamily="2" charset="-122"/>
-              </a:rPr>
-              <a:t>主</a:t>
-            </a:r>
-            <a:r>
-              <a:rPr lang="zh-CN" altLang="en-US" sz="2000" dirty="0" smtClean="0">
-                <a:latin typeface="宋体" panose="02010600030101010101" pitchFamily="2" charset="-122"/>
-                <a:ea typeface="宋体" panose="02010600030101010101" pitchFamily="2" charset="-122"/>
-              </a:rPr>
-              <a:t>线程，控制</a:t>
-            </a:r>
-            <a:r>
-              <a:rPr lang="en-US" altLang="zh-CN" sz="2000" dirty="0" smtClean="0">
-                <a:latin typeface="宋体" panose="02010600030101010101" pitchFamily="2" charset="-122"/>
-                <a:ea typeface="宋体" panose="02010600030101010101" pitchFamily="2" charset="-122"/>
-              </a:rPr>
-              <a:t>EAP</a:t>
-            </a:r>
-            <a:r>
-              <a:rPr lang="zh-CN" altLang="en-US" sz="2000" dirty="0" smtClean="0">
-                <a:latin typeface="宋体" panose="02010600030101010101" pitchFamily="2" charset="-122"/>
-                <a:ea typeface="宋体" panose="02010600030101010101" pitchFamily="2" charset="-122"/>
-              </a:rPr>
-              <a:t>状态变化以及状态变化之后的操作</a:t>
-            </a:r>
-            <a:endParaRPr lang="en-US" altLang="zh-CN" sz="2000" dirty="0" smtClean="0">
-              <a:latin typeface="宋体" panose="02010600030101010101" pitchFamily="2" charset="-122"/>
-              <a:ea typeface="宋体" panose="02010600030101010101" pitchFamily="2" charset="-122"/>
-            </a:endParaRPr>
-          </a:p>
-          <a:p>
-            <a:pPr marL="228600" indent="-228600">
-              <a:lnSpc>
-                <a:spcPct val="140000"/>
-              </a:lnSpc>
-              <a:spcAft>
-                <a:spcPts val="600"/>
-              </a:spcAft>
-              <a:buFont typeface="+mj-lt"/>
-              <a:buAutoNum type="arabicPeriod"/>
-            </a:pPr>
-            <a:r>
-              <a:rPr lang="zh-CN" altLang="en-US" sz="2000" dirty="0" smtClean="0">
-                <a:latin typeface="宋体" panose="02010600030101010101" pitchFamily="2" charset="-122"/>
-                <a:ea typeface="宋体" panose="02010600030101010101" pitchFamily="2" charset="-122"/>
-              </a:rPr>
-              <a:t>广播线程，广播当前</a:t>
-            </a:r>
-            <a:r>
-              <a:rPr lang="zh-CN" altLang="en-US" sz="2000" dirty="0" smtClean="0">
-                <a:latin typeface="宋体" panose="02010600030101010101" pitchFamily="2" charset="-122"/>
-                <a:ea typeface="宋体" panose="02010600030101010101" pitchFamily="2" charset="-122"/>
-              </a:rPr>
-              <a:t>初始化成功的</a:t>
-            </a:r>
-            <a:r>
-              <a:rPr lang="en-US" altLang="zh-CN" sz="2000" dirty="0" smtClean="0">
-                <a:latin typeface="宋体" panose="02010600030101010101" pitchFamily="2" charset="-122"/>
-                <a:ea typeface="宋体" panose="02010600030101010101" pitchFamily="2" charset="-122"/>
-              </a:rPr>
-              <a:t>EAP</a:t>
-            </a:r>
-            <a:r>
-              <a:rPr lang="zh-CN" altLang="en-US" sz="2000" dirty="0" smtClean="0">
-                <a:latin typeface="宋体" panose="02010600030101010101" pitchFamily="2" charset="-122"/>
-                <a:ea typeface="宋体" panose="02010600030101010101" pitchFamily="2" charset="-122"/>
-              </a:rPr>
-              <a:t>的</a:t>
-            </a:r>
-            <a:r>
-              <a:rPr lang="en-US" altLang="zh-CN" sz="2000" dirty="0" smtClean="0">
-                <a:latin typeface="宋体" panose="02010600030101010101" pitchFamily="2" charset="-122"/>
-                <a:ea typeface="宋体" panose="02010600030101010101" pitchFamily="2" charset="-122"/>
-              </a:rPr>
-              <a:t>UDP</a:t>
-            </a:r>
-            <a:r>
-              <a:rPr lang="zh-CN" altLang="en-US" sz="2000" dirty="0" smtClean="0">
-                <a:latin typeface="宋体" panose="02010600030101010101" pitchFamily="2" charset="-122"/>
-                <a:ea typeface="宋体" panose="02010600030101010101" pitchFamily="2" charset="-122"/>
-              </a:rPr>
-              <a:t>广播报文，以让</a:t>
-            </a:r>
-            <a:r>
-              <a:rPr lang="en-US" altLang="zh-CN" sz="2000" dirty="0" smtClean="0">
-                <a:latin typeface="宋体" panose="02010600030101010101" pitchFamily="2" charset="-122"/>
-                <a:ea typeface="宋体" panose="02010600030101010101" pitchFamily="2" charset="-122"/>
-              </a:rPr>
-              <a:t>Controller</a:t>
-            </a:r>
-            <a:r>
-              <a:rPr lang="zh-CN" altLang="en-US" sz="2000" dirty="0" smtClean="0">
-                <a:latin typeface="宋体" panose="02010600030101010101" pitchFamily="2" charset="-122"/>
-                <a:ea typeface="宋体" panose="02010600030101010101" pitchFamily="2" charset="-122"/>
-              </a:rPr>
-              <a:t>接收并发现</a:t>
-            </a:r>
-            <a:r>
-              <a:rPr lang="en-US" altLang="zh-CN" sz="2000" dirty="0" smtClean="0">
-                <a:latin typeface="宋体" panose="02010600030101010101" pitchFamily="2" charset="-122"/>
-                <a:ea typeface="宋体" panose="02010600030101010101" pitchFamily="2" charset="-122"/>
-              </a:rPr>
-              <a:t>EAP</a:t>
-            </a:r>
-          </a:p>
-          <a:p>
-            <a:pPr marL="228600" indent="-228600">
-              <a:lnSpc>
-                <a:spcPct val="140000"/>
-              </a:lnSpc>
-              <a:spcAft>
-                <a:spcPts val="600"/>
-              </a:spcAft>
-              <a:buFont typeface="+mj-lt"/>
-              <a:buAutoNum type="arabicPeriod"/>
-            </a:pPr>
-            <a:r>
-              <a:rPr lang="zh-CN" altLang="en-US" sz="2000" dirty="0" smtClean="0">
-                <a:latin typeface="宋体" panose="02010600030101010101" pitchFamily="2" charset="-122"/>
-                <a:ea typeface="宋体" panose="02010600030101010101" pitchFamily="2" charset="-122"/>
-              </a:rPr>
-              <a:t>上报信息线程，发送与</a:t>
-            </a:r>
-            <a:r>
-              <a:rPr lang="en-US" altLang="zh-CN" sz="2000" dirty="0" smtClean="0">
-                <a:latin typeface="宋体" panose="02010600030101010101" pitchFamily="2" charset="-122"/>
-                <a:ea typeface="宋体" panose="02010600030101010101" pitchFamily="2" charset="-122"/>
-              </a:rPr>
-              <a:t>Controller</a:t>
-            </a:r>
-            <a:r>
-              <a:rPr lang="zh-CN" altLang="en-US" sz="2000" dirty="0" smtClean="0">
-                <a:latin typeface="宋体" panose="02010600030101010101" pitchFamily="2" charset="-122"/>
-                <a:ea typeface="宋体" panose="02010600030101010101" pitchFamily="2" charset="-122"/>
-              </a:rPr>
-              <a:t>连接成功的</a:t>
-            </a:r>
-            <a:r>
-              <a:rPr lang="en-US" altLang="zh-CN" sz="2000" dirty="0" smtClean="0">
-                <a:latin typeface="宋体" panose="02010600030101010101" pitchFamily="2" charset="-122"/>
-                <a:ea typeface="宋体" panose="02010600030101010101" pitchFamily="2" charset="-122"/>
-              </a:rPr>
-              <a:t>EAP</a:t>
-            </a:r>
-            <a:r>
-              <a:rPr lang="zh-CN" altLang="en-US" sz="2000" dirty="0" smtClean="0">
-                <a:latin typeface="宋体" panose="02010600030101010101" pitchFamily="2" charset="-122"/>
-                <a:ea typeface="宋体" panose="02010600030101010101" pitchFamily="2" charset="-122"/>
-              </a:rPr>
-              <a:t>的基本信息</a:t>
-            </a:r>
-            <a:endParaRPr lang="en-US" altLang="zh-CN" sz="2000" dirty="0" smtClean="0">
-              <a:latin typeface="宋体" panose="02010600030101010101" pitchFamily="2" charset="-122"/>
-              <a:ea typeface="宋体" panose="02010600030101010101" pitchFamily="2" charset="-122"/>
-            </a:endParaRPr>
-          </a:p>
-          <a:p>
-            <a:pPr marL="228600" indent="-228600">
-              <a:lnSpc>
-                <a:spcPct val="140000"/>
-              </a:lnSpc>
-              <a:spcAft>
-                <a:spcPts val="600"/>
-              </a:spcAft>
-              <a:buFont typeface="+mj-lt"/>
-              <a:buAutoNum type="arabicPeriod"/>
-            </a:pPr>
-            <a:r>
-              <a:rPr lang="en-US" altLang="zh-CN" sz="2000" dirty="0" err="1" smtClean="0">
-                <a:latin typeface="宋体" panose="02010600030101010101" pitchFamily="2" charset="-122"/>
-                <a:ea typeface="宋体" panose="02010600030101010101" pitchFamily="2" charset="-122"/>
-              </a:rPr>
-              <a:t>nioEventLoopGroup</a:t>
-            </a:r>
-            <a:r>
-              <a:rPr lang="zh-CN" altLang="en-US" sz="2000" dirty="0" smtClean="0">
-                <a:latin typeface="宋体" panose="02010600030101010101" pitchFamily="2" charset="-122"/>
-                <a:ea typeface="宋体" panose="02010600030101010101" pitchFamily="2" charset="-122"/>
-              </a:rPr>
-              <a:t>，</a:t>
-            </a:r>
-            <a:r>
-              <a:rPr lang="en-US" altLang="zh-CN" sz="2000" dirty="0" err="1" smtClean="0">
-                <a:latin typeface="宋体" panose="02010600030101010101" pitchFamily="2" charset="-122"/>
-                <a:ea typeface="宋体" panose="02010600030101010101" pitchFamily="2" charset="-122"/>
-              </a:rPr>
-              <a:t>Netty</a:t>
-            </a:r>
-            <a:r>
-              <a:rPr lang="zh-CN" altLang="en-US" sz="2000" dirty="0" smtClean="0">
-                <a:latin typeface="宋体" panose="02010600030101010101" pitchFamily="2" charset="-122"/>
-                <a:ea typeface="宋体" panose="02010600030101010101" pitchFamily="2" charset="-122"/>
-              </a:rPr>
-              <a:t>的网络处理线程</a:t>
-            </a:r>
-            <a:endParaRPr lang="en-US" altLang="zh-CN" sz="2000" dirty="0" smtClean="0">
-              <a:latin typeface="宋体" panose="02010600030101010101" pitchFamily="2" charset="-122"/>
-              <a:ea typeface="宋体" panose="02010600030101010101" pitchFamily="2" charset="-122"/>
-            </a:endParaRPr>
-          </a:p>
-        </p:txBody>
-      </p:sp>
+      </p:pic>
     </p:spTree>
     <p:extLst>
       <p:ext uri="{BB962C8B-B14F-4D97-AF65-F5344CB8AC3E}">
-        <p14:creationId xmlns:p14="http://schemas.microsoft.com/office/powerpoint/2010/main" val="869057896"/>
+        <p14:creationId xmlns:p14="http://schemas.microsoft.com/office/powerpoint/2010/main" val="3412896427"/>
       </p:ext>
     </p:extLst>
   </p:cSld>
@@ -10623,7 +11788,7 @@
 </p:sld>
 </file>
 
-<file path=ppt/slides/slide22.xml><?xml version="1.0" encoding="utf-8"?>
+<file path=ppt/slides/slide21.xml><?xml version="1.0" encoding="utf-8"?>
 <p:sld xmlns:a="http://schemas.openxmlformats.org/drawingml/2006/main" xmlns:r="http://schemas.openxmlformats.org/officeDocument/2006/relationships" xmlns:p="http://schemas.openxmlformats.org/presentationml/2006/main">
   <p:cSld>
     <p:spTree>
@@ -10653,11 +11818,13 @@
         <p:spPr>
           <a:xfrm>
             <a:off x="576000" y="1476001"/>
-            <a:ext cx="8110800" cy="2695166"/>
+            <a:ext cx="8110800" cy="2400674"/>
           </a:xfrm>
         </p:spPr>
         <p:txBody>
-          <a:bodyPr/>
+          <a:bodyPr>
+            <a:noAutofit/>
+          </a:bodyPr>
           <a:lstStyle/>
           <a:p>
             <a:pPr marL="228600" indent="-228600">
@@ -10682,14 +11849,7 @@
                 <a:latin typeface="宋体" panose="02010600030101010101" pitchFamily="2" charset="-122"/>
                 <a:ea typeface="宋体" panose="02010600030101010101" pitchFamily="2" charset="-122"/>
               </a:rPr>
-              <a:t>分包</a:t>
-            </a:r>
-            <a:r>
-              <a:rPr lang="zh-CN" altLang="en-US" sz="2000" dirty="0" smtClean="0">
-                <a:latin typeface="宋体" panose="02010600030101010101" pitchFamily="2" charset="-122"/>
-                <a:ea typeface="宋体" panose="02010600030101010101" pitchFamily="2" charset="-122"/>
-              </a:rPr>
-              <a:t>，粘包</a:t>
+              <a:t>分包，粘包</a:t>
             </a:r>
             <a:endParaRPr lang="en-US" altLang="zh-CN" sz="2000" dirty="0" smtClean="0">
               <a:latin typeface="宋体" panose="02010600030101010101" pitchFamily="2" charset="-122"/>
@@ -10712,7 +11872,7 @@
                 <a:latin typeface="宋体" panose="02010600030101010101" pitchFamily="2" charset="-122"/>
                 <a:ea typeface="宋体" panose="02010600030101010101" pitchFamily="2" charset="-122"/>
               </a:rPr>
-              <a:t>根据报文头部长度开辟字节</a:t>
+              <a:t>根据报文头部的长度信息开辟字节</a:t>
             </a:r>
             <a:r>
               <a:rPr lang="zh-CN" altLang="en-US" sz="1800" dirty="0">
@@ -10856,81 +12016,9 @@
                 <a:latin typeface="宋体" panose="02010600030101010101" pitchFamily="2" charset="-122"/>
                 <a:ea typeface="宋体" panose="02010600030101010101" pitchFamily="2" charset="-122"/>
               </a:rPr>
-              <a:t>端口</a:t>
+              <a:t>端口。</a:t>
             </a:r>
             <a:endParaRPr lang="en-US" altLang="zh-CN" sz="1800" dirty="0" smtClean="0">
-              <a:latin typeface="宋体" panose="02010600030101010101" pitchFamily="2" charset="-122"/>
-              <a:ea typeface="宋体" panose="02010600030101010101" pitchFamily="2" charset="-122"/>
-            </a:endParaRPr>
-          </a:p>
-          <a:p>
-            <a:pPr marL="576000" lvl="1" indent="-360000">
-              <a:lnSpc>
-                <a:spcPct val="140000"/>
-              </a:lnSpc>
-              <a:spcAft>
-                <a:spcPts val="600"/>
-              </a:spcAft>
-              <a:buFont typeface="Wingdings" panose="05000000000000000000" pitchFamily="2" charset="2"/>
-              <a:buChar char="l"/>
-            </a:pPr>
-            <a:r>
-              <a:rPr lang="zh-CN" altLang="en-US" sz="1800" dirty="0" smtClean="0">
-                <a:latin typeface="宋体" panose="02010600030101010101" pitchFamily="2" charset="-122"/>
-                <a:ea typeface="宋体" panose="02010600030101010101" pitchFamily="2" charset="-122"/>
-              </a:rPr>
-              <a:t>网络客户端中</a:t>
-            </a:r>
-            <a:r>
-              <a:rPr lang="zh-CN" altLang="en-US" sz="1800" dirty="0">
-                <a:latin typeface="宋体" panose="02010600030101010101" pitchFamily="2" charset="-122"/>
-                <a:ea typeface="宋体" panose="02010600030101010101" pitchFamily="2" charset="-122"/>
-              </a:rPr>
-              <a:t>有一个</a:t>
-            </a:r>
-            <a:r>
-              <a:rPr lang="en-US" altLang="zh-CN" sz="1800" dirty="0">
-                <a:latin typeface="宋体" panose="02010600030101010101" pitchFamily="2" charset="-122"/>
-                <a:ea typeface="宋体" panose="02010600030101010101" pitchFamily="2" charset="-122"/>
-              </a:rPr>
-              <a:t>Map</a:t>
-            </a:r>
-            <a:r>
-              <a:rPr lang="zh-CN" altLang="en-US" sz="1800" dirty="0">
-                <a:latin typeface="宋体" panose="02010600030101010101" pitchFamily="2" charset="-122"/>
-                <a:ea typeface="宋体" panose="02010600030101010101" pitchFamily="2" charset="-122"/>
-              </a:rPr>
-              <a:t>，可</a:t>
-            </a:r>
-            <a:r>
-              <a:rPr lang="zh-CN" altLang="en-US" sz="1800" dirty="0" smtClean="0">
-                <a:latin typeface="宋体" panose="02010600030101010101" pitchFamily="2" charset="-122"/>
-                <a:ea typeface="宋体" panose="02010600030101010101" pitchFamily="2" charset="-122"/>
-              </a:rPr>
-              <a:t>通过接收报文的端口</a:t>
-            </a:r>
-            <a:r>
-              <a:rPr lang="zh-CN" altLang="en-US" sz="1800" dirty="0">
-                <a:latin typeface="宋体" panose="02010600030101010101" pitchFamily="2" charset="-122"/>
-                <a:ea typeface="宋体" panose="02010600030101010101" pitchFamily="2" charset="-122"/>
-              </a:rPr>
-              <a:t>获得对应的</a:t>
-            </a:r>
-            <a:r>
-              <a:rPr lang="en-US" altLang="zh-CN" sz="1800" dirty="0">
-                <a:latin typeface="宋体" panose="02010600030101010101" pitchFamily="2" charset="-122"/>
-                <a:ea typeface="宋体" panose="02010600030101010101" pitchFamily="2" charset="-122"/>
-              </a:rPr>
-              <a:t>EAP</a:t>
-            </a:r>
-            <a:r>
-              <a:rPr lang="zh-CN" altLang="en-US" sz="1800" dirty="0">
-                <a:latin typeface="宋体" panose="02010600030101010101" pitchFamily="2" charset="-122"/>
-                <a:ea typeface="宋体" panose="02010600030101010101" pitchFamily="2" charset="-122"/>
-              </a:rPr>
-              <a:t>。</a:t>
-            </a:r>
-            <a:endParaRPr lang="en-US" altLang="zh-CN" sz="1800" dirty="0">
               <a:latin typeface="宋体" panose="02010600030101010101" pitchFamily="2" charset="-122"/>
               <a:ea typeface="宋体" panose="02010600030101010101" pitchFamily="2" charset="-122"/>
             </a:endParaRPr>
@@ -11006,14 +12094,14 @@
           <p:nvPr/>
         </p:nvPicPr>
         <p:blipFill>
-          <a:blip r:embed="rId2"/>
+          <a:blip r:embed="rId3"/>
           <a:stretch>
             <a:fillRect/>
           </a:stretch>
         </p:blipFill>
         <p:spPr>
           <a:xfrm>
-            <a:off x="1943099" y="4171167"/>
+            <a:off x="2635558" y="4039287"/>
             <a:ext cx="4700335" cy="2307412"/>
           </a:xfrm>
           <a:prstGeom prst="rect">
@@ -11021,6 +12109,104 @@
           </a:prstGeom>
         </p:spPr>
       </p:pic>
+      <p:sp>
+        <p:nvSpPr>
+          <p:cNvPr id="4" name="文本框 3"/>
+          <p:cNvSpPr txBox="1"/>
+          <p:nvPr/>
+        </p:nvSpPr>
+        <p:spPr>
+          <a:xfrm>
+            <a:off x="1158451" y="4756642"/>
+            <a:ext cx="1362808" cy="1234953"/>
+          </a:xfrm>
+          <a:prstGeom prst="rect">
+            <a:avLst/>
+          </a:prstGeom>
+          <a:noFill/>
+        </p:spPr>
+        <p:txBody>
+          <a:bodyPr wrap="square" rtlCol="0">
+            <a:spAutoFit/>
+          </a:bodyPr>
+          <a:lstStyle/>
+          <a:p>
+            <a:pPr marL="0" indent="0">
+              <a:lnSpc>
+                <a:spcPct val="120000"/>
+              </a:lnSpc>
+              <a:buFont typeface="Arial"/>
+              <a:buNone/>
+            </a:pPr>
+            <a:r>
+              <a:rPr lang="en-US" altLang="zh-CN" sz="1600" i="1" dirty="0" smtClean="0">
+                <a:solidFill>
+                  <a:srgbClr val="3EB8BE"/>
+                </a:solidFill>
+                <a:latin typeface="宋体" panose="02010600030101010101" pitchFamily="2" charset="-122"/>
+                <a:ea typeface="宋体" panose="02010600030101010101" pitchFamily="2" charset="-122"/>
+                <a:cs typeface="Arial"/>
+              </a:rPr>
+              <a:t>Adopt</a:t>
+            </a:r>
+            <a:r>
+              <a:rPr lang="zh-CN" altLang="en-US" sz="1600" i="1" dirty="0">
+                <a:solidFill>
+                  <a:srgbClr val="3EB8BE"/>
+                </a:solidFill>
+                <a:latin typeface="宋体" panose="02010600030101010101" pitchFamily="2" charset="-122"/>
+                <a:ea typeface="宋体" panose="02010600030101010101" pitchFamily="2" charset="-122"/>
+                <a:cs typeface="Arial"/>
+              </a:rPr>
+              <a:t>、</a:t>
+            </a:r>
+            <a:r>
+              <a:rPr lang="en-US" altLang="zh-CN" sz="1600" i="1" dirty="0" smtClean="0">
+                <a:solidFill>
+                  <a:srgbClr val="3EB8BE"/>
+                </a:solidFill>
+                <a:latin typeface="宋体" panose="02010600030101010101" pitchFamily="2" charset="-122"/>
+                <a:ea typeface="宋体" panose="02010600030101010101" pitchFamily="2" charset="-122"/>
+                <a:cs typeface="Arial"/>
+              </a:rPr>
+              <a:t>Manage</a:t>
+            </a:r>
+            <a:r>
+              <a:rPr lang="zh-CN" altLang="en-US" sz="1600" i="1" dirty="0" smtClean="0">
+                <a:solidFill>
+                  <a:srgbClr val="3EB8BE"/>
+                </a:solidFill>
+                <a:latin typeface="宋体" panose="02010600030101010101" pitchFamily="2" charset="-122"/>
+                <a:ea typeface="宋体" panose="02010600030101010101" pitchFamily="2" charset="-122"/>
+                <a:cs typeface="Arial"/>
+              </a:rPr>
+              <a:t>状态，</a:t>
+            </a:r>
+            <a:r>
+              <a:rPr lang="en-US" altLang="zh-CN" sz="1600" i="1" dirty="0" smtClean="0">
+                <a:solidFill>
+                  <a:srgbClr val="3EB8BE"/>
+                </a:solidFill>
+                <a:latin typeface="宋体" panose="02010600030101010101" pitchFamily="2" charset="-122"/>
+                <a:ea typeface="宋体" panose="02010600030101010101" pitchFamily="2" charset="-122"/>
+                <a:cs typeface="Arial"/>
+              </a:rPr>
+              <a:t>EAP</a:t>
+            </a:r>
+            <a:r>
+              <a:rPr lang="zh-CN" altLang="en-US" sz="1600" i="1" dirty="0" smtClean="0">
+                <a:solidFill>
+                  <a:srgbClr val="3EB8BE"/>
+                </a:solidFill>
+                <a:latin typeface="宋体" panose="02010600030101010101" pitchFamily="2" charset="-122"/>
+                <a:ea typeface="宋体" panose="02010600030101010101" pitchFamily="2" charset="-122"/>
+                <a:cs typeface="Arial"/>
+              </a:rPr>
+              <a:t>和端口号一一对应。</a:t>
+            </a:r>
+          </a:p>
+        </p:txBody>
+      </p:sp>
     </p:spTree>
     <p:extLst>
       <p:ext uri="{BB962C8B-B14F-4D97-AF65-F5344CB8AC3E}">
@@ -11044,7 +12230,7 @@
 </p:sld>
 </file>
 
-<file path=ppt/slides/slide23.xml><?xml version="1.0" encoding="utf-8"?>
+<file path=ppt/slides/slide22.xml><?xml version="1.0" encoding="utf-8"?>
 <p:sld xmlns:a="http://schemas.openxmlformats.org/drawingml/2006/main" xmlns:r="http://schemas.openxmlformats.org/officeDocument/2006/relationships" xmlns:p="http://schemas.openxmlformats.org/presentationml/2006/main">
   <p:cSld>
     <p:spTree>
@@ -11416,7 +12602,7 @@
 </p:sld>
 </file>
 
-<file path=ppt/slides/slide24.xml><?xml version="1.0" encoding="utf-8"?>
+<file path=ppt/slides/slide23.xml><?xml version="1.0" encoding="utf-8"?>
 <p:sld xmlns:a="http://schemas.openxmlformats.org/drawingml/2006/main" xmlns:r="http://schemas.openxmlformats.org/officeDocument/2006/relationships" xmlns:p="http://schemas.openxmlformats.org/presentationml/2006/main">
   <p:cSld>
     <p:spTree>
@@ -11445,8 +12631,8 @@
         </p:nvSpPr>
         <p:spPr>
           <a:xfrm>
-            <a:off x="576000" y="1476000"/>
-            <a:ext cx="3388884" cy="2602549"/>
+            <a:off x="576000" y="1476001"/>
+            <a:ext cx="3388884" cy="2215556"/>
           </a:xfrm>
         </p:spPr>
         <p:txBody>
@@ -11469,7 +12655,7 @@
               </a:rPr>
               <a:t>测试项：</a:t>
             </a:r>
-            <a:endParaRPr lang="en-US" altLang="zh-CN" sz="2000" dirty="0">
+            <a:endParaRPr lang="en-US" altLang="zh-CN" sz="1800" dirty="0" smtClean="0">
               <a:latin typeface="宋体" panose="02010600030101010101" pitchFamily="2" charset="-122"/>
               <a:ea typeface="宋体" panose="02010600030101010101" pitchFamily="2" charset="-122"/>
             </a:endParaRPr>
@@ -11543,14 +12729,7 @@
                 <a:latin typeface="宋体" panose="02010600030101010101" pitchFamily="2" charset="-122"/>
                 <a:ea typeface="宋体" panose="02010600030101010101" pitchFamily="2" charset="-122"/>
               </a:rPr>
-              <a:t>连接</a:t>
-            </a:r>
-            <a:r>
-              <a:rPr lang="zh-CN" altLang="en-US" sz="1800" dirty="0" smtClean="0">
-                <a:latin typeface="宋体" panose="02010600030101010101" pitchFamily="2" charset="-122"/>
-                <a:ea typeface="宋体" panose="02010600030101010101" pitchFamily="2" charset="-122"/>
-              </a:rPr>
-              <a:t>稳定性</a:t>
+              <a:t>连接稳定性</a:t>
             </a:r>
             <a:endParaRPr lang="en-US" altLang="zh-CN" sz="1800" dirty="0" smtClean="0">
               <a:latin typeface="宋体" panose="02010600030101010101" pitchFamily="2" charset="-122"/>
@@ -11567,7 +12746,7 @@
         </p:nvGrpSpPr>
         <p:grpSpPr>
           <a:xfrm>
-            <a:off x="1123684" y="4078550"/>
+            <a:off x="1123684" y="3998648"/>
             <a:ext cx="7010602" cy="2430078"/>
             <a:chOff x="918374" y="1250448"/>
             <a:chExt cx="7010602" cy="2430078"/>
@@ -11735,12 +12914,18 @@
             <a:p>
               <a:r>
                 <a:rPr lang="zh-CN" altLang="en-US" sz="2000" dirty="0" smtClean="0">
+                  <a:solidFill>
+                    <a:srgbClr val="3EB8BE"/>
+                  </a:solidFill>
                   <a:latin typeface="宋体" panose="02010600030101010101" pitchFamily="2" charset="-122"/>
                   <a:ea typeface="宋体" panose="02010600030101010101" pitchFamily="2" charset="-122"/>
                 </a:rPr>
                 <a:t>测试拓扑图</a:t>
               </a:r>
               <a:endParaRPr lang="zh-CN" altLang="en-US" sz="2000" dirty="0">
+                <a:solidFill>
+                  <a:srgbClr val="3EB8BE"/>
+                </a:solidFill>
                 <a:latin typeface="宋体" panose="02010600030101010101" pitchFamily="2" charset="-122"/>
                 <a:ea typeface="宋体" panose="02010600030101010101" pitchFamily="2" charset="-122"/>
               </a:endParaRPr>
@@ -11961,7 +13146,7 @@
 </p:sld>
 </file>
 
-<file path=ppt/slides/slide25.xml><?xml version="1.0" encoding="utf-8"?>
+<file path=ppt/slides/slide24.xml><?xml version="1.0" encoding="utf-8"?>
 <p:sld xmlns:a="http://schemas.openxmlformats.org/drawingml/2006/main" xmlns:r="http://schemas.openxmlformats.org/officeDocument/2006/relationships" xmlns:p="http://schemas.openxmlformats.org/presentationml/2006/main">
   <p:cSld>
     <p:spTree>
@@ -12007,64 +13192,75 @@
               </a:spcAft>
             </a:pPr>
             <a:r>
+              <a:rPr lang="zh-CN" altLang="en-US" sz="2000" dirty="0" smtClean="0">
+                <a:latin typeface="宋体" panose="02010600030101010101" pitchFamily="2" charset="-122"/>
+                <a:ea typeface="宋体" panose="02010600030101010101" pitchFamily="2" charset="-122"/>
+              </a:rPr>
+              <a:t>连接数：</a:t>
+            </a:r>
+            <a:r>
               <a:rPr lang="en-US" altLang="zh-CN" sz="2000" dirty="0" smtClean="0">
                 <a:latin typeface="宋体" panose="02010600030101010101" pitchFamily="2" charset="-122"/>
                 <a:ea typeface="宋体" panose="02010600030101010101" pitchFamily="2" charset="-122"/>
               </a:rPr>
-              <a:t>JVM</a:t>
+              <a:t>500</a:t>
             </a:r>
             <a:r>
               <a:rPr lang="zh-CN" altLang="en-US" sz="2000" dirty="0" smtClean="0">
                 <a:latin typeface="宋体" panose="02010600030101010101" pitchFamily="2" charset="-122"/>
                 <a:ea typeface="宋体" panose="02010600030101010101" pitchFamily="2" charset="-122"/>
               </a:rPr>
-              <a:t>占用内存为</a:t>
-            </a:r>
-            <a:r>
-              <a:rPr lang="en-US" altLang="zh-CN" sz="2000" dirty="0" smtClean="0">
-                <a:latin typeface="宋体" panose="02010600030101010101" pitchFamily="2" charset="-122"/>
-                <a:ea typeface="宋体" panose="02010600030101010101" pitchFamily="2" charset="-122"/>
-              </a:rPr>
-              <a:t>1GB</a:t>
-            </a:r>
-            <a:r>
-              <a:rPr lang="zh-CN" altLang="en-US" sz="2000" dirty="0" smtClean="0">
-                <a:latin typeface="宋体" panose="02010600030101010101" pitchFamily="2" charset="-122"/>
-                <a:ea typeface="宋体" panose="02010600030101010101" pitchFamily="2" charset="-122"/>
-              </a:rPr>
-              <a:t>左右</a:t>
+              <a:t>台</a:t>
             </a:r>
             <a:endParaRPr lang="en-US" altLang="zh-CN" sz="2000" dirty="0" smtClean="0">
               <a:latin typeface="宋体" panose="02010600030101010101" pitchFamily="2" charset="-122"/>
               <a:ea typeface="宋体" panose="02010600030101010101" pitchFamily="2" charset="-122"/>
             </a:endParaRPr>
           </a:p>
+          <a:p>
+            <a:pPr>
+              <a:lnSpc>
+                <a:spcPct val="140000"/>
+              </a:lnSpc>
+              <a:spcAft>
+                <a:spcPts val="600"/>
+              </a:spcAft>
+            </a:pPr>
+            <a:r>
+              <a:rPr lang="en-US" altLang="zh-CN" sz="2000" dirty="0" smtClean="0">
+                <a:latin typeface="宋体" panose="02010600030101010101" pitchFamily="2" charset="-122"/>
+                <a:ea typeface="宋体" panose="02010600030101010101" pitchFamily="2" charset="-122"/>
+              </a:rPr>
+              <a:t>JVM</a:t>
+            </a:r>
+            <a:r>
+              <a:rPr lang="zh-CN" altLang="en-US" sz="2000" dirty="0" smtClean="0">
+                <a:latin typeface="宋体" panose="02010600030101010101" pitchFamily="2" charset="-122"/>
+                <a:ea typeface="宋体" panose="02010600030101010101" pitchFamily="2" charset="-122"/>
+              </a:rPr>
+              <a:t>占用内存为</a:t>
+            </a:r>
+            <a:r>
+              <a:rPr lang="en-US" altLang="zh-CN" sz="2000" dirty="0" smtClean="0">
+                <a:latin typeface="宋体" panose="02010600030101010101" pitchFamily="2" charset="-122"/>
+                <a:ea typeface="宋体" panose="02010600030101010101" pitchFamily="2" charset="-122"/>
+              </a:rPr>
+              <a:t>1GB</a:t>
+            </a:r>
+            <a:r>
+              <a:rPr lang="zh-CN" altLang="en-US" sz="2000" dirty="0" smtClean="0">
+                <a:latin typeface="宋体" panose="02010600030101010101" pitchFamily="2" charset="-122"/>
+                <a:ea typeface="宋体" panose="02010600030101010101" pitchFamily="2" charset="-122"/>
+              </a:rPr>
+              <a:t>左右</a:t>
+            </a:r>
+            <a:endParaRPr lang="en-US" altLang="zh-CN" sz="2000" dirty="0" smtClean="0">
+              <a:latin typeface="宋体" panose="02010600030101010101" pitchFamily="2" charset="-122"/>
+              <a:ea typeface="宋体" panose="02010600030101010101" pitchFamily="2" charset="-122"/>
+            </a:endParaRPr>
+          </a:p>
         </p:txBody>
       </p:sp>
-      <p:pic>
-        <p:nvPicPr>
-          <p:cNvPr id="9" name="图片 8"/>
-          <p:cNvPicPr>
-            <a:picLocks noChangeAspect="1"/>
-          </p:cNvPicPr>
-          <p:nvPr/>
-        </p:nvPicPr>
-        <p:blipFill>
-          <a:blip r:embed="rId2"/>
-          <a:stretch>
-            <a:fillRect/>
-          </a:stretch>
-        </p:blipFill>
-        <p:spPr>
-          <a:xfrm>
-            <a:off x="3819525" y="1311710"/>
-            <a:ext cx="4991100" cy="4533900"/>
-          </a:xfrm>
-          <a:prstGeom prst="rect">
-            <a:avLst/>
-          </a:prstGeom>
-        </p:spPr>
-      </p:pic>
       <p:sp>
         <p:nvSpPr>
           <p:cNvPr id="7" name="标题 3"/>
@@ -12125,6 +13321,30 @@
           </a:p>
         </p:txBody>
       </p:sp>
+      <p:pic>
+        <p:nvPicPr>
+          <p:cNvPr id="2" name="图片 1"/>
+          <p:cNvPicPr>
+            <a:picLocks noChangeAspect="1"/>
+          </p:cNvPicPr>
+          <p:nvPr/>
+        </p:nvPicPr>
+        <p:blipFill>
+          <a:blip r:embed="rId3"/>
+          <a:stretch>
+            <a:fillRect/>
+          </a:stretch>
+        </p:blipFill>
+        <p:spPr>
+          <a:xfrm>
+            <a:off x="3924300" y="1476000"/>
+            <a:ext cx="4762500" cy="4038600"/>
+          </a:xfrm>
+          <a:prstGeom prst="rect">
+            <a:avLst/>
+          </a:prstGeom>
+        </p:spPr>
+      </p:pic>
     </p:spTree>
     <p:extLst>
       <p:ext uri="{BB962C8B-B14F-4D97-AF65-F5344CB8AC3E}">
@@ -12148,7 +13368,7 @@
 </p:sld>
 </file>
 
-<file path=ppt/slides/slide26.xml><?xml version="1.0" encoding="utf-8"?>
+<file path=ppt/slides/slide25.xml><?xml version="1.0" encoding="utf-8"?>
 <p:sld xmlns:a="http://schemas.openxmlformats.org/drawingml/2006/main" xmlns:r="http://schemas.openxmlformats.org/officeDocument/2006/relationships" xmlns:p="http://schemas.openxmlformats.org/presentationml/2006/main">
   <p:cSld>
     <p:spTree>
@@ -12178,7 +13398,7 @@
         <p:spPr>
           <a:xfrm>
             <a:off x="576000" y="1476000"/>
-            <a:ext cx="3326673" cy="4011341"/>
+            <a:ext cx="2614875" cy="4011341"/>
           </a:xfrm>
         </p:spPr>
         <p:txBody>
@@ -12194,201 +13414,75 @@
               </a:spcAft>
             </a:pPr>
             <a:r>
+              <a:rPr lang="zh-CN" altLang="en-US" sz="2000" dirty="0">
+                <a:latin typeface="宋体" panose="02010600030101010101" pitchFamily="2" charset="-122"/>
+                <a:ea typeface="宋体" panose="02010600030101010101" pitchFamily="2" charset="-122"/>
+              </a:rPr>
+              <a:t>连接数：</a:t>
+            </a:r>
+            <a:r>
+              <a:rPr lang="en-US" altLang="zh-CN" sz="2000" dirty="0">
+                <a:latin typeface="宋体" panose="02010600030101010101" pitchFamily="2" charset="-122"/>
+                <a:ea typeface="宋体" panose="02010600030101010101" pitchFamily="2" charset="-122"/>
+              </a:rPr>
+              <a:t>500</a:t>
+            </a:r>
+            <a:r>
               <a:rPr lang="zh-CN" altLang="en-US" sz="2000" dirty="0" smtClean="0">
                 <a:latin typeface="宋体" panose="02010600030101010101" pitchFamily="2" charset="-122"/>
                 <a:ea typeface="宋体" panose="02010600030101010101" pitchFamily="2" charset="-122"/>
               </a:rPr>
-              <a:t>实时线程数目</a:t>
-            </a:r>
-            <a:r>
-              <a:rPr lang="en-US" altLang="zh-CN" sz="2000" dirty="0" smtClean="0">
-                <a:latin typeface="宋体" panose="02010600030101010101" pitchFamily="2" charset="-122"/>
-                <a:ea typeface="宋体" panose="02010600030101010101" pitchFamily="2" charset="-122"/>
-              </a:rPr>
-              <a:t>667</a:t>
-            </a:r>
-          </a:p>
-          <a:p>
-            <a:pPr marL="576000" lvl="1" indent="-360000">
+              <a:t>台</a:t>
+            </a:r>
+            <a:endParaRPr lang="en-US" altLang="zh-CN" sz="2000" dirty="0" smtClean="0">
+              <a:latin typeface="宋体" panose="02010600030101010101" pitchFamily="2" charset="-122"/>
+              <a:ea typeface="宋体" panose="02010600030101010101" pitchFamily="2" charset="-122"/>
+            </a:endParaRPr>
+          </a:p>
+          <a:p>
+            <a:pPr>
               <a:lnSpc>
                 <a:spcPct val="140000"/>
               </a:lnSpc>
               <a:spcAft>
                 <a:spcPts val="600"/>
               </a:spcAft>
-              <a:buFont typeface="Wingdings" panose="05000000000000000000" pitchFamily="2" charset="2"/>
-              <a:buChar char="l"/>
             </a:pPr>
             <a:r>
-              <a:rPr lang="en-US" altLang="zh-CN" sz="1800" dirty="0" smtClean="0">
+              <a:rPr lang="zh-CN" altLang="en-US" sz="2000" dirty="0" smtClean="0">
                 <a:latin typeface="宋体" panose="02010600030101010101" pitchFamily="2" charset="-122"/>
                 <a:ea typeface="宋体" panose="02010600030101010101" pitchFamily="2" charset="-122"/>
               </a:rPr>
-              <a:t>EAP</a:t>
-            </a:r>
-            <a:r>
-              <a:rPr lang="zh-CN" altLang="en-US" sz="1800" dirty="0" smtClean="0">
+              <a:t>实时</a:t>
+            </a:r>
+            <a:r>
+              <a:rPr lang="zh-CN" altLang="en-US" sz="2000" dirty="0" smtClean="0">
                 <a:latin typeface="宋体" panose="02010600030101010101" pitchFamily="2" charset="-122"/>
                 <a:ea typeface="宋体" panose="02010600030101010101" pitchFamily="2" charset="-122"/>
               </a:rPr>
-              <a:t>主线程：</a:t>
-            </a:r>
-            <a:r>
-              <a:rPr lang="en-US" altLang="zh-CN" sz="1800" dirty="0" smtClean="0">
+              <a:t>线程</a:t>
+            </a:r>
+            <a:r>
+              <a:rPr lang="zh-CN" altLang="en-US" sz="2000" dirty="0" smtClean="0">
                 <a:latin typeface="宋体" panose="02010600030101010101" pitchFamily="2" charset="-122"/>
                 <a:ea typeface="宋体" panose="02010600030101010101" pitchFamily="2" charset="-122"/>
               </a:rPr>
-              <a:t>600</a:t>
-            </a:r>
-          </a:p>
-          <a:p>
-            <a:pPr marL="576000" lvl="1" indent="-360000">
-              <a:lnSpc>
-                <a:spcPct val="140000"/>
-              </a:lnSpc>
-              <a:spcAft>
-                <a:spcPts val="600"/>
-              </a:spcAft>
-              <a:buFont typeface="Wingdings" panose="05000000000000000000" pitchFamily="2" charset="2"/>
-              <a:buChar char="l"/>
-            </a:pPr>
-            <a:r>
-              <a:rPr lang="zh-CN" altLang="en-US" sz="1800" dirty="0" smtClean="0">
+              <a:t>数目</a:t>
+            </a:r>
+            <a:r>
+              <a:rPr lang="en-US" altLang="zh-CN" sz="2000" dirty="0" smtClean="0">
                 <a:latin typeface="宋体" panose="02010600030101010101" pitchFamily="2" charset="-122"/>
                 <a:ea typeface="宋体" panose="02010600030101010101" pitchFamily="2" charset="-122"/>
               </a:rPr>
-              <a:t>广播线程：</a:t>
-            </a:r>
-            <a:r>
-              <a:rPr lang="en-US" altLang="zh-CN" sz="1800" dirty="0" smtClean="0">
-                <a:latin typeface="宋体" panose="02010600030101010101" pitchFamily="2" charset="-122"/>
-                <a:ea typeface="宋体" panose="02010600030101010101" pitchFamily="2" charset="-122"/>
-              </a:rPr>
-              <a:t>	1</a:t>
-            </a:r>
-          </a:p>
-          <a:p>
-            <a:pPr marL="576000" lvl="1" indent="-360000">
-              <a:lnSpc>
-                <a:spcPct val="140000"/>
-              </a:lnSpc>
-              <a:spcAft>
-                <a:spcPts val="600"/>
-              </a:spcAft>
-              <a:buFont typeface="Wingdings" panose="05000000000000000000" pitchFamily="2" charset="2"/>
-              <a:buChar char="l"/>
-            </a:pPr>
-            <a:r>
-              <a:rPr lang="zh-CN" altLang="en-US" sz="1800" dirty="0" smtClean="0">
-                <a:latin typeface="宋体" panose="02010600030101010101" pitchFamily="2" charset="-122"/>
-                <a:ea typeface="宋体" panose="02010600030101010101" pitchFamily="2" charset="-122"/>
-              </a:rPr>
-              <a:t>报信线程：</a:t>
-            </a:r>
-            <a:r>
-              <a:rPr lang="en-US" altLang="zh-CN" sz="1800" dirty="0" smtClean="0">
-                <a:latin typeface="宋体" panose="02010600030101010101" pitchFamily="2" charset="-122"/>
-                <a:ea typeface="宋体" panose="02010600030101010101" pitchFamily="2" charset="-122"/>
-              </a:rPr>
-              <a:t>	1</a:t>
-            </a:r>
-          </a:p>
-          <a:p>
-            <a:pPr marL="576000" lvl="1" indent="-360000">
-              <a:lnSpc>
-                <a:spcPct val="140000"/>
-              </a:lnSpc>
-              <a:spcAft>
-                <a:spcPts val="600"/>
-              </a:spcAft>
-              <a:buFont typeface="Wingdings" panose="05000000000000000000" pitchFamily="2" charset="2"/>
-              <a:buChar char="l"/>
-            </a:pPr>
-            <a:r>
-              <a:rPr lang="en-US" altLang="zh-CN" sz="1800" dirty="0" err="1" smtClean="0">
-                <a:latin typeface="宋体" panose="02010600030101010101" pitchFamily="2" charset="-122"/>
-                <a:ea typeface="宋体" panose="02010600030101010101" pitchFamily="2" charset="-122"/>
-              </a:rPr>
-              <a:t>Netty</a:t>
-            </a:r>
-            <a:r>
-              <a:rPr lang="zh-CN" altLang="en-US" sz="1800" dirty="0" smtClean="0">
-                <a:latin typeface="宋体" panose="02010600030101010101" pitchFamily="2" charset="-122"/>
-                <a:ea typeface="宋体" panose="02010600030101010101" pitchFamily="2" charset="-122"/>
-              </a:rPr>
-              <a:t>线程：</a:t>
-            </a:r>
-            <a:r>
-              <a:rPr lang="en-US" altLang="zh-CN" sz="1800" dirty="0" smtClean="0">
-                <a:latin typeface="宋体" panose="02010600030101010101" pitchFamily="2" charset="-122"/>
-                <a:ea typeface="宋体" panose="02010600030101010101" pitchFamily="2" charset="-122"/>
-              </a:rPr>
-              <a:t>9</a:t>
-            </a:r>
-          </a:p>
-          <a:p>
-            <a:pPr marL="576000" lvl="1" indent="-360000">
-              <a:lnSpc>
-                <a:spcPct val="140000"/>
-              </a:lnSpc>
-              <a:spcAft>
-                <a:spcPts val="600"/>
-              </a:spcAft>
-              <a:buFont typeface="Wingdings" panose="05000000000000000000" pitchFamily="2" charset="2"/>
-              <a:buChar char="l"/>
-            </a:pPr>
-            <a:r>
-              <a:rPr lang="zh-CN" altLang="en-US" sz="1800" dirty="0" smtClean="0">
-                <a:latin typeface="宋体" panose="02010600030101010101" pitchFamily="2" charset="-122"/>
-                <a:ea typeface="宋体" panose="02010600030101010101" pitchFamily="2" charset="-122"/>
-              </a:rPr>
-              <a:t>其它是</a:t>
-            </a:r>
-            <a:r>
-              <a:rPr lang="en-US" altLang="zh-CN" sz="1800" dirty="0" smtClean="0">
-                <a:latin typeface="宋体" panose="02010600030101010101" pitchFamily="2" charset="-122"/>
-                <a:ea typeface="宋体" panose="02010600030101010101" pitchFamily="2" charset="-122"/>
-              </a:rPr>
-              <a:t>Tomcat</a:t>
-            </a:r>
-            <a:r>
-              <a:rPr lang="zh-CN" altLang="en-US" sz="1800" dirty="0" smtClean="0">
-                <a:latin typeface="宋体" panose="02010600030101010101" pitchFamily="2" charset="-122"/>
-                <a:ea typeface="宋体" panose="02010600030101010101" pitchFamily="2" charset="-122"/>
-              </a:rPr>
-              <a:t>的线程</a:t>
-            </a:r>
-            <a:endParaRPr lang="en-US" altLang="zh-CN" sz="1800" dirty="0">
+              <a:t>563</a:t>
+            </a:r>
+            <a:endParaRPr lang="en-US" altLang="zh-CN" sz="2000" dirty="0" smtClean="0">
               <a:latin typeface="宋体" panose="02010600030101010101" pitchFamily="2" charset="-122"/>
               <a:ea typeface="宋体" panose="02010600030101010101" pitchFamily="2" charset="-122"/>
             </a:endParaRPr>
           </a:p>
         </p:txBody>
       </p:sp>
-      <p:pic>
-        <p:nvPicPr>
-          <p:cNvPr id="3" name="图片 2"/>
-          <p:cNvPicPr>
-            <a:picLocks noChangeAspect="1"/>
-          </p:cNvPicPr>
-          <p:nvPr/>
-        </p:nvPicPr>
-        <p:blipFill>
-          <a:blip r:embed="rId3"/>
-          <a:stretch>
-            <a:fillRect/>
-          </a:stretch>
-        </p:blipFill>
-        <p:spPr>
-          <a:xfrm>
-            <a:off x="3914775" y="1349810"/>
-            <a:ext cx="4943475" cy="4495800"/>
-          </a:xfrm>
-          <a:prstGeom prst="rect">
-            <a:avLst/>
-          </a:prstGeom>
-        </p:spPr>
-      </p:pic>
       <p:sp>
         <p:nvSpPr>
           <p:cNvPr id="7" name="标题 3"/>
@@ -12449,6 +13543,30 @@
           </a:p>
         </p:txBody>
       </p:sp>
+      <p:pic>
+        <p:nvPicPr>
+          <p:cNvPr id="2" name="图片 1"/>
+          <p:cNvPicPr>
+            <a:picLocks noChangeAspect="1"/>
+          </p:cNvPicPr>
+          <p:nvPr/>
+        </p:nvPicPr>
+        <p:blipFill>
+          <a:blip r:embed="rId3"/>
+          <a:stretch>
+            <a:fillRect/>
+          </a:stretch>
+        </p:blipFill>
+        <p:spPr>
+          <a:xfrm>
+            <a:off x="3190875" y="1381407"/>
+            <a:ext cx="5953125" cy="4200525"/>
+          </a:xfrm>
+          <a:prstGeom prst="rect">
+            <a:avLst/>
+          </a:prstGeom>
+        </p:spPr>
+      </p:pic>
     </p:spTree>
     <p:extLst>
       <p:ext uri="{BB962C8B-B14F-4D97-AF65-F5344CB8AC3E}">
@@ -12472,7 +13590,7 @@
 </p:sld>
 </file>
 
-<file path=ppt/slides/slide27.xml><?xml version="1.0" encoding="utf-8"?>
+<file path=ppt/slides/slide26.xml><?xml version="1.0" encoding="utf-8"?>
 <p:sld xmlns:a="http://schemas.openxmlformats.org/drawingml/2006/main" xmlns:r="http://schemas.openxmlformats.org/officeDocument/2006/relationships" xmlns:p="http://schemas.openxmlformats.org/presentationml/2006/main">
   <p:cSld>
     <p:spTree>
@@ -12502,7 +13620,7 @@
         <p:spPr>
           <a:xfrm>
             <a:off x="576000" y="1476000"/>
-            <a:ext cx="4418406" cy="4586597"/>
+            <a:ext cx="3396019" cy="4586597"/>
           </a:xfrm>
         </p:spPr>
         <p:txBody>
@@ -12624,32 +13742,6 @@
           </a:p>
         </p:txBody>
       </p:sp>
-      <p:pic>
-        <p:nvPicPr>
-          <p:cNvPr id="5" name="内容占位符 4"/>
-          <p:cNvPicPr>
-            <a:picLocks noGrp="1" noChangeAspect="1"/>
-          </p:cNvPicPr>
-          <p:nvPr>
-            <p:ph sz="quarter" idx="15"/>
-          </p:nvPr>
-        </p:nvPicPr>
-        <p:blipFill>
-          <a:blip r:embed="rId2"/>
-          <a:stretch>
-            <a:fillRect/>
-          </a:stretch>
-        </p:blipFill>
-        <p:spPr>
-          <a:xfrm>
-            <a:off x="4979087" y="1986199"/>
-            <a:ext cx="3958234" cy="3634035"/>
-          </a:xfrm>
-          <a:prstGeom prst="rect">
-            <a:avLst/>
-          </a:prstGeom>
-        </p:spPr>
-      </p:pic>
       <p:sp>
         <p:nvSpPr>
           <p:cNvPr id="7" name="标题 3"/>
@@ -12710,6 +13802,30 @@
           </a:p>
         </p:txBody>
       </p:sp>
+      <p:pic>
+        <p:nvPicPr>
+          <p:cNvPr id="2" name="图片 1"/>
+          <p:cNvPicPr>
+            <a:picLocks noChangeAspect="1"/>
+          </p:cNvPicPr>
+          <p:nvPr/>
+        </p:nvPicPr>
+        <p:blipFill>
+          <a:blip r:embed="rId2"/>
+          <a:stretch>
+            <a:fillRect/>
+          </a:stretch>
+        </p:blipFill>
+        <p:spPr>
+          <a:xfrm>
+            <a:off x="3972019" y="1295400"/>
+            <a:ext cx="5171981" cy="5048250"/>
+          </a:xfrm>
+          <a:prstGeom prst="rect">
+            <a:avLst/>
+          </a:prstGeom>
+        </p:spPr>
+      </p:pic>
     </p:spTree>
     <p:extLst>
       <p:ext uri="{BB962C8B-B14F-4D97-AF65-F5344CB8AC3E}">
@@ -12733,151 +13849,7 @@
 </p:sld>
 </file>
 
-<file path=ppt/slides/slide28.xml><?xml version="1.0" encoding="utf-8"?>
-<p:sld xmlns:a="http://schemas.openxmlformats.org/drawingml/2006/main" xmlns:r="http://schemas.openxmlformats.org/officeDocument/2006/relationships" xmlns:p="http://schemas.openxmlformats.org/presentationml/2006/main">
-  <p:cSld>
-    <p:spTree>
-      <p:nvGrpSpPr>
-        <p:cNvPr id="1" name=""/>
-        <p:cNvGrpSpPr/>
-        <p:nvPr/>
-      </p:nvGrpSpPr>
-      <p:grpSpPr>
-        <a:xfrm>
-          <a:off x="0" y="0"/>
-          <a:ext cx="0" cy="0"/>
-          <a:chOff x="0" y="0"/>
-          <a:chExt cx="0" cy="0"/>
-        </a:xfrm>
-      </p:grpSpPr>
-      <p:sp>
-        <p:nvSpPr>
-          <p:cNvPr id="8" name="标题 3"/>
-          <p:cNvSpPr txBox="1">
-            <a:spLocks/>
-          </p:cNvSpPr>
-          <p:nvPr/>
-        </p:nvSpPr>
-        <p:spPr>
-          <a:xfrm>
-            <a:off x="571170" y="677960"/>
-            <a:ext cx="8115630" cy="617440"/>
-          </a:xfrm>
-          <a:prstGeom prst="rect">
-            <a:avLst/>
-          </a:prstGeom>
-          <a:ln>
-            <a:noFill/>
-          </a:ln>
-        </p:spPr>
-        <p:txBody>
-          <a:bodyPr vert="horz"/>
-          <a:lstStyle>
-            <a:lvl1pPr algn="l" defTabSz="457200" rtl="0" eaLnBrk="1" latinLnBrk="0" hangingPunct="1">
-              <a:lnSpc>
-                <a:spcPct val="90000"/>
-              </a:lnSpc>
-              <a:spcBef>
-                <a:spcPct val="0"/>
-              </a:spcBef>
-              <a:buNone/>
-              <a:defRPr sz="2600" b="1" i="0" kern="1200" baseline="0">
-                <a:solidFill>
-                  <a:srgbClr val="4ACBD6"/>
-                </a:solidFill>
-                <a:latin typeface="Arial"/>
-                <a:ea typeface="+mj-ea"/>
-                <a:cs typeface="Arial"/>
-              </a:defRPr>
-            </a:lvl1pPr>
-          </a:lstStyle>
-          <a:p>
-            <a:r>
-              <a:rPr lang="en-US" altLang="zh-CN" sz="3200" dirty="0" smtClean="0">
-                <a:latin typeface="+mj-ea"/>
-              </a:rPr>
-              <a:t>6.3. </a:t>
-            </a:r>
-            <a:r>
-              <a:rPr lang="en-US" altLang="zh-CN" sz="3200" dirty="0" smtClean="0">
-                <a:latin typeface="+mj-ea"/>
-              </a:rPr>
-              <a:t>32</a:t>
-            </a:r>
-            <a:r>
-              <a:rPr lang="zh-CN" altLang="en-US" sz="3200" dirty="0" smtClean="0">
-                <a:latin typeface="+mj-ea"/>
-              </a:rPr>
-              <a:t>位系统运行测试</a:t>
-            </a:r>
-            <a:endParaRPr lang="zh-CN" altLang="en-US" sz="3200" dirty="0">
-              <a:latin typeface="+mj-ea"/>
-            </a:endParaRPr>
-          </a:p>
-        </p:txBody>
-      </p:sp>
-      <p:pic>
-        <p:nvPicPr>
-          <p:cNvPr id="13" name="图片 12"/>
-          <p:cNvPicPr>
-            <a:picLocks noChangeAspect="1"/>
-          </p:cNvPicPr>
-          <p:nvPr/>
-        </p:nvPicPr>
-        <p:blipFill>
-          <a:blip r:embed="rId2"/>
-          <a:stretch>
-            <a:fillRect/>
-          </a:stretch>
-        </p:blipFill>
-        <p:spPr>
-          <a:xfrm>
-            <a:off x="571170" y="1528762"/>
-            <a:ext cx="3981450" cy="3695700"/>
-          </a:xfrm>
-          <a:prstGeom prst="rect">
-            <a:avLst/>
-          </a:prstGeom>
-        </p:spPr>
-      </p:pic>
-      <p:pic>
-        <p:nvPicPr>
-          <p:cNvPr id="14" name="图片 13"/>
-          <p:cNvPicPr>
-            <a:picLocks noChangeAspect="1"/>
-          </p:cNvPicPr>
-          <p:nvPr/>
-        </p:nvPicPr>
-        <p:blipFill>
-          <a:blip r:embed="rId3"/>
-          <a:stretch>
-            <a:fillRect/>
-          </a:stretch>
-        </p:blipFill>
-        <p:spPr>
-          <a:xfrm>
-            <a:off x="4552620" y="1547812"/>
-            <a:ext cx="4162425" cy="3686175"/>
-          </a:xfrm>
-          <a:prstGeom prst="rect">
-            <a:avLst/>
-          </a:prstGeom>
-        </p:spPr>
-      </p:pic>
-    </p:spTree>
-    <p:extLst>
-      <p:ext uri="{BB962C8B-B14F-4D97-AF65-F5344CB8AC3E}">
-        <p14:creationId xmlns:p14="http://schemas.microsoft.com/office/powerpoint/2010/main" val="1146236187"/>
-      </p:ext>
-    </p:extLst>
-  </p:cSld>
-  <p:clrMapOvr>
-    <a:masterClrMapping/>
-  </p:clrMapOvr>
-</p:sld>
-</file>
-
-<file path=ppt/slides/slide29.xml><?xml version="1.0" encoding="utf-8"?>
+<file path=ppt/slides/slide27.xml><?xml version="1.0" encoding="utf-8"?>
 <p:sld xmlns:a="http://schemas.openxmlformats.org/drawingml/2006/main" xmlns:r="http://schemas.openxmlformats.org/officeDocument/2006/relationships" xmlns:p="http://schemas.openxmlformats.org/presentationml/2006/main">
   <p:cSld>
     <p:spTree>
@@ -13249,6 +14221,182 @@
 </p:sld>
 </file>
 
+<file path=ppt/slides/slide28.xml><?xml version="1.0" encoding="utf-8"?>
+<p:sld xmlns:a="http://schemas.openxmlformats.org/drawingml/2006/main" xmlns:r="http://schemas.openxmlformats.org/officeDocument/2006/relationships" xmlns:p="http://schemas.openxmlformats.org/presentationml/2006/main">
+  <p:cSld>
+    <p:spTree>
+      <p:nvGrpSpPr>
+        <p:cNvPr id="1" name=""/>
+        <p:cNvGrpSpPr/>
+        <p:nvPr/>
+      </p:nvGrpSpPr>
+      <p:grpSpPr>
+        <a:xfrm>
+          <a:off x="0" y="0"/>
+          <a:ext cx="0" cy="0"/>
+          <a:chOff x="0" y="0"/>
+          <a:chExt cx="0" cy="0"/>
+        </a:xfrm>
+      </p:grpSpPr>
+      <p:sp>
+        <p:nvSpPr>
+          <p:cNvPr id="3" name="文本占位符 2"/>
+          <p:cNvSpPr>
+            <a:spLocks noGrp="1"/>
+          </p:cNvSpPr>
+          <p:nvPr>
+            <p:ph type="body" sz="quarter" idx="13"/>
+          </p:nvPr>
+        </p:nvSpPr>
+        <p:spPr/>
+        <p:txBody>
+          <a:bodyPr/>
+          <a:lstStyle/>
+          <a:p>
+            <a:r>
+              <a:rPr lang="zh-CN" altLang="en-US" sz="2400" dirty="0" smtClean="0"/>
+              <a:t>巩固了编程技术</a:t>
+            </a:r>
+            <a:endParaRPr lang="en-US" altLang="zh-CN" sz="2400" dirty="0" smtClean="0"/>
+          </a:p>
+          <a:p>
+            <a:r>
+              <a:rPr lang="zh-CN" altLang="en-US" sz="2400" dirty="0"/>
+              <a:t>学到了</a:t>
+            </a:r>
+            <a:r>
+              <a:rPr lang="zh-CN" altLang="en-US" sz="2400" dirty="0" smtClean="0"/>
+              <a:t>新的知识</a:t>
+            </a:r>
+            <a:endParaRPr lang="en-US" altLang="zh-CN" sz="2400" dirty="0"/>
+          </a:p>
+          <a:p>
+            <a:r>
+              <a:rPr lang="zh-CN" altLang="en-US" sz="2400" dirty="0" smtClean="0"/>
+              <a:t>熟悉了组里的项目</a:t>
+            </a:r>
+            <a:endParaRPr lang="en-US" altLang="zh-CN" sz="2400" dirty="0" smtClean="0"/>
+          </a:p>
+        </p:txBody>
+      </p:sp>
+      <p:sp>
+        <p:nvSpPr>
+          <p:cNvPr id="7" name="标题 3"/>
+          <p:cNvSpPr txBox="1">
+            <a:spLocks/>
+          </p:cNvSpPr>
+          <p:nvPr/>
+        </p:nvSpPr>
+        <p:spPr>
+          <a:xfrm>
+            <a:off x="571170" y="677960"/>
+            <a:ext cx="8115630" cy="617440"/>
+          </a:xfrm>
+          <a:prstGeom prst="rect">
+            <a:avLst/>
+          </a:prstGeom>
+          <a:ln>
+            <a:noFill/>
+          </a:ln>
+        </p:spPr>
+        <p:txBody>
+          <a:bodyPr vert="horz"/>
+          <a:lstStyle>
+            <a:lvl1pPr algn="l" defTabSz="457200" rtl="0" eaLnBrk="1" latinLnBrk="0" hangingPunct="1">
+              <a:lnSpc>
+                <a:spcPct val="90000"/>
+              </a:lnSpc>
+              <a:spcBef>
+                <a:spcPct val="0"/>
+              </a:spcBef>
+              <a:buNone/>
+              <a:defRPr sz="2600" b="1" i="0" kern="1200" baseline="0">
+                <a:solidFill>
+                  <a:srgbClr val="4ACBD6"/>
+                </a:solidFill>
+                <a:latin typeface="Arial"/>
+                <a:ea typeface="+mj-ea"/>
+                <a:cs typeface="Arial"/>
+              </a:defRPr>
+            </a:lvl1pPr>
+          </a:lstStyle>
+          <a:p>
+            <a:r>
+              <a:rPr lang="en-US" altLang="zh-CN" sz="3200" dirty="0" smtClean="0">
+                <a:latin typeface="+mj-ea"/>
+              </a:rPr>
+              <a:t>7. </a:t>
+            </a:r>
+            <a:r>
+              <a:rPr lang="zh-CN" altLang="en-US" sz="3200" dirty="0" smtClean="0">
+                <a:latin typeface="+mj-ea"/>
+              </a:rPr>
+              <a:t>感想</a:t>
+            </a:r>
+            <a:endParaRPr lang="zh-CN" altLang="en-US" sz="3200" dirty="0">
+              <a:latin typeface="+mj-ea"/>
+            </a:endParaRPr>
+          </a:p>
+        </p:txBody>
+      </p:sp>
+    </p:spTree>
+    <p:extLst>
+      <p:ext uri="{BB962C8B-B14F-4D97-AF65-F5344CB8AC3E}">
+        <p14:creationId xmlns:p14="http://schemas.microsoft.com/office/powerpoint/2010/main" val="2909498845"/>
+      </p:ext>
+    </p:extLst>
+  </p:cSld>
+  <p:clrMapOvr>
+    <a:masterClrMapping/>
+  </p:clrMapOvr>
+  <p:transition spd="slow">
+    <p:push dir="u"/>
+  </p:transition>
+  <p:timing>
+    <p:tnLst>
+      <p:par>
+        <p:cTn id="1" dur="indefinite" restart="never" nodeType="tmRoot"/>
+      </p:par>
+    </p:tnLst>
+  </p:timing>
+</p:sld>
+</file>
+
+<file path=ppt/slides/slide29.xml><?xml version="1.0" encoding="utf-8"?>
+<p:sld xmlns:a="http://schemas.openxmlformats.org/drawingml/2006/main" xmlns:r="http://schemas.openxmlformats.org/officeDocument/2006/relationships" xmlns:p="http://schemas.openxmlformats.org/presentationml/2006/main">
+  <p:cSld>
+    <p:spTree>
+      <p:nvGrpSpPr>
+        <p:cNvPr id="1" name=""/>
+        <p:cNvGrpSpPr/>
+        <p:nvPr/>
+      </p:nvGrpSpPr>
+      <p:grpSpPr>
+        <a:xfrm>
+          <a:off x="0" y="0"/>
+          <a:ext cx="0" cy="0"/>
+          <a:chOff x="0" y="0"/>
+          <a:chExt cx="0" cy="0"/>
+        </a:xfrm>
+      </p:grpSpPr>
+    </p:spTree>
+  </p:cSld>
+  <p:clrMapOvr>
+    <a:masterClrMapping/>
+  </p:clrMapOvr>
+  <p:transition spd="slow">
+    <p:push dir="u"/>
+  </p:transition>
+  <p:timing>
+    <p:tnLst>
+      <p:par>
+        <p:cTn id="1" dur="indefinite" restart="never" nodeType="tmRoot"/>
+      </p:par>
+    </p:tnLst>
+  </p:timing>
+</p:sld>
+</file>
+
 <file path=ppt/slides/slide3.xml><?xml version="1.0" encoding="utf-8"?>
 <p:sld xmlns:a="http://schemas.openxmlformats.org/drawingml/2006/main" xmlns:r="http://schemas.openxmlformats.org/officeDocument/2006/relationships" xmlns:p="http://schemas.openxmlformats.org/presentationml/2006/main">
   <p:cSld>
@@ -13608,182 +14756,6 @@
 </p:sld>
 </file>
 
-<file path=ppt/slides/slide30.xml><?xml version="1.0" encoding="utf-8"?>
-<p:sld xmlns:a="http://schemas.openxmlformats.org/drawingml/2006/main" xmlns:r="http://schemas.openxmlformats.org/officeDocument/2006/relationships" xmlns:p="http://schemas.openxmlformats.org/presentationml/2006/main">
-  <p:cSld>
-    <p:spTree>
-      <p:nvGrpSpPr>
-        <p:cNvPr id="1" name=""/>
-        <p:cNvGrpSpPr/>
-        <p:nvPr/>
-      </p:nvGrpSpPr>
-      <p:grpSpPr>
-        <a:xfrm>
-          <a:off x="0" y="0"/>
-          <a:ext cx="0" cy="0"/>
-          <a:chOff x="0" y="0"/>
-          <a:chExt cx="0" cy="0"/>
-        </a:xfrm>
-      </p:grpSpPr>
-      <p:sp>
-        <p:nvSpPr>
-          <p:cNvPr id="3" name="文本占位符 2"/>
-          <p:cNvSpPr>
-            <a:spLocks noGrp="1"/>
-          </p:cNvSpPr>
-          <p:nvPr>
-            <p:ph type="body" sz="quarter" idx="13"/>
-          </p:nvPr>
-        </p:nvSpPr>
-        <p:spPr/>
-        <p:txBody>
-          <a:bodyPr/>
-          <a:lstStyle/>
-          <a:p>
-            <a:r>
-              <a:rPr lang="zh-CN" altLang="en-US" sz="2400" dirty="0" smtClean="0"/>
-              <a:t>巩固了编程技术</a:t>
-            </a:r>
-            <a:endParaRPr lang="en-US" altLang="zh-CN" sz="2400" dirty="0" smtClean="0"/>
-          </a:p>
-          <a:p>
-            <a:r>
-              <a:rPr lang="zh-CN" altLang="en-US" sz="2400" dirty="0"/>
-              <a:t>学到了</a:t>
-            </a:r>
-            <a:r>
-              <a:rPr lang="zh-CN" altLang="en-US" sz="2400" dirty="0" smtClean="0"/>
-              <a:t>新的知识</a:t>
-            </a:r>
-            <a:endParaRPr lang="en-US" altLang="zh-CN" sz="2400" dirty="0"/>
-          </a:p>
-          <a:p>
-            <a:r>
-              <a:rPr lang="zh-CN" altLang="en-US" sz="2400" dirty="0" smtClean="0"/>
-              <a:t>熟悉了组里的项目</a:t>
-            </a:r>
-            <a:endParaRPr lang="en-US" altLang="zh-CN" sz="2400" dirty="0" smtClean="0"/>
-          </a:p>
-        </p:txBody>
-      </p:sp>
-      <p:sp>
-        <p:nvSpPr>
-          <p:cNvPr id="7" name="标题 3"/>
-          <p:cNvSpPr txBox="1">
-            <a:spLocks/>
-          </p:cNvSpPr>
-          <p:nvPr/>
-        </p:nvSpPr>
-        <p:spPr>
-          <a:xfrm>
-            <a:off x="571170" y="677960"/>
-            <a:ext cx="8115630" cy="617440"/>
-          </a:xfrm>
-          <a:prstGeom prst="rect">
-            <a:avLst/>
-          </a:prstGeom>
-          <a:ln>
-            <a:noFill/>
-          </a:ln>
-        </p:spPr>
-        <p:txBody>
-          <a:bodyPr vert="horz"/>
-          <a:lstStyle>
-            <a:lvl1pPr algn="l" defTabSz="457200" rtl="0" eaLnBrk="1" latinLnBrk="0" hangingPunct="1">
-              <a:lnSpc>
-                <a:spcPct val="90000"/>
-              </a:lnSpc>
-              <a:spcBef>
-                <a:spcPct val="0"/>
-              </a:spcBef>
-              <a:buNone/>
-              <a:defRPr sz="2600" b="1" i="0" kern="1200" baseline="0">
-                <a:solidFill>
-                  <a:srgbClr val="4ACBD6"/>
-                </a:solidFill>
-                <a:latin typeface="Arial"/>
-                <a:ea typeface="+mj-ea"/>
-                <a:cs typeface="Arial"/>
-              </a:defRPr>
-            </a:lvl1pPr>
-          </a:lstStyle>
-          <a:p>
-            <a:r>
-              <a:rPr lang="en-US" altLang="zh-CN" sz="3200" dirty="0" smtClean="0">
-                <a:latin typeface="+mj-ea"/>
-              </a:rPr>
-              <a:t>7. </a:t>
-            </a:r>
-            <a:r>
-              <a:rPr lang="zh-CN" altLang="en-US" sz="3200" dirty="0" smtClean="0">
-                <a:latin typeface="+mj-ea"/>
-              </a:rPr>
-              <a:t>感想</a:t>
-            </a:r>
-            <a:endParaRPr lang="zh-CN" altLang="en-US" sz="3200" dirty="0">
-              <a:latin typeface="+mj-ea"/>
-            </a:endParaRPr>
-          </a:p>
-        </p:txBody>
-      </p:sp>
-    </p:spTree>
-    <p:extLst>
-      <p:ext uri="{BB962C8B-B14F-4D97-AF65-F5344CB8AC3E}">
-        <p14:creationId xmlns:p14="http://schemas.microsoft.com/office/powerpoint/2010/main" val="2909498845"/>
-      </p:ext>
-    </p:extLst>
-  </p:cSld>
-  <p:clrMapOvr>
-    <a:masterClrMapping/>
-  </p:clrMapOvr>
-  <p:transition spd="slow">
-    <p:push dir="u"/>
-  </p:transition>
-  <p:timing>
-    <p:tnLst>
-      <p:par>
-        <p:cTn id="1" dur="indefinite" restart="never" nodeType="tmRoot"/>
-      </p:par>
-    </p:tnLst>
-  </p:timing>
-</p:sld>
-</file>
-
-<file path=ppt/slides/slide31.xml><?xml version="1.0" encoding="utf-8"?>
-<p:sld xmlns:a="http://schemas.openxmlformats.org/drawingml/2006/main" xmlns:r="http://schemas.openxmlformats.org/officeDocument/2006/relationships" xmlns:p="http://schemas.openxmlformats.org/presentationml/2006/main">
-  <p:cSld>
-    <p:spTree>
-      <p:nvGrpSpPr>
-        <p:cNvPr id="1" name=""/>
-        <p:cNvGrpSpPr/>
-        <p:nvPr/>
-      </p:nvGrpSpPr>
-      <p:grpSpPr>
-        <a:xfrm>
-          <a:off x="0" y="0"/>
-          <a:ext cx="0" cy="0"/>
-          <a:chOff x="0" y="0"/>
-          <a:chExt cx="0" cy="0"/>
-        </a:xfrm>
-      </p:grpSpPr>
-    </p:spTree>
-  </p:cSld>
-  <p:clrMapOvr>
-    <a:masterClrMapping/>
-  </p:clrMapOvr>
-  <p:transition spd="slow">
-    <p:push dir="u"/>
-  </p:transition>
-  <p:timing>
-    <p:tnLst>
-      <p:par>
-        <p:cTn id="1" dur="indefinite" restart="never" nodeType="tmRoot"/>
-      </p:par>
-    </p:tnLst>
-  </p:timing>
-</p:sld>
-</file>
-
 <file path=ppt/slides/slide4.xml><?xml version="1.0" encoding="utf-8"?>
 <p:sld xmlns:a="http://schemas.openxmlformats.org/drawingml/2006/main" xmlns:r="http://schemas.openxmlformats.org/officeDocument/2006/relationships" xmlns:p="http://schemas.openxmlformats.org/presentationml/2006/main">
   <p:cSld>
@@ -13992,7 +14964,28 @@
                 <a:latin typeface="宋体" panose="02010600030101010101" pitchFamily="2" charset="-122"/>
                 <a:ea typeface="宋体" panose="02010600030101010101" pitchFamily="2" charset="-122"/>
               </a:rPr>
-              <a:t>有良好的拓展性</a:t>
+              <a:t>有良好的拓展</a:t>
+            </a:r>
+            <a:r>
+              <a:rPr lang="zh-CN" altLang="en-US" sz="1800" dirty="0" smtClean="0">
+                <a:latin typeface="宋体" panose="02010600030101010101" pitchFamily="2" charset="-122"/>
+                <a:ea typeface="宋体" panose="02010600030101010101" pitchFamily="2" charset="-122"/>
+              </a:rPr>
+              <a:t>性，方便拓展测试</a:t>
+            </a:r>
+            <a:r>
+              <a:rPr lang="en-US" altLang="zh-CN" sz="1800" dirty="0" smtClean="0">
+                <a:latin typeface="宋体" panose="02010600030101010101" pitchFamily="2" charset="-122"/>
+                <a:ea typeface="宋体" panose="02010600030101010101" pitchFamily="2" charset="-122"/>
+              </a:rPr>
+              <a:t>Controller</a:t>
+            </a:r>
+            <a:r>
+              <a:rPr lang="zh-CN" altLang="en-US" sz="1800" dirty="0" smtClean="0">
+                <a:latin typeface="宋体" panose="02010600030101010101" pitchFamily="2" charset="-122"/>
+                <a:ea typeface="宋体" panose="02010600030101010101" pitchFamily="2" charset="-122"/>
+              </a:rPr>
+              <a:t>的功能</a:t>
             </a:r>
             <a:endParaRPr lang="en-US" altLang="zh-CN" sz="1800" dirty="0">
               <a:latin typeface="宋体" panose="02010600030101010101" pitchFamily="2" charset="-122"/>
@@ -14011,62 +15004,18 @@
               <a:buChar char="l"/>
             </a:pPr>
             <a:r>
+              <a:rPr lang="zh-CN" altLang="en-US" sz="1800" dirty="0" smtClean="0">
+                <a:latin typeface="宋体" panose="02010600030101010101" pitchFamily="2" charset="-122"/>
+                <a:ea typeface="宋体" panose="02010600030101010101" pitchFamily="2" charset="-122"/>
+              </a:rPr>
+              <a:t>可</a:t>
+            </a:r>
+            <a:r>
               <a:rPr lang="zh-CN" altLang="en-US" sz="1800" dirty="0">
                 <a:latin typeface="宋体" panose="02010600030101010101" pitchFamily="2" charset="-122"/>
                 <a:ea typeface="宋体" panose="02010600030101010101" pitchFamily="2" charset="-122"/>
               </a:rPr>
-              <a:t>支持</a:t>
-            </a:r>
-            <a:r>
-              <a:rPr lang="en-US" altLang="zh-CN" sz="1800" dirty="0">
-                <a:latin typeface="宋体" panose="02010600030101010101" pitchFamily="2" charset="-122"/>
-                <a:ea typeface="宋体" panose="02010600030101010101" pitchFamily="2" charset="-122"/>
-              </a:rPr>
-              <a:t>32/64</a:t>
-            </a:r>
-            <a:r>
-              <a:rPr lang="zh-CN" altLang="en-US" sz="1800" dirty="0">
-                <a:latin typeface="宋体" panose="02010600030101010101" pitchFamily="2" charset="-122"/>
-                <a:ea typeface="宋体" panose="02010600030101010101" pitchFamily="2" charset="-122"/>
-              </a:rPr>
-              <a:t>位</a:t>
-            </a:r>
-            <a:r>
-              <a:rPr lang="en-US" altLang="zh-CN" sz="1800" dirty="0">
-                <a:latin typeface="宋体" panose="02010600030101010101" pitchFamily="2" charset="-122"/>
-                <a:ea typeface="宋体" panose="02010600030101010101" pitchFamily="2" charset="-122"/>
-              </a:rPr>
-              <a:t>Windows</a:t>
-            </a:r>
-            <a:r>
-              <a:rPr lang="zh-CN" altLang="en-US" sz="1800" dirty="0">
-                <a:latin typeface="宋体" panose="02010600030101010101" pitchFamily="2" charset="-122"/>
-                <a:ea typeface="宋体" panose="02010600030101010101" pitchFamily="2" charset="-122"/>
-              </a:rPr>
-              <a:t>系统</a:t>
-            </a:r>
-            <a:endParaRPr lang="en-US" altLang="zh-CN" sz="1800" dirty="0">
-              <a:latin typeface="宋体" panose="02010600030101010101" pitchFamily="2" charset="-122"/>
-              <a:ea typeface="宋体" panose="02010600030101010101" pitchFamily="2" charset="-122"/>
-            </a:endParaRPr>
-          </a:p>
-          <a:p>
-            <a:pPr marL="576000" lvl="1" indent="-360000">
-              <a:lnSpc>
-                <a:spcPct val="140000"/>
-              </a:lnSpc>
-              <a:spcAft>
-                <a:spcPts val="600"/>
-              </a:spcAft>
-              <a:buFont typeface="Wingdings" panose="05000000000000000000" pitchFamily="2" charset="2"/>
-              <a:buChar char="l"/>
-            </a:pPr>
-            <a:r>
-              <a:rPr lang="zh-CN" altLang="en-US" sz="1800" dirty="0">
-                <a:latin typeface="宋体" panose="02010600030101010101" pitchFamily="2" charset="-122"/>
-                <a:ea typeface="宋体" panose="02010600030101010101" pitchFamily="2" charset="-122"/>
-              </a:rPr>
-              <a:t>可同时运行至少</a:t>
+              <a:t>同时运行至少</a:t>
             </a:r>
             <a:r>
               <a:rPr lang="en-US" altLang="zh-CN" sz="1800" dirty="0">
@@ -14545,8 +15494,8 @@
         </p:nvSpPr>
         <p:spPr>
           <a:xfrm>
-            <a:off x="576000" y="1476000"/>
-            <a:ext cx="7412898" cy="1104363"/>
+            <a:off x="576000" y="1476001"/>
+            <a:ext cx="7412898" cy="943350"/>
           </a:xfrm>
         </p:spPr>
         <p:txBody>
@@ -14633,21 +15582,7 @@
                 <a:latin typeface="宋体" panose="02010600030101010101" pitchFamily="2" charset="-122"/>
                 <a:ea typeface="宋体" panose="02010600030101010101" pitchFamily="2" charset="-122"/>
               </a:rPr>
-              <a:t>的状态按照协议</a:t>
-            </a:r>
-            <a:r>
-              <a:rPr lang="zh-CN" altLang="en-US" sz="2000" dirty="0">
-                <a:latin typeface="宋体" panose="02010600030101010101" pitchFamily="2" charset="-122"/>
-                <a:ea typeface="宋体" panose="02010600030101010101" pitchFamily="2" charset="-122"/>
-              </a:rPr>
-              <a:t>说明</a:t>
-            </a:r>
-            <a:r>
-              <a:rPr lang="zh-CN" altLang="en-US" sz="2000" dirty="0" smtClean="0">
-                <a:latin typeface="宋体" panose="02010600030101010101" pitchFamily="2" charset="-122"/>
-                <a:ea typeface="宋体" panose="02010600030101010101" pitchFamily="2" charset="-122"/>
-              </a:rPr>
-              <a:t>变化</a:t>
+              <a:t>在收养过程中的状态按照协议变化</a:t>
             </a:r>
             <a:endParaRPr lang="en-US" altLang="zh-CN" sz="2000" dirty="0" smtClean="0">
               <a:latin typeface="宋体" panose="02010600030101010101" pitchFamily="2" charset="-122"/>
@@ -14864,12 +15799,12 @@
           <a:graphicData uri="http://schemas.openxmlformats.org/presentationml/2006/ole">
             <mc:AlternateContent xmlns:mc="http://schemas.openxmlformats.org/markup-compatibility/2006">
               <mc:Choice xmlns:v="urn:schemas-microsoft-com:vml" Requires="v">
-                <p:oleObj spid="_x0000_s5148" name="Visio" r:id="rId3" imgW="6381621" imgH="4562460" progId="Visio.Drawing.15">
+                <p:oleObj spid="_x0000_s5154" name="Visio" r:id="rId4" imgW="6381621" imgH="4562460" progId="Visio.Drawing.15">
                   <p:embed/>
                 </p:oleObj>
               </mc:Choice>
               <mc:Fallback>
-                <p:oleObj name="Visio" r:id="rId3" imgW="6381621" imgH="4562460" progId="Visio.Drawing.15">
+                <p:oleObj name="Visio" r:id="rId4" imgW="6381621" imgH="4562460" progId="Visio.Drawing.15">
                   <p:embed/>
                   <p:pic>
                     <p:nvPicPr>
@@ -14880,7 +15815,7 @@
                       <p:nvPr/>
                     </p:nvPicPr>
                     <p:blipFill>
-                      <a:blip r:embed="rId4"/>
+                      <a:blip r:embed="rId5"/>
                       <a:srcRect/>
                       <a:stretch>
                         <a:fillRect/>
